--- a/Nouveau Présentation Microsoft Office PowerPoint.pptx
+++ b/Nouveau Présentation Microsoft Office PowerPoint.pptx
@@ -206,7 +206,7 @@
             <a:fld id="{24ED655A-31B7-481E-90CB-E468D65B71B3}" type="datetimeFigureOut">
               <a:rPr lang="fr-FR" smtClean="0"/>
               <a:pPr/>
-              <a:t>01/05/2022</a:t>
+              <a:t>17/05/2022</a:t>
             </a:fld>
             <a:endParaRPr lang="fr-FR"/>
           </a:p>
@@ -1180,7 +1180,7 @@
             <a:fld id="{690D224E-297F-412A-A36D-E9CFF743A8CE}" type="datetimeFigureOut">
               <a:rPr lang="fr-FR" smtClean="0"/>
               <a:pPr/>
-              <a:t>01/05/2022</a:t>
+              <a:t>17/05/2022</a:t>
             </a:fld>
             <a:endParaRPr lang="fr-FR"/>
           </a:p>
@@ -1378,7 +1378,7 @@
             <a:fld id="{690D224E-297F-412A-A36D-E9CFF743A8CE}" type="datetimeFigureOut">
               <a:rPr lang="fr-FR" smtClean="0"/>
               <a:pPr/>
-              <a:t>01/05/2022</a:t>
+              <a:t>17/05/2022</a:t>
             </a:fld>
             <a:endParaRPr lang="fr-FR"/>
           </a:p>
@@ -1565,7 +1565,7 @@
             <a:fld id="{690D224E-297F-412A-A36D-E9CFF743A8CE}" type="datetimeFigureOut">
               <a:rPr lang="fr-FR" smtClean="0"/>
               <a:pPr/>
-              <a:t>01/05/2022</a:t>
+              <a:t>17/05/2022</a:t>
             </a:fld>
             <a:endParaRPr lang="fr-FR"/>
           </a:p>
@@ -1717,7 +1717,7 @@
             <a:fld id="{690D224E-297F-412A-A36D-E9CFF743A8CE}" type="datetimeFigureOut">
               <a:rPr lang="fr-FR" smtClean="0"/>
               <a:pPr/>
-              <a:t>01/05/2022</a:t>
+              <a:t>17/05/2022</a:t>
             </a:fld>
             <a:endParaRPr lang="fr-FR"/>
           </a:p>
@@ -1974,7 +1974,7 @@
             <a:fld id="{690D224E-297F-412A-A36D-E9CFF743A8CE}" type="datetimeFigureOut">
               <a:rPr lang="fr-FR" smtClean="0"/>
               <a:pPr/>
-              <a:t>01/05/2022</a:t>
+              <a:t>17/05/2022</a:t>
             </a:fld>
             <a:endParaRPr lang="fr-FR"/>
           </a:p>
@@ -2385,7 +2385,7 @@
             <a:fld id="{690D224E-297F-412A-A36D-E9CFF743A8CE}" type="datetimeFigureOut">
               <a:rPr lang="fr-FR" smtClean="0"/>
               <a:pPr/>
-              <a:t>01/05/2022</a:t>
+              <a:t>17/05/2022</a:t>
             </a:fld>
             <a:endParaRPr lang="fr-FR"/>
           </a:p>
@@ -2833,7 +2833,7 @@
             <a:fld id="{690D224E-297F-412A-A36D-E9CFF743A8CE}" type="datetimeFigureOut">
               <a:rPr lang="fr-FR" smtClean="0"/>
               <a:pPr/>
-              <a:t>01/05/2022</a:t>
+              <a:t>17/05/2022</a:t>
             </a:fld>
             <a:endParaRPr lang="fr-FR"/>
           </a:p>
@@ -2936,7 +2936,7 @@
             <a:fld id="{690D224E-297F-412A-A36D-E9CFF743A8CE}" type="datetimeFigureOut">
               <a:rPr lang="fr-FR" smtClean="0"/>
               <a:pPr/>
-              <a:t>01/05/2022</a:t>
+              <a:t>17/05/2022</a:t>
             </a:fld>
             <a:endParaRPr lang="fr-FR"/>
           </a:p>
@@ -3059,7 +3059,7 @@
             <a:fld id="{690D224E-297F-412A-A36D-E9CFF743A8CE}" type="datetimeFigureOut">
               <a:rPr lang="fr-FR" smtClean="0"/>
               <a:pPr/>
-              <a:t>01/05/2022</a:t>
+              <a:t>17/05/2022</a:t>
             </a:fld>
             <a:endParaRPr lang="fr-FR"/>
           </a:p>
@@ -3335,7 +3335,7 @@
             <a:fld id="{690D224E-297F-412A-A36D-E9CFF743A8CE}" type="datetimeFigureOut">
               <a:rPr lang="fr-FR" smtClean="0"/>
               <a:pPr/>
-              <a:t>01/05/2022</a:t>
+              <a:t>17/05/2022</a:t>
             </a:fld>
             <a:endParaRPr lang="fr-FR"/>
           </a:p>
@@ -3542,7 +3542,7 @@
             <a:fld id="{690D224E-297F-412A-A36D-E9CFF743A8CE}" type="datetimeFigureOut">
               <a:rPr lang="fr-FR" smtClean="0"/>
               <a:pPr/>
-              <a:t>01/05/2022</a:t>
+              <a:t>17/05/2022</a:t>
             </a:fld>
             <a:endParaRPr lang="fr-FR"/>
           </a:p>
@@ -4653,7 +4653,7 @@
             <a:fld id="{690D224E-297F-412A-A36D-E9CFF743A8CE}" type="datetimeFigureOut">
               <a:rPr lang="fr-FR" smtClean="0"/>
               <a:pPr/>
-              <a:t>01/05/2022</a:t>
+              <a:t>17/05/2022</a:t>
             </a:fld>
             <a:endParaRPr lang="fr-FR"/>
           </a:p>
@@ -5262,47 +5262,121 @@
           <a:lstStyle/>
           <a:p>
             <a:r>
-              <a:rPr lang="fr-FR" dirty="0" err="1" smtClean="0"/>
+              <a:rPr lang="fr-FR" sz="1600" dirty="0" smtClean="0"/>
+              <a:t>Pour afficher un tableau </a:t>
+            </a:r>
+            <a:r>
+              <a:rPr lang="fr-FR" sz="1600" dirty="0" err="1" smtClean="0"/>
+              <a:t>recapitulatif</a:t>
+            </a:r>
+            <a:r>
+              <a:rPr lang="fr-FR" sz="1600" dirty="0" smtClean="0"/>
+              <a:t> </a:t>
+            </a:r>
+            <a:r>
+              <a:rPr lang="fr-FR" sz="1600" dirty="0" smtClean="0"/>
+              <a:t>des achat dans la page panier je vais utiliser la </a:t>
+            </a:r>
+            <a:r>
+              <a:rPr lang="fr-FR" sz="1600" dirty="0" err="1" smtClean="0"/>
+              <a:t>methode</a:t>
+            </a:r>
+            <a:r>
+              <a:rPr lang="fr-FR" sz="1600" dirty="0" smtClean="0"/>
+              <a:t> </a:t>
+            </a:r>
+            <a:r>
+              <a:rPr lang="fr-FR" sz="1600" dirty="0" err="1" smtClean="0"/>
+              <a:t>foreach</a:t>
+            </a:r>
+            <a:endParaRPr lang="fr-FR" sz="1600" dirty="0" smtClean="0"/>
+          </a:p>
+          <a:p>
+            <a:r>
+              <a:rPr lang="fr-FR" sz="1600" dirty="0" err="1" smtClean="0"/>
               <a:t>cart.forEach</a:t>
             </a:r>
             <a:r>
-              <a:rPr lang="fr-FR" dirty="0" smtClean="0"/>
+              <a:rPr lang="fr-FR" sz="1600" dirty="0" smtClean="0"/>
               <a:t>((</a:t>
             </a:r>
             <a:r>
-              <a:rPr lang="fr-FR" i="1" dirty="0" smtClean="0"/>
+              <a:rPr lang="fr-FR" sz="1600" i="1" dirty="0" smtClean="0"/>
               <a:t>item</a:t>
             </a:r>
             <a:r>
-              <a:rPr lang="fr-FR" dirty="0" smtClean="0"/>
+              <a:rPr lang="fr-FR" sz="1600" dirty="0" smtClean="0"/>
               <a:t>) =&gt; </a:t>
             </a:r>
             <a:r>
-              <a:rPr lang="fr-FR" dirty="0" err="1" smtClean="0"/>
+              <a:rPr lang="fr-FR" sz="1600" dirty="0" err="1" smtClean="0"/>
               <a:t>displayItem</a:t>
             </a:r>
             <a:r>
-              <a:rPr lang="fr-FR" dirty="0" smtClean="0"/>
+              <a:rPr lang="fr-FR" sz="1600" dirty="0" smtClean="0"/>
               <a:t>(</a:t>
             </a:r>
             <a:r>
-              <a:rPr lang="fr-FR" i="1" dirty="0" smtClean="0"/>
+              <a:rPr lang="fr-FR" sz="1600" i="1" dirty="0" smtClean="0"/>
               <a:t>item</a:t>
             </a:r>
             <a:r>
-              <a:rPr lang="fr-FR" dirty="0" smtClean="0"/>
+              <a:rPr lang="fr-FR" sz="1600" dirty="0" smtClean="0"/>
               <a:t>));</a:t>
             </a:r>
           </a:p>
           <a:p>
             <a:r>
-              <a:rPr lang="fr-FR" dirty="0" smtClean="0"/>
+              <a:rPr lang="fr-FR" sz="1600" dirty="0" smtClean="0"/>
+              <a:t>Qui fai</a:t>
+            </a:r>
+            <a:r>
+              <a:rPr lang="fr-FR" sz="1600" dirty="0" smtClean="0"/>
+              <a:t>t que pour chaque item dans mon </a:t>
+            </a:r>
+            <a:r>
+              <a:rPr lang="fr-FR" sz="1600" dirty="0" err="1" smtClean="0"/>
+              <a:t>cart</a:t>
+            </a:r>
+            <a:r>
+              <a:rPr lang="fr-FR" sz="1600" dirty="0" smtClean="0"/>
+              <a:t> je lance la </a:t>
+            </a:r>
+            <a:r>
+              <a:rPr lang="fr-FR" sz="1600" dirty="0" err="1" smtClean="0"/>
+              <a:t>function</a:t>
+            </a:r>
+            <a:r>
+              <a:rPr lang="fr-FR" sz="1600" dirty="0" smtClean="0"/>
+              <a:t> </a:t>
+            </a:r>
+            <a:r>
+              <a:rPr lang="fr-FR" sz="1600" dirty="0" err="1" smtClean="0"/>
+              <a:t>displayItem</a:t>
+            </a:r>
+            <a:endParaRPr lang="fr-FR" sz="1600" dirty="0" smtClean="0"/>
+          </a:p>
+          <a:p>
+            <a:r>
+              <a:rPr lang="fr-FR" sz="1600" dirty="0" smtClean="0"/>
+              <a:t>Dans cette </a:t>
+            </a:r>
+            <a:r>
+              <a:rPr lang="fr-FR" sz="1600" dirty="0" err="1" smtClean="0"/>
+              <a:t>function</a:t>
+            </a:r>
+            <a:r>
+              <a:rPr lang="fr-FR" sz="1600" dirty="0" smtClean="0"/>
+              <a:t> j’y est regrouper tous se qui concerne la mise en page de html de mes items</a:t>
+            </a:r>
+            <a:r>
+              <a:rPr lang="fr-FR" sz="1600" dirty="0" smtClean="0"/>
               <a:t/>
             </a:r>
             <a:br>
-              <a:rPr lang="fr-FR" dirty="0" smtClean="0"/>
+              <a:rPr lang="fr-FR" sz="1600" dirty="0" smtClean="0"/>
             </a:br>
-            <a:endParaRPr lang="fr-FR" dirty="0" smtClean="0"/>
+            <a:endParaRPr lang="fr-FR" sz="1600" dirty="0" smtClean="0"/>
           </a:p>
           <a:p>
             <a:endParaRPr lang="fr-FR" dirty="0"/>
@@ -5371,10 +5445,347 @@
         </p:nvSpPr>
         <p:spPr/>
         <p:txBody>
-          <a:bodyPr/>
+          <a:bodyPr>
+            <a:normAutofit fontScale="47500" lnSpcReduction="20000"/>
+          </a:bodyPr>
           <a:lstStyle/>
           <a:p>
-            <a:endParaRPr lang="fr-FR"/>
+            <a:r>
+              <a:rPr lang="fr-FR" dirty="0" smtClean="0"/>
+              <a:t>Dans un 1</a:t>
+            </a:r>
+            <a:r>
+              <a:rPr lang="fr-FR" baseline="30000" dirty="0" smtClean="0"/>
+              <a:t>er</a:t>
+            </a:r>
+            <a:r>
+              <a:rPr lang="fr-FR" dirty="0" smtClean="0"/>
+              <a:t> temps je crée une </a:t>
+            </a:r>
+            <a:r>
+              <a:rPr lang="fr-FR" dirty="0" err="1" smtClean="0"/>
+              <a:t>const</a:t>
+            </a:r>
+            <a:r>
+              <a:rPr lang="fr-FR" dirty="0" smtClean="0"/>
+              <a:t> avec l’id et la couleur de l’élément a supprimer grâce a </a:t>
+            </a:r>
+            <a:endParaRPr lang="fr-FR" dirty="0" smtClean="0"/>
+          </a:p>
+          <a:p>
+            <a:r>
+              <a:rPr lang="fr-FR" dirty="0" err="1" smtClean="0"/>
+              <a:t>const</a:t>
+            </a:r>
+            <a:r>
+              <a:rPr lang="fr-FR" dirty="0" smtClean="0"/>
+              <a:t> </a:t>
+            </a:r>
+            <a:r>
+              <a:rPr lang="fr-FR" dirty="0" err="1" smtClean="0"/>
+              <a:t>key</a:t>
+            </a:r>
+            <a:r>
+              <a:rPr lang="fr-FR" dirty="0" smtClean="0"/>
+              <a:t> = `${item.id}-${</a:t>
+            </a:r>
+            <a:r>
+              <a:rPr lang="fr-FR" dirty="0" err="1" smtClean="0"/>
+              <a:t>item.color</a:t>
+            </a:r>
+            <a:r>
+              <a:rPr lang="fr-FR" dirty="0" smtClean="0"/>
+              <a:t>}`;</a:t>
+            </a:r>
+          </a:p>
+          <a:p>
+            <a:endParaRPr lang="fr-FR" dirty="0" smtClean="0"/>
+          </a:p>
+          <a:p>
+            <a:r>
+              <a:rPr lang="fr-FR" dirty="0" smtClean="0"/>
+              <a:t>Ensuite je le supprime de mon </a:t>
+            </a:r>
+            <a:r>
+              <a:rPr lang="fr-FR" dirty="0" err="1" smtClean="0"/>
+              <a:t>localstorage</a:t>
+            </a:r>
+            <a:r>
+              <a:rPr lang="fr-FR" dirty="0" smtClean="0"/>
+              <a:t> avec</a:t>
+            </a:r>
+            <a:endParaRPr lang="fr-FR" dirty="0" smtClean="0"/>
+          </a:p>
+          <a:p>
+            <a:r>
+              <a:rPr lang="fr-FR" dirty="0" smtClean="0"/>
+              <a:t>  </a:t>
+            </a:r>
+            <a:r>
+              <a:rPr lang="fr-FR" dirty="0" err="1" smtClean="0"/>
+              <a:t>localStorage.removeItem</a:t>
+            </a:r>
+            <a:r>
+              <a:rPr lang="fr-FR" dirty="0" smtClean="0"/>
+              <a:t>(</a:t>
+            </a:r>
+            <a:r>
+              <a:rPr lang="fr-FR" dirty="0" err="1" smtClean="0"/>
+              <a:t>key</a:t>
+            </a:r>
+            <a:r>
+              <a:rPr lang="fr-FR" dirty="0" smtClean="0"/>
+              <a:t>); </a:t>
+            </a:r>
+          </a:p>
+          <a:p>
+            <a:r>
+              <a:rPr lang="fr-FR" dirty="0" smtClean="0"/>
+              <a:t>  </a:t>
+            </a:r>
+            <a:endParaRPr lang="fr-FR" dirty="0" smtClean="0"/>
+          </a:p>
+          <a:p>
+            <a:r>
+              <a:rPr lang="fr-FR" dirty="0" smtClean="0"/>
+              <a:t>Je récupère l’indice de </a:t>
+            </a:r>
+            <a:r>
+              <a:rPr lang="fr-FR" dirty="0" smtClean="0"/>
+              <a:t>l’élément </a:t>
+            </a:r>
+            <a:r>
+              <a:rPr lang="fr-FR" dirty="0" smtClean="0"/>
+              <a:t>à supprimer </a:t>
+            </a:r>
+            <a:endParaRPr lang="fr-FR" dirty="0" smtClean="0"/>
+          </a:p>
+          <a:p>
+            <a:r>
+              <a:rPr lang="fr-FR" dirty="0" smtClean="0"/>
+              <a:t>  </a:t>
+            </a:r>
+            <a:r>
+              <a:rPr lang="fr-FR" dirty="0" err="1" smtClean="0"/>
+              <a:t>const</a:t>
+            </a:r>
+            <a:r>
+              <a:rPr lang="fr-FR" dirty="0" smtClean="0"/>
+              <a:t> </a:t>
+            </a:r>
+            <a:r>
+              <a:rPr lang="fr-FR" dirty="0" err="1" smtClean="0"/>
+              <a:t>itemToDelete</a:t>
+            </a:r>
+            <a:r>
+              <a:rPr lang="fr-FR" dirty="0" smtClean="0"/>
+              <a:t> = </a:t>
+            </a:r>
+            <a:r>
+              <a:rPr lang="fr-FR" dirty="0" err="1" smtClean="0"/>
+              <a:t>cart.findIndex</a:t>
+            </a:r>
+            <a:r>
+              <a:rPr lang="fr-FR" dirty="0" smtClean="0"/>
+              <a:t>(</a:t>
+            </a:r>
+          </a:p>
+          <a:p>
+            <a:r>
+              <a:rPr lang="fr-FR" dirty="0" smtClean="0"/>
+              <a:t>    (</a:t>
+            </a:r>
+            <a:r>
+              <a:rPr lang="fr-FR" dirty="0" err="1" smtClean="0"/>
+              <a:t>product</a:t>
+            </a:r>
+            <a:r>
+              <a:rPr lang="fr-FR" dirty="0" smtClean="0"/>
+              <a:t>) =&gt; product.id === item.id &amp;&amp; </a:t>
+            </a:r>
+            <a:r>
+              <a:rPr lang="fr-FR" dirty="0" err="1" smtClean="0"/>
+              <a:t>product.color</a:t>
+            </a:r>
+            <a:r>
+              <a:rPr lang="fr-FR" dirty="0" smtClean="0"/>
+              <a:t> === </a:t>
+            </a:r>
+            <a:r>
+              <a:rPr lang="fr-FR" dirty="0" err="1" smtClean="0"/>
+              <a:t>item.color</a:t>
+            </a:r>
+            <a:endParaRPr lang="fr-FR" dirty="0" smtClean="0"/>
+          </a:p>
+          <a:p>
+            <a:r>
+              <a:rPr lang="fr-FR" dirty="0" smtClean="0"/>
+              <a:t>  </a:t>
+            </a:r>
+            <a:r>
+              <a:rPr lang="fr-FR" dirty="0" smtClean="0"/>
+              <a:t>);</a:t>
+            </a:r>
+          </a:p>
+          <a:p>
+            <a:endParaRPr lang="fr-FR" dirty="0" smtClean="0"/>
+          </a:p>
+          <a:p>
+            <a:r>
+              <a:rPr lang="fr-FR" dirty="0" smtClean="0"/>
+              <a:t>Je supprime l’élément de mon </a:t>
+            </a:r>
+            <a:r>
+              <a:rPr lang="fr-FR" dirty="0" err="1" smtClean="0"/>
+              <a:t>cart</a:t>
+            </a:r>
+            <a:endParaRPr lang="fr-FR" dirty="0" smtClean="0"/>
+          </a:p>
+          <a:p>
+            <a:r>
+              <a:rPr lang="fr-FR" dirty="0" smtClean="0"/>
+              <a:t>  </a:t>
+            </a:r>
+            <a:r>
+              <a:rPr lang="fr-FR" dirty="0" err="1" smtClean="0"/>
+              <a:t>cart.splice</a:t>
+            </a:r>
+            <a:r>
+              <a:rPr lang="fr-FR" dirty="0" smtClean="0"/>
+              <a:t>(</a:t>
+            </a:r>
+            <a:r>
+              <a:rPr lang="fr-FR" dirty="0" err="1" smtClean="0"/>
+              <a:t>itemToDelete</a:t>
+            </a:r>
+            <a:r>
+              <a:rPr lang="fr-FR" dirty="0" smtClean="0"/>
+              <a:t>, 1); </a:t>
+            </a:r>
+            <a:endParaRPr lang="fr-FR" dirty="0" smtClean="0"/>
+          </a:p>
+          <a:p>
+            <a:endParaRPr lang="fr-FR" dirty="0" smtClean="0"/>
+          </a:p>
+          <a:p>
+            <a:r>
+              <a:rPr lang="fr-FR" dirty="0" smtClean="0"/>
+              <a:t>  </a:t>
+            </a:r>
+            <a:r>
+              <a:rPr lang="fr-FR" dirty="0" smtClean="0"/>
+              <a:t>je vise l'item avec l’id et la </a:t>
+            </a:r>
+            <a:r>
+              <a:rPr lang="fr-FR" dirty="0" err="1" smtClean="0"/>
+              <a:t>color</a:t>
+            </a:r>
+            <a:r>
+              <a:rPr lang="fr-FR" dirty="0" smtClean="0"/>
+              <a:t> </a:t>
+            </a:r>
+            <a:r>
+              <a:rPr lang="fr-FR" dirty="0" smtClean="0"/>
+              <a:t>à supprimer</a:t>
+            </a:r>
+            <a:endParaRPr lang="fr-FR" dirty="0" smtClean="0"/>
+          </a:p>
+          <a:p>
+            <a:r>
+              <a:rPr lang="fr-FR" dirty="0" smtClean="0"/>
+              <a:t>  </a:t>
+            </a:r>
+            <a:r>
+              <a:rPr lang="fr-FR" dirty="0" err="1" smtClean="0"/>
+              <a:t>const</a:t>
+            </a:r>
+            <a:r>
+              <a:rPr lang="fr-FR" dirty="0" smtClean="0"/>
+              <a:t> </a:t>
+            </a:r>
+            <a:r>
+              <a:rPr lang="fr-FR" dirty="0" err="1" smtClean="0"/>
+              <a:t>articleToDelete</a:t>
+            </a:r>
+            <a:r>
+              <a:rPr lang="fr-FR" dirty="0" smtClean="0"/>
+              <a:t> = </a:t>
+            </a:r>
+            <a:r>
+              <a:rPr lang="fr-FR" dirty="0" err="1" smtClean="0"/>
+              <a:t>document.querySelector</a:t>
+            </a:r>
+            <a:r>
+              <a:rPr lang="fr-FR" dirty="0" smtClean="0"/>
+              <a:t>(</a:t>
+            </a:r>
+          </a:p>
+          <a:p>
+            <a:r>
+              <a:rPr lang="fr-FR" dirty="0" smtClean="0"/>
+              <a:t>    `article[data-id="${item.id}"][data-</a:t>
+            </a:r>
+            <a:r>
+              <a:rPr lang="fr-FR" dirty="0" err="1" smtClean="0"/>
+              <a:t>color</a:t>
+            </a:r>
+            <a:r>
+              <a:rPr lang="fr-FR" dirty="0" smtClean="0"/>
+              <a:t>="${</a:t>
+            </a:r>
+            <a:r>
+              <a:rPr lang="fr-FR" dirty="0" err="1" smtClean="0"/>
+              <a:t>item.color</a:t>
+            </a:r>
+            <a:r>
+              <a:rPr lang="fr-FR" dirty="0" smtClean="0"/>
+              <a:t>}"]`</a:t>
+            </a:r>
+          </a:p>
+          <a:p>
+            <a:r>
+              <a:rPr lang="fr-FR" dirty="0" smtClean="0"/>
+              <a:t>  </a:t>
+            </a:r>
+            <a:r>
+              <a:rPr lang="fr-FR" dirty="0" smtClean="0"/>
+              <a:t>);</a:t>
+            </a:r>
+          </a:p>
+          <a:p>
+            <a:endParaRPr lang="fr-FR" dirty="0" smtClean="0"/>
+          </a:p>
+          <a:p>
+            <a:r>
+              <a:rPr lang="fr-FR" dirty="0" smtClean="0"/>
+              <a:t>Et </a:t>
+            </a:r>
+            <a:r>
+              <a:rPr lang="fr-FR" dirty="0" err="1" smtClean="0"/>
+              <a:t>enfain</a:t>
+            </a:r>
+            <a:r>
+              <a:rPr lang="fr-FR" dirty="0" smtClean="0"/>
+              <a:t> je supprime l’article </a:t>
+            </a:r>
+            <a:endParaRPr lang="fr-FR" dirty="0" smtClean="0"/>
+          </a:p>
+          <a:p>
+            <a:r>
+              <a:rPr lang="fr-FR" dirty="0" smtClean="0"/>
+              <a:t>  </a:t>
+            </a:r>
+            <a:r>
+              <a:rPr lang="fr-FR" dirty="0" err="1" smtClean="0"/>
+              <a:t>articleToDelete.remove</a:t>
+            </a:r>
+            <a:r>
+              <a:rPr lang="fr-FR" dirty="0" smtClean="0"/>
+              <a:t>(); //supprime l'article</a:t>
+            </a:r>
+          </a:p>
+          <a:p>
+            <a:endParaRPr lang="fr-FR" dirty="0"/>
           </a:p>
         </p:txBody>
       </p:sp>
@@ -5444,9 +5855,80 @@
           <a:lstStyle/>
           <a:p>
             <a:r>
-              <a:rPr lang="fr-FR" dirty="0" smtClean="0"/>
-              <a:t>Lg 177 a fin</a:t>
-            </a:r>
+              <a:rPr lang="fr-FR" sz="1600" dirty="0" smtClean="0"/>
+              <a:t>Dans un 1</a:t>
+            </a:r>
+            <a:r>
+              <a:rPr lang="fr-FR" sz="1600" baseline="30000" dirty="0" smtClean="0"/>
+              <a:t>er</a:t>
+            </a:r>
+            <a:r>
+              <a:rPr lang="fr-FR" sz="1600" dirty="0" smtClean="0"/>
+              <a:t> temps je récupère toute les donnes de mon forme grâce a la </a:t>
+            </a:r>
+            <a:r>
+              <a:rPr lang="fr-FR" sz="1600" dirty="0" err="1" smtClean="0"/>
+              <a:t>function</a:t>
+            </a:r>
+            <a:r>
+              <a:rPr lang="fr-FR" sz="1600" dirty="0" smtClean="0"/>
+              <a:t> </a:t>
+            </a:r>
+            <a:r>
+              <a:rPr lang="fr-FR" sz="1600" dirty="0" err="1" smtClean="0"/>
+              <a:t>makeRequestBody</a:t>
+            </a:r>
+            <a:r>
+              <a:rPr lang="fr-FR" sz="1600" dirty="0" smtClean="0"/>
+              <a:t> </a:t>
+            </a:r>
+          </a:p>
+          <a:p>
+            <a:endParaRPr lang="fr-FR" sz="1600" dirty="0" smtClean="0"/>
+          </a:p>
+          <a:p>
+            <a:r>
+              <a:rPr lang="fr-FR" sz="1600" dirty="0" smtClean="0"/>
+              <a:t>Puis Je return un objet body avec à l’intérieur </a:t>
+            </a:r>
+            <a:endParaRPr lang="fr-FR" sz="1600" dirty="0" smtClean="0"/>
+          </a:p>
+          <a:p>
+            <a:r>
+              <a:rPr lang="fr-FR" sz="1600" dirty="0" smtClean="0"/>
+              <a:t>{{les info du </a:t>
+            </a:r>
+            <a:r>
+              <a:rPr lang="fr-FR" sz="1600" dirty="0" err="1" smtClean="0"/>
+              <a:t>form</a:t>
+            </a:r>
+            <a:r>
+              <a:rPr lang="fr-FR" sz="1600" dirty="0" smtClean="0"/>
+              <a:t>} [mes </a:t>
+            </a:r>
+            <a:r>
+              <a:rPr lang="fr-FR" sz="1600" dirty="0" err="1" smtClean="0"/>
+              <a:t>ids</a:t>
+            </a:r>
+            <a:r>
+              <a:rPr lang="fr-FR" sz="1600" dirty="0" smtClean="0"/>
+              <a:t>]} grâce à ma </a:t>
+            </a:r>
+            <a:r>
+              <a:rPr lang="fr-FR" sz="1600" dirty="0" err="1" smtClean="0"/>
+              <a:t>function</a:t>
+            </a:r>
+            <a:r>
+              <a:rPr lang="fr-FR" sz="1600" dirty="0" smtClean="0"/>
+              <a:t> </a:t>
+            </a:r>
+            <a:r>
+              <a:rPr lang="fr-FR" sz="1600" dirty="0" err="1" smtClean="0"/>
+              <a:t>submitForm</a:t>
+            </a:r>
+            <a:endParaRPr lang="fr-FR" sz="1600" dirty="0" smtClean="0"/>
+          </a:p>
+          <a:p>
             <a:endParaRPr lang="fr-FR" dirty="0"/>
           </a:p>
         </p:txBody>
@@ -5512,341 +5994,100 @@
         <p:spPr/>
         <p:txBody>
           <a:bodyPr>
-            <a:normAutofit fontScale="47500" lnSpcReduction="20000"/>
+            <a:normAutofit/>
           </a:bodyPr>
           <a:lstStyle/>
           <a:p>
             <a:r>
-              <a:rPr lang="fr-FR" dirty="0" err="1" smtClean="0"/>
-              <a:t>const</a:t>
-            </a:r>
-            <a:r>
-              <a:rPr lang="fr-FR" dirty="0" smtClean="0"/>
+              <a:rPr lang="fr-FR" sz="1600" dirty="0" smtClean="0"/>
+              <a:t>Je récupère mon numéros de commande dans l’</a:t>
+            </a:r>
+            <a:r>
+              <a:rPr lang="fr-FR" sz="1600" dirty="0" err="1" smtClean="0"/>
+              <a:t>urlparams</a:t>
+            </a:r>
+            <a:r>
+              <a:rPr lang="fr-FR" sz="1600" dirty="0" smtClean="0"/>
+              <a:t> grâce à la </a:t>
+            </a:r>
+            <a:r>
+              <a:rPr lang="fr-FR" sz="1600" dirty="0" err="1" smtClean="0"/>
+              <a:t>function</a:t>
+            </a:r>
+            <a:r>
+              <a:rPr lang="fr-FR" sz="1600" dirty="0" smtClean="0"/>
               <a:t> </a:t>
             </a:r>
             <a:r>
-              <a:rPr lang="fr-FR" dirty="0" err="1" smtClean="0"/>
-              <a:t>orderId</a:t>
-            </a:r>
-            <a:r>
-              <a:rPr lang="fr-FR" dirty="0" smtClean="0"/>
-              <a:t> = </a:t>
-            </a:r>
-            <a:r>
-              <a:rPr lang="fr-FR" dirty="0" err="1" smtClean="0"/>
+              <a:rPr lang="fr-FR" sz="1600" dirty="0" err="1" smtClean="0"/>
               <a:t>getOrderId</a:t>
             </a:r>
-            <a:r>
-              <a:rPr lang="fr-FR" dirty="0" smtClean="0"/>
-              <a:t>();</a:t>
-            </a:r>
-          </a:p>
-          <a:p>
-            <a:r>
-              <a:rPr lang="fr-FR" dirty="0" err="1" smtClean="0"/>
+            <a:endParaRPr lang="fr-FR" sz="1600" dirty="0" smtClean="0"/>
+          </a:p>
+          <a:p>
+            <a:pPr>
+              <a:buNone/>
+            </a:pPr>
+            <a:endParaRPr lang="fr-FR" sz="1600" dirty="0" smtClean="0"/>
+          </a:p>
+          <a:p>
+            <a:r>
+              <a:rPr lang="fr-FR" sz="1600" dirty="0" smtClean="0"/>
+              <a:t>J’affiche mon non numéros de commande </a:t>
+            </a:r>
+          </a:p>
+          <a:p>
+            <a:r>
+              <a:rPr lang="fr-FR" sz="1600" dirty="0" smtClean="0"/>
+              <a:t>Grace à </a:t>
+            </a:r>
+            <a:r>
+              <a:rPr lang="fr-FR" sz="1600" dirty="0" smtClean="0"/>
+              <a:t>la </a:t>
+            </a:r>
+            <a:r>
+              <a:rPr lang="fr-FR" sz="1600" dirty="0" err="1" smtClean="0"/>
+              <a:t>function</a:t>
+            </a:r>
+            <a:r>
+              <a:rPr lang="fr-FR" sz="1600" dirty="0" smtClean="0"/>
+              <a:t> </a:t>
+            </a:r>
+            <a:r>
+              <a:rPr lang="fr-FR" sz="1600" dirty="0" err="1" smtClean="0"/>
               <a:t>displayOrderId</a:t>
             </a:r>
-            <a:r>
-              <a:rPr lang="fr-FR" dirty="0" smtClean="0"/>
-              <a:t>(</a:t>
-            </a:r>
-            <a:r>
-              <a:rPr lang="fr-FR" dirty="0" err="1" smtClean="0"/>
-              <a:t>orderId</a:t>
-            </a:r>
-            <a:r>
-              <a:rPr lang="fr-FR" dirty="0" smtClean="0"/>
-              <a:t>);</a:t>
-            </a:r>
-          </a:p>
-          <a:p>
-            <a:r>
-              <a:rPr lang="fr-FR" dirty="0" err="1" smtClean="0"/>
+            <a:endParaRPr lang="fr-FR" sz="1600" dirty="0" smtClean="0"/>
+          </a:p>
+          <a:p>
+            <a:endParaRPr lang="fr-FR" sz="1600" dirty="0" smtClean="0"/>
+          </a:p>
+          <a:p>
+            <a:r>
+              <a:rPr lang="fr-FR" sz="1600" dirty="0" smtClean="0"/>
+              <a:t>Et je </a:t>
+            </a:r>
+            <a:r>
+              <a:rPr lang="fr-FR" sz="1600" dirty="0" err="1" smtClean="0"/>
+              <a:t>clear</a:t>
+            </a:r>
+            <a:r>
+              <a:rPr lang="fr-FR" sz="1600" dirty="0" smtClean="0"/>
+              <a:t> mon cache grâce à la </a:t>
+            </a:r>
+            <a:r>
+              <a:rPr lang="fr-FR" sz="1600" dirty="0" err="1" smtClean="0"/>
+              <a:t>function</a:t>
+            </a:r>
+            <a:r>
+              <a:rPr lang="fr-FR" sz="1600" dirty="0" smtClean="0"/>
+              <a:t> </a:t>
+            </a:r>
+            <a:r>
+              <a:rPr lang="fr-FR" sz="1600" dirty="0" err="1" smtClean="0"/>
               <a:t>removeAllCache</a:t>
             </a:r>
-            <a:r>
-              <a:rPr lang="fr-FR" dirty="0" smtClean="0"/>
-              <a:t>();</a:t>
-            </a:r>
-          </a:p>
-          <a:p>
-            <a:r>
-              <a:rPr lang="fr-FR" dirty="0" smtClean="0"/>
-              <a:t/>
-            </a:r>
-            <a:br>
-              <a:rPr lang="fr-FR" dirty="0" smtClean="0"/>
-            </a:br>
-            <a:r>
-              <a:rPr lang="fr-FR" dirty="0" err="1" smtClean="0"/>
-              <a:t>function</a:t>
-            </a:r>
-            <a:r>
-              <a:rPr lang="fr-FR" dirty="0" smtClean="0"/>
-              <a:t> </a:t>
-            </a:r>
-            <a:r>
-              <a:rPr lang="fr-FR" dirty="0" err="1" smtClean="0"/>
-              <a:t>getOrderId</a:t>
-            </a:r>
-            <a:r>
-              <a:rPr lang="fr-FR" dirty="0" smtClean="0"/>
-              <a:t>() {</a:t>
-            </a:r>
-          </a:p>
-          <a:p>
-            <a:r>
-              <a:rPr lang="fr-FR" dirty="0" smtClean="0"/>
-              <a:t>  </a:t>
-            </a:r>
-            <a:r>
-              <a:rPr lang="fr-FR" dirty="0" err="1" smtClean="0"/>
-              <a:t>const</a:t>
-            </a:r>
-            <a:r>
-              <a:rPr lang="fr-FR" dirty="0" smtClean="0"/>
-              <a:t> </a:t>
-            </a:r>
-            <a:r>
-              <a:rPr lang="fr-FR" dirty="0" err="1" smtClean="0"/>
-              <a:t>queryString</a:t>
-            </a:r>
-            <a:r>
-              <a:rPr lang="fr-FR" dirty="0" smtClean="0"/>
-              <a:t> = </a:t>
-            </a:r>
-            <a:r>
-              <a:rPr lang="fr-FR" dirty="0" err="1" smtClean="0"/>
-              <a:t>window.location.search</a:t>
-            </a:r>
-            <a:r>
-              <a:rPr lang="fr-FR" dirty="0" smtClean="0"/>
-              <a:t>;</a:t>
-            </a:r>
-          </a:p>
-          <a:p>
-            <a:r>
-              <a:rPr lang="fr-FR" dirty="0" smtClean="0"/>
-              <a:t>  </a:t>
-            </a:r>
-            <a:r>
-              <a:rPr lang="fr-FR" dirty="0" err="1" smtClean="0"/>
-              <a:t>const</a:t>
-            </a:r>
-            <a:r>
-              <a:rPr lang="fr-FR" dirty="0" smtClean="0"/>
-              <a:t> </a:t>
-            </a:r>
-            <a:r>
-              <a:rPr lang="fr-FR" dirty="0" err="1" smtClean="0"/>
-              <a:t>urlParams</a:t>
-            </a:r>
-            <a:r>
-              <a:rPr lang="fr-FR" dirty="0" smtClean="0"/>
-              <a:t> = new </a:t>
-            </a:r>
-            <a:r>
-              <a:rPr lang="fr-FR" dirty="0" err="1" smtClean="0"/>
-              <a:t>URLSearchParams</a:t>
-            </a:r>
-            <a:r>
-              <a:rPr lang="fr-FR" dirty="0" smtClean="0"/>
-              <a:t>(</a:t>
-            </a:r>
-            <a:r>
-              <a:rPr lang="fr-FR" dirty="0" err="1" smtClean="0"/>
-              <a:t>queryString</a:t>
-            </a:r>
-            <a:r>
-              <a:rPr lang="fr-FR" dirty="0" smtClean="0"/>
-              <a:t>);</a:t>
-            </a:r>
-          </a:p>
-          <a:p>
-            <a:r>
-              <a:rPr lang="fr-FR" dirty="0" smtClean="0"/>
-              <a:t>  return urlParams.get("</a:t>
-            </a:r>
-            <a:r>
-              <a:rPr lang="fr-FR" dirty="0" err="1" smtClean="0"/>
-              <a:t>orderId</a:t>
-            </a:r>
-            <a:r>
-              <a:rPr lang="fr-FR" dirty="0" smtClean="0"/>
-              <a:t>");</a:t>
-            </a:r>
-          </a:p>
-          <a:p>
-            <a:r>
-              <a:rPr lang="fr-FR" dirty="0" smtClean="0"/>
-              <a:t>}</a:t>
-            </a:r>
-          </a:p>
-          <a:p>
-            <a:r>
-              <a:rPr lang="fr-FR" dirty="0" smtClean="0"/>
-              <a:t/>
-            </a:r>
-            <a:br>
-              <a:rPr lang="fr-FR" dirty="0" smtClean="0"/>
-            </a:br>
-            <a:r>
-              <a:rPr lang="fr-FR" dirty="0" err="1" smtClean="0"/>
-              <a:t>function</a:t>
-            </a:r>
-            <a:r>
-              <a:rPr lang="fr-FR" dirty="0" smtClean="0"/>
-              <a:t> </a:t>
-            </a:r>
-            <a:r>
-              <a:rPr lang="fr-FR" dirty="0" err="1" smtClean="0"/>
-              <a:t>displayOrderId</a:t>
-            </a:r>
-            <a:r>
-              <a:rPr lang="fr-FR" dirty="0" smtClean="0"/>
-              <a:t>(</a:t>
-            </a:r>
-            <a:r>
-              <a:rPr lang="fr-FR" i="1" dirty="0" err="1" smtClean="0"/>
-              <a:t>orderId</a:t>
-            </a:r>
-            <a:r>
-              <a:rPr lang="fr-FR" dirty="0" smtClean="0"/>
-              <a:t>) {</a:t>
-            </a:r>
-          </a:p>
-          <a:p>
-            <a:r>
-              <a:rPr lang="fr-FR" dirty="0" smtClean="0"/>
-              <a:t>  </a:t>
-            </a:r>
-            <a:r>
-              <a:rPr lang="fr-FR" dirty="0" err="1" smtClean="0"/>
-              <a:t>const</a:t>
-            </a:r>
-            <a:r>
-              <a:rPr lang="fr-FR" dirty="0" smtClean="0"/>
-              <a:t> </a:t>
-            </a:r>
-            <a:r>
-              <a:rPr lang="fr-FR" dirty="0" err="1" smtClean="0"/>
-              <a:t>orderIdElement</a:t>
-            </a:r>
-            <a:r>
-              <a:rPr lang="fr-FR" dirty="0" smtClean="0"/>
-              <a:t> = </a:t>
-            </a:r>
-            <a:r>
-              <a:rPr lang="fr-FR" dirty="0" err="1" smtClean="0"/>
-              <a:t>document.getElementById</a:t>
-            </a:r>
-            <a:r>
-              <a:rPr lang="fr-FR" dirty="0" smtClean="0"/>
-              <a:t>("</a:t>
-            </a:r>
-            <a:r>
-              <a:rPr lang="fr-FR" dirty="0" err="1" smtClean="0"/>
-              <a:t>orderId</a:t>
-            </a:r>
-            <a:r>
-              <a:rPr lang="fr-FR" dirty="0" smtClean="0"/>
-              <a:t>");</a:t>
-            </a:r>
-          </a:p>
-          <a:p>
-            <a:r>
-              <a:rPr lang="fr-FR" dirty="0" smtClean="0"/>
-              <a:t>  </a:t>
-            </a:r>
-            <a:r>
-              <a:rPr lang="fr-FR" dirty="0" err="1" smtClean="0"/>
-              <a:t>orderIdElement.textContent</a:t>
-            </a:r>
-            <a:r>
-              <a:rPr lang="fr-FR" dirty="0" smtClean="0"/>
-              <a:t> = </a:t>
-            </a:r>
-            <a:r>
-              <a:rPr lang="fr-FR" i="1" dirty="0" err="1" smtClean="0"/>
-              <a:t>orderId</a:t>
-            </a:r>
-            <a:r>
-              <a:rPr lang="fr-FR" dirty="0" smtClean="0"/>
-              <a:t>;</a:t>
-            </a:r>
-          </a:p>
-          <a:p>
-            <a:r>
-              <a:rPr lang="fr-FR" dirty="0" smtClean="0"/>
-              <a:t>}</a:t>
-            </a:r>
-          </a:p>
-          <a:p>
-            <a:r>
-              <a:rPr lang="fr-FR" dirty="0" smtClean="0"/>
-              <a:t/>
-            </a:r>
-            <a:br>
-              <a:rPr lang="fr-FR" dirty="0" smtClean="0"/>
-            </a:br>
-            <a:r>
-              <a:rPr lang="fr-FR" dirty="0" err="1" smtClean="0"/>
-              <a:t>function</a:t>
-            </a:r>
-            <a:r>
-              <a:rPr lang="fr-FR" dirty="0" smtClean="0"/>
-              <a:t> </a:t>
-            </a:r>
-            <a:r>
-              <a:rPr lang="fr-FR" dirty="0" err="1" smtClean="0"/>
-              <a:t>removeAllCache</a:t>
-            </a:r>
-            <a:r>
-              <a:rPr lang="fr-FR" dirty="0" smtClean="0"/>
-              <a:t>() {</a:t>
-            </a:r>
-          </a:p>
-          <a:p>
-            <a:r>
-              <a:rPr lang="fr-FR" dirty="0" smtClean="0"/>
-              <a:t>  </a:t>
-            </a:r>
-            <a:r>
-              <a:rPr lang="fr-FR" dirty="0" err="1" smtClean="0"/>
-              <a:t>const</a:t>
-            </a:r>
-            <a:r>
-              <a:rPr lang="fr-FR" dirty="0" smtClean="0"/>
-              <a:t> cache = </a:t>
-            </a:r>
-            <a:r>
-              <a:rPr lang="fr-FR" dirty="0" err="1" smtClean="0"/>
-              <a:t>window.localStorage</a:t>
-            </a:r>
-            <a:r>
-              <a:rPr lang="fr-FR" dirty="0" smtClean="0"/>
-              <a:t>;</a:t>
-            </a:r>
-          </a:p>
-          <a:p>
-            <a:r>
-              <a:rPr lang="fr-FR" dirty="0" smtClean="0"/>
-              <a:t>  </a:t>
-            </a:r>
-            <a:r>
-              <a:rPr lang="fr-FR" dirty="0" err="1" smtClean="0"/>
-              <a:t>cache.clear</a:t>
-            </a:r>
-            <a:r>
-              <a:rPr lang="fr-FR" dirty="0" smtClean="0"/>
-              <a:t>();</a:t>
-            </a:r>
-          </a:p>
-          <a:p>
-            <a:r>
-              <a:rPr lang="fr-FR" dirty="0" smtClean="0"/>
-              <a:t>}</a:t>
-            </a:r>
+            <a:endParaRPr lang="fr-FR" sz="1600" dirty="0" smtClean="0"/>
           </a:p>
           <a:p>
             <a:r>
@@ -5925,10 +6166,24 @@
         </p:nvSpPr>
         <p:spPr/>
         <p:txBody>
-          <a:bodyPr/>
+          <a:bodyPr>
+            <a:normAutofit/>
+          </a:bodyPr>
           <a:lstStyle/>
           <a:p>
-            <a:endParaRPr lang="fr-FR"/>
+            <a:r>
+              <a:rPr lang="fr-FR" sz="1600" dirty="0" smtClean="0"/>
+              <a:t>Voire le fichier </a:t>
+            </a:r>
+            <a:r>
+              <a:rPr lang="fr-FR" sz="1600" dirty="0" err="1" smtClean="0"/>
+              <a:t>exell</a:t>
+            </a:r>
+            <a:r>
+              <a:rPr lang="fr-FR" sz="1600" dirty="0" smtClean="0"/>
+              <a:t> en P.J.</a:t>
+            </a:r>
+            <a:endParaRPr lang="fr-FR" sz="1600" dirty="0"/>
           </a:p>
         </p:txBody>
       </p:sp>
@@ -5995,67 +6250,27 @@
         <p:spPr/>
         <p:txBody>
           <a:bodyPr>
-            <a:normAutofit fontScale="92500"/>
+            <a:normAutofit/>
           </a:bodyPr>
           <a:lstStyle/>
           <a:p>
             <a:r>
-              <a:rPr lang="fr-FR" dirty="0" smtClean="0"/>
-              <a:t>Pour se projet je suis en poste </a:t>
-            </a:r>
-            <a:r>
-              <a:rPr lang="fr-FR" dirty="0" smtClean="0"/>
-              <a:t>dans une agence de développement web depuis quelques </a:t>
-            </a:r>
-            <a:r>
-              <a:rPr lang="fr-FR" dirty="0" smtClean="0"/>
-              <a:t>semaine. </a:t>
-            </a:r>
-            <a:r>
-              <a:rPr lang="fr-FR" dirty="0" smtClean="0"/>
-              <a:t>Après avoir réalisé avec succès l’intégration de quelques sites web (HTML/CSS), on </a:t>
-            </a:r>
-            <a:r>
-              <a:rPr lang="fr-FR" dirty="0" smtClean="0"/>
-              <a:t>ma confié </a:t>
-            </a:r>
-            <a:r>
-              <a:rPr lang="fr-FR" dirty="0" smtClean="0"/>
-              <a:t>une nouvelle mission.</a:t>
-            </a:r>
-          </a:p>
-          <a:p>
-            <a:r>
-              <a:rPr lang="fr-FR" dirty="0" smtClean="0"/>
-              <a:t>Mon client </a:t>
-            </a:r>
-            <a:r>
-              <a:rPr lang="fr-FR" dirty="0" smtClean="0"/>
-              <a:t>est </a:t>
-            </a:r>
-            <a:r>
-              <a:rPr lang="fr-FR" dirty="0" err="1" smtClean="0"/>
+              <a:rPr lang="fr-FR" sz="1700" dirty="0" smtClean="0"/>
+              <a:t>Pour se projet je suis en poste dans une agence de développement web depuis quelques semaine. Après avoir réalisé avec succès l’intégration de quelques sites web (HTML/CSS), on ma confié une nouvelle mission.</a:t>
+            </a:r>
+          </a:p>
+          <a:p>
+            <a:r>
+              <a:rPr lang="fr-FR" sz="1700" dirty="0" smtClean="0"/>
+              <a:t>Mon client est </a:t>
+            </a:r>
+            <a:r>
+              <a:rPr lang="fr-FR" sz="1700" dirty="0" err="1" smtClean="0"/>
               <a:t>Kanap</a:t>
             </a:r>
             <a:r>
-              <a:rPr lang="fr-FR" dirty="0" smtClean="0"/>
-              <a:t>, une marque de canapés qui vend ses produits depuis sa boutique </a:t>
-            </a:r>
-            <a:r>
-              <a:rPr lang="fr-FR" dirty="0" smtClean="0"/>
-              <a:t>exclusivement</a:t>
-            </a:r>
-            <a:r>
-              <a:rPr lang="fr-FR" dirty="0" smtClean="0"/>
-              <a:t>. Aujourd’hui, celle-ci souhaiterait avoir une plateforme de e-commerce </a:t>
-            </a:r>
-            <a:r>
-              <a:rPr lang="fr-FR" dirty="0" smtClean="0"/>
-              <a:t>pour </a:t>
-            </a:r>
-            <a:r>
-              <a:rPr lang="fr-FR" dirty="0" smtClean="0"/>
-              <a:t>vendre ses produits sur Internet.</a:t>
+              <a:rPr lang="fr-FR" sz="1700" dirty="0" smtClean="0"/>
+              <a:t>, une marque de canapés qui vend ses produits depuis sa boutique exclusivement. Aujourd’hui, celle-ci souhaiterait avoir une plateforme de e-commerce pour vendre ses produits sur Internet.</a:t>
             </a:r>
           </a:p>
           <a:p>
@@ -6127,50 +6342,16 @@
         </p:nvSpPr>
         <p:spPr/>
         <p:txBody>
-          <a:bodyPr/>
+          <a:bodyPr>
+            <a:normAutofit/>
+          </a:bodyPr>
           <a:lstStyle/>
           <a:p>
             <a:r>
-              <a:rPr lang="fr-FR" dirty="0" smtClean="0"/>
-              <a:t>Pour se faire j’ai enlever les partie commenter du site pour </a:t>
-            </a:r>
-            <a:r>
-              <a:rPr lang="fr-FR" dirty="0" smtClean="0"/>
-              <a:t>voire à quoi </a:t>
-            </a:r>
-            <a:r>
-              <a:rPr lang="fr-FR" dirty="0" smtClean="0"/>
-              <a:t>devais ressembler </a:t>
-            </a:r>
-            <a:r>
-              <a:rPr lang="fr-FR" dirty="0" smtClean="0"/>
-              <a:t>le </a:t>
-            </a:r>
-            <a:r>
-              <a:rPr lang="fr-FR" dirty="0" smtClean="0"/>
-              <a:t>site une fois fini </a:t>
-            </a:r>
-            <a:r>
-              <a:rPr lang="fr-FR" dirty="0" smtClean="0"/>
-              <a:t>et se que je </a:t>
-            </a:r>
-            <a:r>
-              <a:rPr lang="fr-FR" dirty="0" err="1" smtClean="0"/>
-              <a:t>fesais</a:t>
-            </a:r>
-            <a:r>
-              <a:rPr lang="fr-FR" dirty="0" smtClean="0"/>
-              <a:t> je copier mes partit a coder en commentaire dans mon </a:t>
-            </a:r>
-            <a:r>
-              <a:rPr lang="fr-FR" dirty="0" err="1" smtClean="0"/>
-              <a:t>js</a:t>
-            </a:r>
-            <a:r>
-              <a:rPr lang="fr-FR" dirty="0" smtClean="0"/>
-              <a:t> </a:t>
-            </a:r>
-            <a:endParaRPr lang="fr-FR" dirty="0"/>
+              <a:rPr lang="fr-FR" sz="1600" dirty="0" smtClean="0"/>
+              <a:t>Pour se faire j’ai enlever les partie commenter du site pour voire à quoi devais ressembler le site une fois finit.</a:t>
+            </a:r>
+            <a:endParaRPr lang="fr-FR" sz="1600" dirty="0"/>
           </a:p>
         </p:txBody>
       </p:sp>
@@ -6236,94 +6417,99 @@
         </p:nvSpPr>
         <p:spPr/>
         <p:txBody>
-          <a:bodyPr/>
+          <a:bodyPr>
+            <a:normAutofit/>
+          </a:bodyPr>
           <a:lstStyle/>
           <a:p>
             <a:r>
-              <a:rPr lang="fr-FR" dirty="0" smtClean="0"/>
+              <a:rPr lang="fr-FR" sz="1600" dirty="0" smtClean="0"/>
               <a:t>Ensuite en ayant prise </a:t>
             </a:r>
             <a:r>
-              <a:rPr lang="fr-FR" dirty="0" err="1" smtClean="0"/>
-              <a:t>connaisance</a:t>
-            </a:r>
-            <a:r>
-              <a:rPr lang="fr-FR" dirty="0" smtClean="0"/>
-              <a:t> du :</a:t>
-            </a:r>
-          </a:p>
-          <a:p>
-            <a:r>
-              <a:rPr lang="fr-FR" dirty="0" smtClean="0">
+              <a:rPr lang="fr-FR" sz="1600" dirty="0" smtClean="0"/>
+              <a:t>connaissance </a:t>
+            </a:r>
+            <a:r>
+              <a:rPr lang="fr-FR" sz="1600" dirty="0" smtClean="0"/>
+              <a:t>du :</a:t>
+            </a:r>
+          </a:p>
+          <a:p>
+            <a:r>
+              <a:rPr lang="fr-FR" sz="1600" dirty="0" smtClean="0">
                 <a:hlinkClick r:id="rId2"/>
               </a:rPr>
               <a:t>https://course.oc-static.com/projects/DWJ_FR_P5/DW+P5+-+Specifications+fonctionnelles.pdf</a:t>
             </a:r>
-            <a:endParaRPr lang="fr-FR" dirty="0" smtClean="0"/>
-          </a:p>
-          <a:p>
-            <a:r>
-              <a:rPr lang="fr-FR" dirty="0" smtClean="0"/>
-              <a:t>Sur la page 5 j’ai </a:t>
-            </a:r>
-            <a:r>
-              <a:rPr lang="fr-FR" dirty="0" err="1" smtClean="0"/>
-              <a:t>dessidais</a:t>
-            </a:r>
-            <a:r>
-              <a:rPr lang="fr-FR" dirty="0" smtClean="0"/>
-              <a:t> de </a:t>
-            </a:r>
-            <a:r>
-              <a:rPr lang="fr-FR" dirty="0" err="1" smtClean="0"/>
-              <a:t>recuperais</a:t>
-            </a:r>
-            <a:r>
-              <a:rPr lang="fr-FR" dirty="0" smtClean="0"/>
-              <a:t> toute les </a:t>
-            </a:r>
-            <a:r>
-              <a:rPr lang="fr-FR" dirty="0" smtClean="0"/>
-              <a:t>attributs </a:t>
-            </a:r>
-            <a:r>
-              <a:rPr lang="fr-FR" dirty="0" smtClean="0"/>
-              <a:t>sur l’api</a:t>
-            </a:r>
-          </a:p>
-          <a:p>
-            <a:r>
-              <a:rPr lang="fr-FR" dirty="0" smtClean="0"/>
+            <a:r>
+              <a:rPr lang="fr-FR" sz="1600" dirty="0" smtClean="0"/>
+              <a:t>.</a:t>
+            </a:r>
+          </a:p>
+          <a:p>
+            <a:r>
+              <a:rPr lang="fr-FR" sz="1600" dirty="0" smtClean="0"/>
+              <a:t>Sur la page 5 j’ai décidais de récupérais tout les attributs sur </a:t>
+            </a:r>
+            <a:r>
+              <a:rPr lang="fr-FR" sz="1600" dirty="0" smtClean="0"/>
+              <a:t>l’api sauf le </a:t>
+            </a:r>
+            <a:r>
+              <a:rPr lang="fr-FR" sz="1600" dirty="0" err="1" smtClean="0"/>
+              <a:t>price</a:t>
+            </a:r>
+            <a:r>
+              <a:rPr lang="fr-FR" sz="1600" dirty="0" smtClean="0"/>
+              <a:t> pour être conforme sur la sécurité </a:t>
+            </a:r>
+            <a:endParaRPr lang="fr-FR" sz="1600" dirty="0" smtClean="0"/>
+          </a:p>
+          <a:p>
+            <a:r>
+              <a:rPr lang="fr-FR" sz="1600" dirty="0" smtClean="0"/>
               <a:t>: </a:t>
             </a:r>
             <a:r>
-              <a:rPr lang="fr-FR" dirty="0" smtClean="0">
+              <a:rPr lang="fr-FR" sz="1600" dirty="0" smtClean="0">
                 <a:hlinkClick r:id="rId3"/>
               </a:rPr>
-              <a:t>http://</a:t>
-            </a:r>
-            <a:r>
-              <a:rPr lang="fr-FR" dirty="0" smtClean="0">
-                <a:hlinkClick r:id="rId3"/>
-              </a:rPr>
-              <a:t>localhost:3000/api/products</a:t>
-            </a:r>
-            <a:endParaRPr lang="fr-FR" dirty="0" smtClean="0"/>
-          </a:p>
-          <a:p>
-            <a:r>
-              <a:rPr lang="fr-FR" dirty="0" smtClean="0"/>
+              <a:t>http://localhost:3000/api/products</a:t>
+            </a:r>
+            <a:r>
+              <a:rPr lang="fr-FR" sz="1600" dirty="0" smtClean="0"/>
+              <a:t>.</a:t>
+            </a:r>
+          </a:p>
+          <a:p>
+            <a:r>
+              <a:rPr lang="fr-FR" sz="1600" dirty="0" smtClean="0"/>
               <a:t>J’ai installer un plugin sur chrome pour que il soit </a:t>
             </a:r>
             <a:r>
-              <a:rPr lang="fr-FR" dirty="0" err="1" smtClean="0"/>
-              <a:t>baucoup</a:t>
-            </a:r>
-            <a:r>
-              <a:rPr lang="fr-FR" dirty="0" smtClean="0"/>
-              <a:t> plus lisible</a:t>
-            </a:r>
-            <a:endParaRPr lang="fr-FR" dirty="0"/>
+              <a:rPr lang="fr-FR" sz="1600" dirty="0" smtClean="0"/>
+              <a:t>beaucoup </a:t>
+            </a:r>
+            <a:r>
+              <a:rPr lang="fr-FR" sz="1600" dirty="0" smtClean="0"/>
+              <a:t>plus lisible.</a:t>
+            </a:r>
+          </a:p>
+          <a:p>
+            <a:r>
+              <a:rPr lang="fr-FR" sz="1600" dirty="0" smtClean="0"/>
+              <a:t>Pour pouvoir y accéder je vais utiliser la méthode globale </a:t>
+            </a:r>
+            <a:r>
+              <a:rPr lang="fr-FR" sz="1600" dirty="0" err="1" smtClean="0"/>
+              <a:t>fetch</a:t>
+            </a:r>
+            <a:r>
+              <a:rPr lang="fr-FR" sz="1600" dirty="0"/>
+              <a:t>.</a:t>
+            </a:r>
+            <a:endParaRPr lang="fr-FR" sz="1600" dirty="0" smtClean="0"/>
           </a:p>
         </p:txBody>
       </p:sp>
@@ -6388,733 +6574,42 @@
         <p:spPr/>
         <p:txBody>
           <a:bodyPr>
-            <a:normAutofit fontScale="40000" lnSpcReduction="20000"/>
+            <a:normAutofit/>
           </a:bodyPr>
           <a:lstStyle/>
           <a:p>
             <a:r>
-              <a:rPr lang="fr-FR" dirty="0" err="1" smtClean="0"/>
-              <a:t>function</a:t>
-            </a:r>
-            <a:r>
-              <a:rPr lang="fr-FR" dirty="0" smtClean="0"/>
+              <a:rPr lang="fr-FR" sz="1600" dirty="0" smtClean="0"/>
+              <a:t>Pour se faire je vais utiliser une boucle </a:t>
+            </a:r>
+            <a:r>
+              <a:rPr lang="fr-FR" sz="1600" dirty="0" err="1" smtClean="0"/>
+              <a:t>forEach</a:t>
+            </a:r>
+            <a:r>
+              <a:rPr lang="fr-FR" sz="1600" dirty="0" smtClean="0"/>
               <a:t> </a:t>
             </a:r>
             <a:r>
-              <a:rPr lang="fr-FR" dirty="0" err="1" smtClean="0"/>
-              <a:t>addProducts</a:t>
-            </a:r>
-            <a:r>
-              <a:rPr lang="fr-FR" dirty="0" smtClean="0"/>
-              <a:t>(</a:t>
-            </a:r>
-            <a:r>
-              <a:rPr lang="fr-FR" i="1" dirty="0" smtClean="0"/>
-              <a:t>data</a:t>
-            </a:r>
-            <a:r>
-              <a:rPr lang="fr-FR" dirty="0" smtClean="0"/>
-              <a:t>) {</a:t>
-            </a:r>
-          </a:p>
-          <a:p>
-            <a:r>
-              <a:rPr lang="fr-FR" dirty="0" smtClean="0"/>
-              <a:t>  </a:t>
-            </a:r>
-            <a:r>
-              <a:rPr lang="fr-FR" i="1" dirty="0" smtClean="0"/>
-              <a:t>//joue la boucle pour chaque </a:t>
-            </a:r>
-            <a:r>
-              <a:rPr lang="fr-FR" i="1" dirty="0" err="1" smtClean="0"/>
-              <a:t>array</a:t>
-            </a:r>
-            <a:r>
-              <a:rPr lang="fr-FR" i="1" dirty="0" smtClean="0"/>
-              <a:t> dans l'api</a:t>
-            </a:r>
+              <a:rPr lang="fr-FR" sz="1600" dirty="0" smtClean="0"/>
+              <a:t>à l’intérieur de mon </a:t>
+            </a:r>
+            <a:r>
+              <a:rPr lang="fr-FR" sz="1600" dirty="0" err="1" smtClean="0"/>
+              <a:t>fetch</a:t>
+            </a:r>
+            <a:r>
+              <a:rPr lang="fr-FR" sz="1600" dirty="0" smtClean="0"/>
+              <a:t> ligne 7 de mon script.js qui appelle ma fonction </a:t>
+            </a:r>
+            <a:r>
+              <a:rPr lang="fr-FR" sz="1600" dirty="0" err="1" smtClean="0"/>
+              <a:t>creatObject</a:t>
+            </a:r>
+            <a:endParaRPr lang="fr-FR" sz="1600" dirty="0" smtClean="0"/>
+          </a:p>
+          <a:p>
             <a:endParaRPr lang="fr-FR" dirty="0" smtClean="0"/>
-          </a:p>
-          <a:p>
-            <a:r>
-              <a:rPr lang="fr-FR" dirty="0" smtClean="0"/>
-              <a:t>  </a:t>
-            </a:r>
-            <a:r>
-              <a:rPr lang="fr-FR" i="1" dirty="0" err="1" smtClean="0"/>
-              <a:t>data</a:t>
-            </a:r>
-            <a:r>
-              <a:rPr lang="fr-FR" dirty="0" err="1" smtClean="0"/>
-              <a:t>.forEach</a:t>
-            </a:r>
-            <a:r>
-              <a:rPr lang="fr-FR" dirty="0" smtClean="0"/>
-              <a:t>((</a:t>
-            </a:r>
-            <a:r>
-              <a:rPr lang="fr-FR" i="1" dirty="0" err="1" smtClean="0"/>
-              <a:t>kanap</a:t>
-            </a:r>
-            <a:r>
-              <a:rPr lang="fr-FR" dirty="0" smtClean="0"/>
-              <a:t>) =&gt; {</a:t>
-            </a:r>
-          </a:p>
-          <a:p>
-            <a:r>
-              <a:rPr lang="fr-FR" dirty="0" smtClean="0"/>
-              <a:t>    </a:t>
-            </a:r>
-            <a:r>
-              <a:rPr lang="fr-FR" dirty="0" err="1" smtClean="0"/>
-              <a:t>const</a:t>
-            </a:r>
-            <a:r>
-              <a:rPr lang="fr-FR" dirty="0" smtClean="0"/>
-              <a:t> { </a:t>
-            </a:r>
-            <a:r>
-              <a:rPr lang="fr-FR" dirty="0" err="1" smtClean="0"/>
-              <a:t>_id</a:t>
-            </a:r>
-            <a:r>
-              <a:rPr lang="fr-FR" dirty="0" smtClean="0"/>
-              <a:t>, </a:t>
-            </a:r>
-            <a:r>
-              <a:rPr lang="fr-FR" dirty="0" err="1" smtClean="0"/>
-              <a:t>imageUrl</a:t>
-            </a:r>
-            <a:r>
-              <a:rPr lang="fr-FR" dirty="0" smtClean="0"/>
-              <a:t>, </a:t>
-            </a:r>
-            <a:r>
-              <a:rPr lang="fr-FR" dirty="0" err="1" smtClean="0"/>
-              <a:t>altTxt</a:t>
-            </a:r>
-            <a:r>
-              <a:rPr lang="fr-FR" dirty="0" smtClean="0"/>
-              <a:t>, </a:t>
-            </a:r>
-            <a:r>
-              <a:rPr lang="fr-FR" dirty="0" err="1" smtClean="0"/>
-              <a:t>name</a:t>
-            </a:r>
-            <a:r>
-              <a:rPr lang="fr-FR" dirty="0" smtClean="0"/>
-              <a:t>, description } = </a:t>
-            </a:r>
-            <a:r>
-              <a:rPr lang="fr-FR" i="1" dirty="0" err="1" smtClean="0"/>
-              <a:t>kanap</a:t>
-            </a:r>
-            <a:r>
-              <a:rPr lang="fr-FR" dirty="0" smtClean="0"/>
-              <a:t>;</a:t>
-            </a:r>
-          </a:p>
-          <a:p>
-            <a:r>
-              <a:rPr lang="fr-FR" dirty="0" smtClean="0"/>
-              <a:t>    </a:t>
-            </a:r>
-            <a:r>
-              <a:rPr lang="fr-FR" i="1" dirty="0" smtClean="0"/>
-              <a:t>/*es6 </a:t>
-            </a:r>
-            <a:r>
-              <a:rPr lang="fr-FR" i="1" dirty="0" err="1" smtClean="0"/>
-              <a:t>destructuring</a:t>
-            </a:r>
-            <a:r>
-              <a:rPr lang="fr-FR" i="1" dirty="0" smtClean="0"/>
-              <a:t> sert a </a:t>
-            </a:r>
-            <a:r>
-              <a:rPr lang="fr-FR" i="1" dirty="0" err="1" smtClean="0"/>
-              <a:t>eviter</a:t>
-            </a:r>
-            <a:r>
-              <a:rPr lang="fr-FR" i="1" dirty="0" smtClean="0"/>
-              <a:t> de refaire la </a:t>
-            </a:r>
-            <a:r>
-              <a:rPr lang="fr-FR" i="1" dirty="0" err="1" smtClean="0"/>
-              <a:t>meme</a:t>
-            </a:r>
-            <a:r>
-              <a:rPr lang="fr-FR" i="1" dirty="0" smtClean="0"/>
-              <a:t> ligne pour chaque objets</a:t>
-            </a:r>
-            <a:endParaRPr lang="fr-FR" dirty="0" smtClean="0"/>
-          </a:p>
-          <a:p>
-            <a:r>
-              <a:rPr lang="fr-FR" i="1" dirty="0" smtClean="0"/>
-              <a:t>  </a:t>
-            </a:r>
-            <a:r>
-              <a:rPr lang="fr-FR" i="1" dirty="0" err="1" smtClean="0"/>
-              <a:t>const</a:t>
-            </a:r>
-            <a:r>
-              <a:rPr lang="fr-FR" i="1" dirty="0" smtClean="0"/>
-              <a:t> </a:t>
-            </a:r>
-            <a:r>
-              <a:rPr lang="fr-FR" i="1" dirty="0" err="1" smtClean="0"/>
-              <a:t>imageUrl</a:t>
-            </a:r>
-            <a:r>
-              <a:rPr lang="fr-FR" i="1" dirty="0" smtClean="0"/>
-              <a:t> = </a:t>
-            </a:r>
-            <a:r>
-              <a:rPr lang="fr-FR" i="1" dirty="0" err="1" smtClean="0"/>
-              <a:t>data.imageUrl</a:t>
-            </a:r>
-            <a:r>
-              <a:rPr lang="fr-FR" i="1" dirty="0" smtClean="0"/>
-              <a:t>;</a:t>
-            </a:r>
-            <a:endParaRPr lang="fr-FR" dirty="0" smtClean="0"/>
-          </a:p>
-          <a:p>
-            <a:r>
-              <a:rPr lang="fr-FR" i="1" dirty="0" smtClean="0"/>
-              <a:t>  </a:t>
-            </a:r>
-            <a:r>
-              <a:rPr lang="fr-FR" i="1" dirty="0" err="1" smtClean="0"/>
-              <a:t>const</a:t>
-            </a:r>
-            <a:r>
-              <a:rPr lang="fr-FR" i="1" dirty="0" smtClean="0"/>
-              <a:t> </a:t>
-            </a:r>
-            <a:r>
-              <a:rPr lang="fr-FR" i="1" dirty="0" err="1" smtClean="0"/>
-              <a:t>altTxt</a:t>
-            </a:r>
-            <a:r>
-              <a:rPr lang="fr-FR" i="1" dirty="0" smtClean="0"/>
-              <a:t> = </a:t>
-            </a:r>
-            <a:r>
-              <a:rPr lang="fr-FR" i="1" dirty="0" err="1" smtClean="0"/>
-              <a:t>data.altTxt</a:t>
-            </a:r>
-            <a:r>
-              <a:rPr lang="fr-FR" i="1" dirty="0" smtClean="0"/>
-              <a:t>;</a:t>
-            </a:r>
-            <a:endParaRPr lang="fr-FR" dirty="0" smtClean="0"/>
-          </a:p>
-          <a:p>
-            <a:r>
-              <a:rPr lang="fr-FR" i="1" dirty="0" smtClean="0"/>
-              <a:t>  </a:t>
-            </a:r>
-            <a:r>
-              <a:rPr lang="fr-FR" i="1" dirty="0" err="1" smtClean="0"/>
-              <a:t>const</a:t>
-            </a:r>
-            <a:r>
-              <a:rPr lang="fr-FR" i="1" dirty="0" smtClean="0"/>
-              <a:t> </a:t>
-            </a:r>
-            <a:r>
-              <a:rPr lang="fr-FR" i="1" dirty="0" err="1" smtClean="0"/>
-              <a:t>_id</a:t>
-            </a:r>
-            <a:r>
-              <a:rPr lang="fr-FR" i="1" dirty="0" smtClean="0"/>
-              <a:t> = </a:t>
-            </a:r>
-            <a:r>
-              <a:rPr lang="fr-FR" i="1" dirty="0" err="1" smtClean="0"/>
-              <a:t>data._id</a:t>
-            </a:r>
-            <a:r>
-              <a:rPr lang="fr-FR" i="1" dirty="0" smtClean="0"/>
-              <a:t>;</a:t>
-            </a:r>
-            <a:endParaRPr lang="fr-FR" dirty="0" smtClean="0"/>
-          </a:p>
-          <a:p>
-            <a:r>
-              <a:rPr lang="fr-FR" i="1" dirty="0" smtClean="0"/>
-              <a:t>  </a:t>
-            </a:r>
-            <a:r>
-              <a:rPr lang="fr-FR" i="1" dirty="0" err="1" smtClean="0"/>
-              <a:t>const</a:t>
-            </a:r>
-            <a:r>
-              <a:rPr lang="fr-FR" i="1" dirty="0" smtClean="0"/>
-              <a:t> </a:t>
-            </a:r>
-            <a:r>
-              <a:rPr lang="fr-FR" i="1" dirty="0" err="1" smtClean="0"/>
-              <a:t>name</a:t>
-            </a:r>
-            <a:r>
-              <a:rPr lang="fr-FR" i="1" dirty="0" smtClean="0"/>
-              <a:t> = data.name;</a:t>
-            </a:r>
-            <a:endParaRPr lang="fr-FR" dirty="0" smtClean="0"/>
-          </a:p>
-          <a:p>
-            <a:r>
-              <a:rPr lang="fr-FR" i="1" dirty="0" smtClean="0"/>
-              <a:t>  </a:t>
-            </a:r>
-            <a:r>
-              <a:rPr lang="fr-FR" i="1" dirty="0" err="1" smtClean="0"/>
-              <a:t>const</a:t>
-            </a:r>
-            <a:r>
-              <a:rPr lang="fr-FR" i="1" dirty="0" smtClean="0"/>
-              <a:t> description = </a:t>
-            </a:r>
-            <a:r>
-              <a:rPr lang="fr-FR" i="1" dirty="0" err="1" smtClean="0"/>
-              <a:t>data.description</a:t>
-            </a:r>
-            <a:r>
-              <a:rPr lang="fr-FR" i="1" dirty="0" smtClean="0"/>
-              <a:t>;*/</a:t>
-            </a:r>
-            <a:endParaRPr lang="fr-FR" dirty="0" smtClean="0"/>
-          </a:p>
-          <a:p>
-            <a:r>
-              <a:rPr lang="fr-FR" dirty="0" smtClean="0"/>
-              <a:t/>
-            </a:r>
-            <a:br>
-              <a:rPr lang="fr-FR" dirty="0" smtClean="0"/>
-            </a:br>
-            <a:r>
-              <a:rPr lang="fr-FR" dirty="0" smtClean="0"/>
-              <a:t>    </a:t>
-            </a:r>
-            <a:r>
-              <a:rPr lang="fr-FR" dirty="0" err="1" smtClean="0"/>
-              <a:t>const</a:t>
-            </a:r>
-            <a:r>
-              <a:rPr lang="fr-FR" dirty="0" smtClean="0"/>
-              <a:t> </a:t>
-            </a:r>
-            <a:r>
-              <a:rPr lang="fr-FR" dirty="0" err="1" smtClean="0"/>
-              <a:t>anchor</a:t>
-            </a:r>
-            <a:r>
-              <a:rPr lang="fr-FR" dirty="0" smtClean="0"/>
-              <a:t> = </a:t>
-            </a:r>
-            <a:r>
-              <a:rPr lang="fr-FR" dirty="0" err="1" smtClean="0"/>
-              <a:t>makeanchor</a:t>
-            </a:r>
-            <a:r>
-              <a:rPr lang="fr-FR" dirty="0" smtClean="0"/>
-              <a:t>(</a:t>
-            </a:r>
-            <a:r>
-              <a:rPr lang="fr-FR" dirty="0" err="1" smtClean="0"/>
-              <a:t>_id</a:t>
-            </a:r>
-            <a:r>
-              <a:rPr lang="fr-FR" dirty="0" smtClean="0"/>
-              <a:t>); </a:t>
-            </a:r>
-            <a:r>
-              <a:rPr lang="fr-FR" i="1" dirty="0" smtClean="0"/>
-              <a:t>//</a:t>
-            </a:r>
-            <a:r>
-              <a:rPr lang="fr-FR" i="1" dirty="0" err="1" smtClean="0"/>
-              <a:t>cree</a:t>
-            </a:r>
-            <a:r>
-              <a:rPr lang="fr-FR" i="1" dirty="0" smtClean="0"/>
-              <a:t> l'</a:t>
-            </a:r>
-            <a:r>
-              <a:rPr lang="fr-FR" i="1" dirty="0" err="1" smtClean="0"/>
-              <a:t>element</a:t>
-            </a:r>
-            <a:r>
-              <a:rPr lang="fr-FR" i="1" dirty="0" smtClean="0"/>
-              <a:t> a</a:t>
-            </a:r>
-            <a:endParaRPr lang="fr-FR" dirty="0" smtClean="0"/>
-          </a:p>
-          <a:p>
-            <a:r>
-              <a:rPr lang="fr-FR" dirty="0" smtClean="0"/>
-              <a:t>    </a:t>
-            </a:r>
-            <a:r>
-              <a:rPr lang="fr-FR" dirty="0" err="1" smtClean="0"/>
-              <a:t>const</a:t>
-            </a:r>
-            <a:r>
-              <a:rPr lang="fr-FR" dirty="0" smtClean="0"/>
-              <a:t> </a:t>
-            </a:r>
-            <a:r>
-              <a:rPr lang="fr-FR" dirty="0" err="1" smtClean="0"/>
-              <a:t>makearticle</a:t>
-            </a:r>
-            <a:r>
-              <a:rPr lang="fr-FR" dirty="0" smtClean="0"/>
-              <a:t> = </a:t>
-            </a:r>
-            <a:r>
-              <a:rPr lang="fr-FR" dirty="0" err="1" smtClean="0"/>
-              <a:t>document.createElement</a:t>
-            </a:r>
-            <a:r>
-              <a:rPr lang="fr-FR" dirty="0" smtClean="0"/>
-              <a:t>("article"); </a:t>
-            </a:r>
-            <a:r>
-              <a:rPr lang="fr-FR" i="1" dirty="0" smtClean="0"/>
-              <a:t>//</a:t>
-            </a:r>
-            <a:r>
-              <a:rPr lang="fr-FR" i="1" dirty="0" err="1" smtClean="0"/>
-              <a:t>cree</a:t>
-            </a:r>
-            <a:r>
-              <a:rPr lang="fr-FR" i="1" dirty="0" smtClean="0"/>
-              <a:t> l'</a:t>
-            </a:r>
-            <a:r>
-              <a:rPr lang="fr-FR" i="1" dirty="0" err="1" smtClean="0"/>
-              <a:t>element</a:t>
-            </a:r>
-            <a:r>
-              <a:rPr lang="fr-FR" i="1" dirty="0" smtClean="0"/>
-              <a:t> article</a:t>
-            </a:r>
-            <a:endParaRPr lang="fr-FR" dirty="0" smtClean="0"/>
-          </a:p>
-          <a:p>
-            <a:r>
-              <a:rPr lang="fr-FR" dirty="0" smtClean="0"/>
-              <a:t>    </a:t>
-            </a:r>
-            <a:r>
-              <a:rPr lang="fr-FR" dirty="0" err="1" smtClean="0"/>
-              <a:t>const</a:t>
-            </a:r>
-            <a:r>
-              <a:rPr lang="fr-FR" dirty="0" smtClean="0"/>
-              <a:t> </a:t>
-            </a:r>
-            <a:r>
-              <a:rPr lang="fr-FR" dirty="0" err="1" smtClean="0"/>
-              <a:t>img</a:t>
-            </a:r>
-            <a:r>
-              <a:rPr lang="fr-FR" dirty="0" smtClean="0"/>
-              <a:t> = </a:t>
-            </a:r>
-            <a:r>
-              <a:rPr lang="fr-FR" dirty="0" err="1" smtClean="0"/>
-              <a:t>makeimg</a:t>
-            </a:r>
-            <a:r>
-              <a:rPr lang="fr-FR" dirty="0" smtClean="0"/>
-              <a:t>(</a:t>
-            </a:r>
-            <a:r>
-              <a:rPr lang="fr-FR" dirty="0" err="1" smtClean="0"/>
-              <a:t>imageUrl</a:t>
-            </a:r>
-            <a:r>
-              <a:rPr lang="fr-FR" dirty="0" smtClean="0"/>
-              <a:t>, </a:t>
-            </a:r>
-            <a:r>
-              <a:rPr lang="fr-FR" dirty="0" err="1" smtClean="0"/>
-              <a:t>altTxt</a:t>
-            </a:r>
-            <a:r>
-              <a:rPr lang="fr-FR" dirty="0" smtClean="0"/>
-              <a:t>); </a:t>
-            </a:r>
-            <a:r>
-              <a:rPr lang="fr-FR" i="1" dirty="0" smtClean="0"/>
-              <a:t>//</a:t>
-            </a:r>
-            <a:r>
-              <a:rPr lang="fr-FR" i="1" dirty="0" err="1" smtClean="0"/>
-              <a:t>cree</a:t>
-            </a:r>
-            <a:r>
-              <a:rPr lang="fr-FR" i="1" dirty="0" smtClean="0"/>
-              <a:t> l'</a:t>
-            </a:r>
-            <a:r>
-              <a:rPr lang="fr-FR" i="1" dirty="0" err="1" smtClean="0"/>
-              <a:t>element</a:t>
-            </a:r>
-            <a:r>
-              <a:rPr lang="fr-FR" i="1" dirty="0" smtClean="0"/>
-              <a:t> </a:t>
-            </a:r>
-            <a:r>
-              <a:rPr lang="fr-FR" i="1" dirty="0" err="1" smtClean="0"/>
-              <a:t>img</a:t>
-            </a:r>
-            <a:endParaRPr lang="fr-FR" dirty="0" smtClean="0"/>
-          </a:p>
-          <a:p>
-            <a:r>
-              <a:rPr lang="fr-FR" dirty="0" smtClean="0"/>
-              <a:t>    </a:t>
-            </a:r>
-            <a:r>
-              <a:rPr lang="fr-FR" dirty="0" err="1" smtClean="0"/>
-              <a:t>const</a:t>
-            </a:r>
-            <a:r>
-              <a:rPr lang="fr-FR" dirty="0" smtClean="0"/>
-              <a:t> h3 = makeh3(</a:t>
-            </a:r>
-            <a:r>
-              <a:rPr lang="fr-FR" dirty="0" err="1" smtClean="0"/>
-              <a:t>name</a:t>
-            </a:r>
-            <a:r>
-              <a:rPr lang="fr-FR" dirty="0" smtClean="0"/>
-              <a:t>); </a:t>
-            </a:r>
-            <a:r>
-              <a:rPr lang="fr-FR" i="1" dirty="0" smtClean="0"/>
-              <a:t>//</a:t>
-            </a:r>
-            <a:r>
-              <a:rPr lang="fr-FR" i="1" dirty="0" err="1" smtClean="0"/>
-              <a:t>cree</a:t>
-            </a:r>
-            <a:r>
-              <a:rPr lang="fr-FR" i="1" dirty="0" smtClean="0"/>
-              <a:t> l'</a:t>
-            </a:r>
-            <a:r>
-              <a:rPr lang="fr-FR" i="1" dirty="0" err="1" smtClean="0"/>
-              <a:t>element</a:t>
-            </a:r>
-            <a:r>
-              <a:rPr lang="fr-FR" i="1" dirty="0" smtClean="0"/>
-              <a:t> </a:t>
-            </a:r>
-            <a:r>
-              <a:rPr lang="fr-FR" i="1" dirty="0" err="1" smtClean="0"/>
-              <a:t>img</a:t>
-            </a:r>
-            <a:endParaRPr lang="fr-FR" dirty="0" smtClean="0"/>
-          </a:p>
-          <a:p>
-            <a:r>
-              <a:rPr lang="fr-FR" dirty="0" smtClean="0"/>
-              <a:t>    </a:t>
-            </a:r>
-            <a:r>
-              <a:rPr lang="fr-FR" dirty="0" err="1" smtClean="0"/>
-              <a:t>const</a:t>
-            </a:r>
-            <a:r>
-              <a:rPr lang="fr-FR" dirty="0" smtClean="0"/>
-              <a:t> p = </a:t>
-            </a:r>
-            <a:r>
-              <a:rPr lang="fr-FR" dirty="0" err="1" smtClean="0"/>
-              <a:t>makep</a:t>
-            </a:r>
-            <a:r>
-              <a:rPr lang="fr-FR" dirty="0" smtClean="0"/>
-              <a:t>(description); </a:t>
-            </a:r>
-            <a:r>
-              <a:rPr lang="fr-FR" i="1" dirty="0" smtClean="0"/>
-              <a:t>//</a:t>
-            </a:r>
-            <a:r>
-              <a:rPr lang="fr-FR" i="1" dirty="0" err="1" smtClean="0"/>
-              <a:t>cree</a:t>
-            </a:r>
-            <a:r>
-              <a:rPr lang="fr-FR" i="1" dirty="0" smtClean="0"/>
-              <a:t> l'</a:t>
-            </a:r>
-            <a:r>
-              <a:rPr lang="fr-FR" i="1" dirty="0" err="1" smtClean="0"/>
-              <a:t>element</a:t>
-            </a:r>
-            <a:r>
-              <a:rPr lang="fr-FR" i="1" dirty="0" smtClean="0"/>
-              <a:t> </a:t>
-            </a:r>
-            <a:r>
-              <a:rPr lang="fr-FR" i="1" dirty="0" err="1" smtClean="0"/>
-              <a:t>img</a:t>
-            </a:r>
-            <a:endParaRPr lang="fr-FR" dirty="0" smtClean="0"/>
-          </a:p>
-          <a:p>
-            <a:r>
-              <a:rPr lang="fr-FR" dirty="0" smtClean="0"/>
-              <a:t/>
-            </a:r>
-            <a:br>
-              <a:rPr lang="fr-FR" dirty="0" smtClean="0"/>
-            </a:br>
-            <a:r>
-              <a:rPr lang="fr-FR" dirty="0" smtClean="0"/>
-              <a:t>    </a:t>
-            </a:r>
-            <a:r>
-              <a:rPr lang="fr-FR" dirty="0" err="1" smtClean="0"/>
-              <a:t>appendChildanchor</a:t>
-            </a:r>
-            <a:r>
-              <a:rPr lang="fr-FR" dirty="0" smtClean="0"/>
-              <a:t>(</a:t>
-            </a:r>
-            <a:r>
-              <a:rPr lang="fr-FR" dirty="0" err="1" smtClean="0"/>
-              <a:t>anchor</a:t>
-            </a:r>
-            <a:r>
-              <a:rPr lang="fr-FR" dirty="0" smtClean="0"/>
-              <a:t>, </a:t>
-            </a:r>
-            <a:r>
-              <a:rPr lang="fr-FR" dirty="0" err="1" smtClean="0"/>
-              <a:t>makearticle</a:t>
-            </a:r>
-            <a:r>
-              <a:rPr lang="fr-FR" dirty="0" smtClean="0"/>
-              <a:t>); </a:t>
-            </a:r>
-            <a:r>
-              <a:rPr lang="fr-FR" i="1" dirty="0" smtClean="0"/>
-              <a:t>//appelle la fonction qui </a:t>
-            </a:r>
-            <a:r>
-              <a:rPr lang="fr-FR" i="1" dirty="0" err="1" smtClean="0"/>
-              <a:t>acroche</a:t>
-            </a:r>
-            <a:r>
-              <a:rPr lang="fr-FR" i="1" dirty="0" smtClean="0"/>
-              <a:t> </a:t>
-            </a:r>
-            <a:r>
-              <a:rPr lang="fr-FR" i="1" dirty="0" err="1" smtClean="0"/>
-              <a:t>anchor</a:t>
-            </a:r>
-            <a:r>
-              <a:rPr lang="fr-FR" i="1" dirty="0" smtClean="0"/>
-              <a:t> a l'id items</a:t>
-            </a:r>
-            <a:endParaRPr lang="fr-FR" dirty="0" smtClean="0"/>
-          </a:p>
-          <a:p>
-            <a:r>
-              <a:rPr lang="fr-FR" dirty="0" smtClean="0"/>
-              <a:t>    </a:t>
-            </a:r>
-            <a:r>
-              <a:rPr lang="fr-FR" dirty="0" err="1" smtClean="0"/>
-              <a:t>appendChildtoarticle</a:t>
-            </a:r>
-            <a:r>
-              <a:rPr lang="fr-FR" dirty="0" smtClean="0"/>
-              <a:t>(</a:t>
-            </a:r>
-            <a:r>
-              <a:rPr lang="fr-FR" dirty="0" err="1" smtClean="0"/>
-              <a:t>makearticle</a:t>
-            </a:r>
-            <a:r>
-              <a:rPr lang="fr-FR" dirty="0" smtClean="0"/>
-              <a:t>, </a:t>
-            </a:r>
-            <a:r>
-              <a:rPr lang="fr-FR" dirty="0" err="1" smtClean="0"/>
-              <a:t>img</a:t>
-            </a:r>
-            <a:r>
-              <a:rPr lang="fr-FR" dirty="0" smtClean="0"/>
-              <a:t>, h3, p); </a:t>
-            </a:r>
-            <a:r>
-              <a:rPr lang="fr-FR" i="1" dirty="0" smtClean="0"/>
-              <a:t>//appelle la </a:t>
-            </a:r>
-            <a:r>
-              <a:rPr lang="fr-FR" i="1" dirty="0" err="1" smtClean="0"/>
-              <a:t>fonctin</a:t>
-            </a:r>
-            <a:r>
-              <a:rPr lang="fr-FR" i="1" dirty="0" smtClean="0"/>
-              <a:t> qui </a:t>
-            </a:r>
-            <a:r>
-              <a:rPr lang="fr-FR" i="1" dirty="0" err="1" smtClean="0"/>
-              <a:t>acroche</a:t>
-            </a:r>
-            <a:r>
-              <a:rPr lang="fr-FR" i="1" dirty="0" smtClean="0"/>
-              <a:t> [</a:t>
-            </a:r>
-            <a:r>
-              <a:rPr lang="fr-FR" i="1" dirty="0" err="1" smtClean="0"/>
-              <a:t>img</a:t>
-            </a:r>
-            <a:r>
-              <a:rPr lang="fr-FR" i="1" dirty="0" smtClean="0"/>
-              <a:t>, h3, p] a l'article mis en </a:t>
-            </a:r>
-            <a:r>
-              <a:rPr lang="fr-FR" i="1" dirty="0" err="1" smtClean="0"/>
-              <a:t>array</a:t>
-            </a:r>
-            <a:r>
-              <a:rPr lang="fr-FR" i="1" dirty="0" smtClean="0"/>
-              <a:t> pour pouvoir faire que un seul </a:t>
-            </a:r>
-            <a:r>
-              <a:rPr lang="fr-FR" i="1" dirty="0" err="1" smtClean="0"/>
-              <a:t>appenchild</a:t>
-            </a:r>
-            <a:endParaRPr lang="fr-FR" dirty="0" smtClean="0"/>
-          </a:p>
-          <a:p>
-            <a:r>
-              <a:rPr lang="fr-FR" dirty="0" smtClean="0"/>
-              <a:t>  });</a:t>
-            </a:r>
-          </a:p>
-          <a:p>
-            <a:r>
-              <a:rPr lang="fr-FR" dirty="0" smtClean="0"/>
-              <a:t>}</a:t>
-            </a:r>
-          </a:p>
-          <a:p>
-            <a:endParaRPr lang="fr-FR" dirty="0"/>
           </a:p>
         </p:txBody>
       </p:sp>
@@ -7186,147 +6681,91 @@
           <a:lstStyle/>
           <a:p>
             <a:r>
-              <a:rPr lang="fr-FR" sz="1400" dirty="0" err="1" smtClean="0"/>
-              <a:t>function</a:t>
-            </a:r>
-            <a:r>
-              <a:rPr lang="fr-FR" sz="1400" dirty="0" smtClean="0"/>
+              <a:rPr lang="fr-FR" sz="1600" dirty="0" smtClean="0"/>
+              <a:t>Pour </a:t>
+            </a:r>
+            <a:r>
+              <a:rPr lang="fr-FR" sz="1600" dirty="0" smtClean="0"/>
+              <a:t>faire </a:t>
+            </a:r>
+            <a:r>
+              <a:rPr lang="fr-FR" sz="1600" dirty="0" smtClean="0"/>
+              <a:t>le lien j’ai </a:t>
+            </a:r>
+            <a:r>
+              <a:rPr lang="fr-FR" sz="1600" dirty="0" smtClean="0"/>
+              <a:t>crée </a:t>
+            </a:r>
+            <a:r>
+              <a:rPr lang="fr-FR" sz="1600" dirty="0" smtClean="0"/>
+              <a:t>une</a:t>
+            </a:r>
+          </a:p>
+          <a:p>
+            <a:r>
+              <a:rPr lang="fr-FR" sz="1600" dirty="0" smtClean="0"/>
               <a:t> </a:t>
             </a:r>
             <a:r>
-              <a:rPr lang="fr-FR" sz="1400" dirty="0" err="1" smtClean="0"/>
-              <a:t>makeanchor</a:t>
-            </a:r>
-            <a:r>
-              <a:rPr lang="fr-FR" sz="1400" dirty="0" smtClean="0"/>
-              <a:t>(</a:t>
-            </a:r>
-            <a:r>
-              <a:rPr lang="fr-FR" sz="1400" i="1" dirty="0" err="1" smtClean="0"/>
+              <a:rPr lang="fr-FR" sz="1600" dirty="0" err="1" smtClean="0"/>
+              <a:t>const</a:t>
+            </a:r>
+            <a:r>
+              <a:rPr lang="fr-FR" sz="1600" dirty="0" smtClean="0"/>
+              <a:t> </a:t>
+            </a:r>
+            <a:r>
+              <a:rPr lang="fr-FR" sz="1600" dirty="0" err="1" smtClean="0"/>
+              <a:t>anchor</a:t>
+            </a:r>
+            <a:r>
+              <a:rPr lang="fr-FR" sz="1600" dirty="0" smtClean="0"/>
+              <a:t> = </a:t>
+            </a:r>
+            <a:r>
+              <a:rPr lang="fr-FR" sz="1600" dirty="0" err="1" smtClean="0"/>
+              <a:t>document.createElement</a:t>
+            </a:r>
+            <a:r>
+              <a:rPr lang="fr-FR" sz="1600" dirty="0" smtClean="0"/>
+              <a:t>("a"); </a:t>
+            </a:r>
+            <a:endParaRPr lang="fr-FR" sz="1600" dirty="0" smtClean="0"/>
+          </a:p>
+          <a:p>
+            <a:endParaRPr lang="fr-FR" sz="1600" i="1" dirty="0" smtClean="0"/>
+          </a:p>
+          <a:p>
+            <a:r>
+              <a:rPr lang="fr-FR" sz="1600" i="1" dirty="0" smtClean="0"/>
+              <a:t>Au quelle je lui est passer </a:t>
+            </a:r>
+            <a:endParaRPr lang="fr-FR" sz="1600" dirty="0" smtClean="0"/>
+          </a:p>
+          <a:p>
+            <a:r>
+              <a:rPr lang="fr-FR" sz="1600" dirty="0" smtClean="0"/>
+              <a:t>  </a:t>
+            </a:r>
+            <a:r>
+              <a:rPr lang="fr-FR" sz="1600" dirty="0" err="1" smtClean="0"/>
+              <a:t>anchor.href</a:t>
+            </a:r>
+            <a:r>
+              <a:rPr lang="fr-FR" sz="1600" dirty="0" smtClean="0"/>
+              <a:t> = "./product.html?id=" + </a:t>
+            </a:r>
+            <a:r>
+              <a:rPr lang="fr-FR" sz="1600" i="1" dirty="0" err="1" smtClean="0"/>
               <a:t>_id</a:t>
             </a:r>
             <a:r>
-              <a:rPr lang="fr-FR" sz="1400" dirty="0" smtClean="0"/>
-              <a:t>) {</a:t>
-            </a:r>
-          </a:p>
-          <a:p>
-            <a:r>
-              <a:rPr lang="fr-FR" sz="1400" dirty="0" smtClean="0"/>
-              <a:t>  </a:t>
-            </a:r>
-            <a:r>
-              <a:rPr lang="fr-FR" sz="1400" dirty="0" err="1" smtClean="0"/>
-              <a:t>const</a:t>
-            </a:r>
-            <a:r>
-              <a:rPr lang="fr-FR" sz="1400" dirty="0" smtClean="0"/>
-              <a:t> </a:t>
-            </a:r>
-            <a:r>
-              <a:rPr lang="fr-FR" sz="1400" dirty="0" err="1" smtClean="0"/>
-              <a:t>anchor</a:t>
-            </a:r>
-            <a:r>
-              <a:rPr lang="fr-FR" sz="1400" dirty="0" smtClean="0"/>
-              <a:t> = </a:t>
-            </a:r>
-            <a:r>
-              <a:rPr lang="fr-FR" sz="1400" dirty="0" err="1" smtClean="0"/>
-              <a:t>document.createElement</a:t>
-            </a:r>
-            <a:r>
-              <a:rPr lang="fr-FR" sz="1400" dirty="0" smtClean="0"/>
-              <a:t>("a"); </a:t>
-            </a:r>
-            <a:r>
-              <a:rPr lang="fr-FR" sz="1400" i="1" dirty="0" smtClean="0"/>
-              <a:t>//</a:t>
-            </a:r>
-            <a:r>
-              <a:rPr lang="fr-FR" sz="1400" i="1" dirty="0" err="1" smtClean="0"/>
-              <a:t>cree</a:t>
-            </a:r>
-            <a:r>
-              <a:rPr lang="fr-FR" sz="1400" i="1" dirty="0" smtClean="0"/>
-              <a:t> l'</a:t>
-            </a:r>
-            <a:r>
-              <a:rPr lang="fr-FR" sz="1400" i="1" dirty="0" err="1" smtClean="0"/>
-              <a:t>element</a:t>
-            </a:r>
-            <a:r>
-              <a:rPr lang="fr-FR" sz="1400" i="1" dirty="0" smtClean="0"/>
-              <a:t> a</a:t>
-            </a:r>
+              <a:rPr lang="fr-FR" sz="1600" dirty="0" smtClean="0"/>
+              <a:t>; </a:t>
+            </a:r>
+          </a:p>
+          <a:p>
             <a:endParaRPr lang="fr-FR" sz="1400" dirty="0" smtClean="0"/>
-          </a:p>
-          <a:p>
-            <a:r>
-              <a:rPr lang="fr-FR" sz="1400" dirty="0" smtClean="0"/>
-              <a:t>  </a:t>
-            </a:r>
-            <a:r>
-              <a:rPr lang="fr-FR" sz="1400" dirty="0" err="1" smtClean="0"/>
-              <a:t>anchor.href</a:t>
-            </a:r>
-            <a:r>
-              <a:rPr lang="fr-FR" sz="1400" dirty="0" smtClean="0"/>
-              <a:t> = "./product.html?id=" + </a:t>
-            </a:r>
-            <a:r>
-              <a:rPr lang="fr-FR" sz="1400" i="1" dirty="0" err="1" smtClean="0"/>
-              <a:t>_id</a:t>
-            </a:r>
-            <a:r>
-              <a:rPr lang="fr-FR" sz="1400" dirty="0" smtClean="0"/>
-              <a:t>; </a:t>
-            </a:r>
-            <a:r>
-              <a:rPr lang="fr-FR" sz="1400" i="1" dirty="0" smtClean="0"/>
-              <a:t>//ajoute </a:t>
-            </a:r>
-            <a:r>
-              <a:rPr lang="fr-FR" sz="1400" i="1" dirty="0" smtClean="0"/>
-              <a:t>le </a:t>
-            </a:r>
-            <a:r>
-              <a:rPr lang="fr-FR" sz="1400" i="1" dirty="0" err="1" smtClean="0"/>
-              <a:t>href</a:t>
-            </a:r>
-            <a:r>
-              <a:rPr lang="fr-FR" sz="1400" i="1" dirty="0" smtClean="0"/>
-              <a:t> </a:t>
-            </a:r>
-            <a:r>
-              <a:rPr lang="fr-FR" sz="1400" i="1" dirty="0" smtClean="0"/>
-              <a:t> en ajoutent l’id du </a:t>
-            </a:r>
-            <a:r>
-              <a:rPr lang="fr-FR" sz="1400" i="1" dirty="0" err="1" smtClean="0"/>
-              <a:t>prouit</a:t>
-            </a:r>
-            <a:endParaRPr lang="fr-FR" sz="1400" dirty="0" smtClean="0"/>
-          </a:p>
-          <a:p>
-            <a:r>
-              <a:rPr lang="fr-FR" sz="1400" dirty="0" smtClean="0"/>
-              <a:t>  return </a:t>
-            </a:r>
-            <a:r>
-              <a:rPr lang="fr-FR" sz="1400" dirty="0" err="1" smtClean="0"/>
-              <a:t>anchor</a:t>
-            </a:r>
-            <a:r>
-              <a:rPr lang="fr-FR" sz="1400" dirty="0" smtClean="0"/>
-              <a:t>;</a:t>
-            </a:r>
-          </a:p>
-          <a:p>
-            <a:r>
-              <a:rPr lang="fr-FR" sz="1400" dirty="0" smtClean="0"/>
-              <a:t>}</a:t>
-            </a:r>
           </a:p>
           <a:p>
             <a:endParaRPr lang="fr-FR" dirty="0" smtClean="0"/>
@@ -7425,246 +6864,147 @@
           </a:bodyPr>
           <a:lstStyle/>
           <a:p>
-            <a:endParaRPr lang="fr-FR" sz="1400" dirty="0" smtClean="0"/>
-          </a:p>
-          <a:p>
-            <a:r>
-              <a:rPr lang="fr-FR" sz="1400" dirty="0" err="1" smtClean="0"/>
+            <a:endParaRPr lang="fr-FR" sz="1600" dirty="0" smtClean="0"/>
+          </a:p>
+          <a:p>
+            <a:r>
+              <a:rPr lang="fr-FR" sz="1600" dirty="0" smtClean="0"/>
+              <a:t>Pour récupérais se qu’il y a âpres le ? dans l'url</a:t>
+            </a:r>
+          </a:p>
+          <a:p>
+            <a:r>
+              <a:rPr lang="fr-FR" sz="1600" dirty="0" err="1" smtClean="0"/>
               <a:t>const</a:t>
             </a:r>
             <a:r>
-              <a:rPr lang="fr-FR" sz="1400" dirty="0" smtClean="0"/>
+              <a:rPr lang="fr-FR" sz="1600" dirty="0" smtClean="0"/>
               <a:t> </a:t>
             </a:r>
             <a:r>
-              <a:rPr lang="fr-FR" sz="1400" dirty="0" err="1" smtClean="0"/>
+              <a:rPr lang="fr-FR" sz="1600" dirty="0" err="1" smtClean="0"/>
               <a:t>queryString</a:t>
             </a:r>
             <a:r>
-              <a:rPr lang="fr-FR" sz="1400" dirty="0" smtClean="0"/>
+              <a:rPr lang="fr-FR" sz="1600" dirty="0" smtClean="0"/>
               <a:t> = </a:t>
             </a:r>
             <a:r>
-              <a:rPr lang="fr-FR" sz="1400" dirty="0" err="1" smtClean="0"/>
+              <a:rPr lang="fr-FR" sz="1600" dirty="0" err="1" smtClean="0"/>
               <a:t>window.location.search</a:t>
             </a:r>
             <a:r>
-              <a:rPr lang="fr-FR" sz="1400" dirty="0" smtClean="0"/>
-              <a:t>; </a:t>
-            </a:r>
-            <a:r>
-              <a:rPr lang="fr-FR" sz="1400" i="1" dirty="0" smtClean="0"/>
-              <a:t>//sert a </a:t>
-            </a:r>
-            <a:r>
-              <a:rPr lang="fr-FR" sz="1400" i="1" dirty="0" err="1" smtClean="0"/>
-              <a:t>recup</a:t>
-            </a:r>
-            <a:r>
-              <a:rPr lang="fr-FR" sz="1400" i="1" dirty="0" smtClean="0"/>
-              <a:t> se qui a </a:t>
-            </a:r>
-            <a:r>
-              <a:rPr lang="fr-FR" sz="1400" i="1" dirty="0" err="1" smtClean="0"/>
-              <a:t>apres</a:t>
-            </a:r>
-            <a:r>
-              <a:rPr lang="fr-FR" sz="1400" i="1" dirty="0" smtClean="0"/>
-              <a:t> le ? dans l'url</a:t>
-            </a:r>
-            <a:endParaRPr lang="fr-FR" sz="1400" dirty="0" smtClean="0"/>
-          </a:p>
-          <a:p>
-            <a:r>
-              <a:rPr lang="fr-FR" sz="1400" dirty="0" err="1" smtClean="0"/>
+              <a:rPr lang="fr-FR" sz="1600" dirty="0" smtClean="0"/>
+              <a:t>;</a:t>
+            </a:r>
+          </a:p>
+          <a:p>
+            <a:endParaRPr lang="fr-FR" sz="1600" dirty="0" smtClean="0"/>
+          </a:p>
+          <a:p>
+            <a:r>
+              <a:rPr lang="fr-FR" sz="1600" dirty="0" smtClean="0"/>
+              <a:t>Récupération des </a:t>
+            </a:r>
+            <a:r>
+              <a:rPr lang="fr-FR" sz="1600" dirty="0" err="1" smtClean="0"/>
+              <a:t>params</a:t>
+            </a:r>
+            <a:r>
+              <a:rPr lang="fr-FR" sz="1600" dirty="0" smtClean="0"/>
+              <a:t> de l'url</a:t>
+            </a:r>
+          </a:p>
+          <a:p>
+            <a:r>
+              <a:rPr lang="fr-FR" sz="1600" dirty="0" err="1" smtClean="0"/>
               <a:t>const</a:t>
             </a:r>
             <a:r>
-              <a:rPr lang="fr-FR" sz="1400" dirty="0" smtClean="0"/>
+              <a:rPr lang="fr-FR" sz="1600" dirty="0" smtClean="0"/>
               <a:t> </a:t>
             </a:r>
             <a:r>
-              <a:rPr lang="fr-FR" sz="1400" dirty="0" err="1" smtClean="0"/>
+              <a:rPr lang="fr-FR" sz="1600" dirty="0" err="1" smtClean="0"/>
               <a:t>urlParams</a:t>
             </a:r>
             <a:r>
-              <a:rPr lang="fr-FR" sz="1400" dirty="0" smtClean="0"/>
+              <a:rPr lang="fr-FR" sz="1600" dirty="0" smtClean="0"/>
               <a:t> = new </a:t>
             </a:r>
             <a:r>
-              <a:rPr lang="fr-FR" sz="1400" dirty="0" err="1" smtClean="0"/>
+              <a:rPr lang="fr-FR" sz="1600" dirty="0" err="1" smtClean="0"/>
               <a:t>URLSearchParams</a:t>
             </a:r>
             <a:r>
-              <a:rPr lang="fr-FR" sz="1400" dirty="0" smtClean="0"/>
+              <a:rPr lang="fr-FR" sz="1600" dirty="0" smtClean="0"/>
               <a:t>(</a:t>
             </a:r>
             <a:r>
-              <a:rPr lang="fr-FR" sz="1400" dirty="0" err="1" smtClean="0"/>
+              <a:rPr lang="fr-FR" sz="1600" dirty="0" err="1" smtClean="0"/>
               <a:t>queryString</a:t>
             </a:r>
             <a:r>
-              <a:rPr lang="fr-FR" sz="1400" dirty="0" smtClean="0"/>
+              <a:rPr lang="fr-FR" sz="1600" dirty="0" smtClean="0"/>
               <a:t>); </a:t>
             </a:r>
-            <a:r>
-              <a:rPr lang="fr-FR" sz="1400" i="1" dirty="0" smtClean="0"/>
-              <a:t>//</a:t>
-            </a:r>
-            <a:r>
-              <a:rPr lang="fr-FR" sz="1400" i="1" dirty="0" err="1" smtClean="0"/>
-              <a:t>recup</a:t>
-            </a:r>
-            <a:r>
-              <a:rPr lang="fr-FR" sz="1400" i="1" dirty="0" smtClean="0"/>
-              <a:t> les </a:t>
-            </a:r>
-            <a:r>
-              <a:rPr lang="fr-FR" sz="1400" i="1" dirty="0" err="1" smtClean="0"/>
-              <a:t>param</a:t>
-            </a:r>
-            <a:r>
-              <a:rPr lang="fr-FR" sz="1400" i="1" dirty="0" smtClean="0"/>
-              <a:t> de l'url</a:t>
-            </a:r>
-            <a:endParaRPr lang="fr-FR" sz="1400" dirty="0" smtClean="0"/>
-          </a:p>
-          <a:p>
-            <a:r>
-              <a:rPr lang="fr-FR" sz="1400" dirty="0" err="1" smtClean="0"/>
+            <a:endParaRPr lang="fr-FR" sz="1600" dirty="0" smtClean="0"/>
+          </a:p>
+          <a:p>
+            <a:endParaRPr lang="fr-FR" sz="1600" dirty="0" smtClean="0"/>
+          </a:p>
+          <a:p>
+            <a:r>
+              <a:rPr lang="fr-FR" sz="1600" i="1" dirty="0" smtClean="0"/>
+              <a:t>Pour récupérer l'id</a:t>
+            </a:r>
+            <a:endParaRPr lang="fr-FR" sz="1600" dirty="0" smtClean="0"/>
+          </a:p>
+          <a:p>
+            <a:r>
+              <a:rPr lang="fr-FR" sz="1600" dirty="0" err="1" smtClean="0"/>
               <a:t>const</a:t>
             </a:r>
             <a:r>
-              <a:rPr lang="fr-FR" sz="1400" dirty="0" smtClean="0"/>
+              <a:rPr lang="fr-FR" sz="1600" dirty="0" smtClean="0"/>
               <a:t> id = urlParams.get("id"); </a:t>
             </a:r>
-            <a:r>
-              <a:rPr lang="fr-FR" sz="1400" i="1" dirty="0" smtClean="0"/>
-              <a:t>//</a:t>
-            </a:r>
-            <a:r>
-              <a:rPr lang="fr-FR" sz="1400" i="1" dirty="0" err="1" smtClean="0"/>
-              <a:t>recupere</a:t>
-            </a:r>
-            <a:r>
-              <a:rPr lang="fr-FR" sz="1400" i="1" dirty="0" smtClean="0"/>
-              <a:t> l'id</a:t>
-            </a:r>
-            <a:endParaRPr lang="fr-FR" sz="1400" dirty="0" smtClean="0"/>
-          </a:p>
-          <a:p>
-            <a:r>
-              <a:rPr lang="fr-FR" sz="1400" dirty="0" smtClean="0"/>
+          </a:p>
+          <a:p>
+            <a:r>
+              <a:rPr lang="fr-FR" sz="1600" dirty="0" smtClean="0"/>
               <a:t/>
             </a:r>
             <a:br>
-              <a:rPr lang="fr-FR" sz="1400" dirty="0" smtClean="0"/>
+              <a:rPr lang="fr-FR" sz="1600" dirty="0" smtClean="0"/>
             </a:br>
             <a:r>
-              <a:rPr lang="fr-FR" sz="1400" i="1" dirty="0" smtClean="0"/>
-              <a:t>//mon </a:t>
-            </a:r>
-            <a:r>
-              <a:rPr lang="fr-FR" sz="1400" i="1" dirty="0" err="1" smtClean="0"/>
+              <a:rPr lang="fr-FR" sz="1600" dirty="0" smtClean="0"/>
+              <a:t>et je fait un </a:t>
+            </a:r>
+            <a:r>
+              <a:rPr lang="fr-FR" sz="1600" dirty="0" err="1" smtClean="0"/>
               <a:t>fetch</a:t>
             </a:r>
             <a:r>
-              <a:rPr lang="fr-FR" sz="1400" i="1" dirty="0" smtClean="0"/>
-              <a:t> avec l'id </a:t>
-            </a:r>
-            <a:r>
-              <a:rPr lang="fr-FR" sz="1400" i="1" dirty="0" err="1" smtClean="0"/>
-              <a:t>recuperais</a:t>
-            </a:r>
-            <a:r>
-              <a:rPr lang="fr-FR" sz="1400" i="1" dirty="0" smtClean="0"/>
-              <a:t> de l'url</a:t>
-            </a:r>
-            <a:endParaRPr lang="fr-FR" sz="1400" dirty="0" smtClean="0"/>
-          </a:p>
-          <a:p>
-            <a:r>
-              <a:rPr lang="fr-FR" sz="1400" dirty="0" err="1" smtClean="0"/>
+              <a:rPr lang="fr-FR" sz="1600" dirty="0" smtClean="0"/>
+              <a:t> avec l'id récupérais de l'url se qui me permet d’accéder uniquement au produit sélectionné.</a:t>
+            </a:r>
+          </a:p>
+          <a:p>
+            <a:r>
+              <a:rPr lang="fr-FR" sz="1600" dirty="0" err="1" smtClean="0"/>
               <a:t>fetch</a:t>
             </a:r>
             <a:r>
-              <a:rPr lang="fr-FR" sz="1400" dirty="0" smtClean="0"/>
+              <a:rPr lang="fr-FR" sz="1600" dirty="0" smtClean="0"/>
               <a:t>(`http://localhost:3000/api/products/${id}`)</a:t>
             </a:r>
           </a:p>
           <a:p>
-            <a:r>
-              <a:rPr lang="fr-FR" sz="1400" dirty="0" smtClean="0"/>
-              <a:t>  .</a:t>
-            </a:r>
-            <a:r>
-              <a:rPr lang="fr-FR" sz="1400" dirty="0" err="1" smtClean="0"/>
-              <a:t>then</a:t>
-            </a:r>
-            <a:r>
-              <a:rPr lang="fr-FR" sz="1400" dirty="0" smtClean="0"/>
-              <a:t>((</a:t>
-            </a:r>
-            <a:r>
-              <a:rPr lang="fr-FR" sz="1400" i="1" dirty="0" err="1" smtClean="0"/>
-              <a:t>response</a:t>
-            </a:r>
-            <a:r>
-              <a:rPr lang="fr-FR" sz="1400" dirty="0" smtClean="0"/>
-              <a:t>) =&gt; </a:t>
-            </a:r>
-            <a:r>
-              <a:rPr lang="fr-FR" sz="1400" i="1" dirty="0" err="1" smtClean="0"/>
-              <a:t>response</a:t>
-            </a:r>
-            <a:r>
-              <a:rPr lang="fr-FR" sz="1400" dirty="0" err="1" smtClean="0"/>
-              <a:t>.json</a:t>
-            </a:r>
-            <a:r>
-              <a:rPr lang="fr-FR" sz="1400" dirty="0" smtClean="0"/>
-              <a:t>())</a:t>
-            </a:r>
-          </a:p>
-          <a:p>
-            <a:r>
-              <a:rPr lang="fr-FR" sz="1400" dirty="0" smtClean="0"/>
-              <a:t>  .</a:t>
-            </a:r>
-            <a:r>
-              <a:rPr lang="fr-FR" sz="1400" dirty="0" err="1" smtClean="0"/>
-              <a:t>then</a:t>
-            </a:r>
-            <a:r>
-              <a:rPr lang="fr-FR" sz="1400" dirty="0" smtClean="0"/>
-              <a:t>((</a:t>
-            </a:r>
-            <a:r>
-              <a:rPr lang="fr-FR" sz="1400" i="1" dirty="0" err="1" smtClean="0"/>
-              <a:t>res</a:t>
-            </a:r>
-            <a:r>
-              <a:rPr lang="fr-FR" sz="1400" dirty="0" smtClean="0"/>
-              <a:t>) =&gt; </a:t>
-            </a:r>
-            <a:r>
-              <a:rPr lang="fr-FR" sz="1400" dirty="0" err="1" smtClean="0"/>
-              <a:t>handleData</a:t>
-            </a:r>
-            <a:r>
-              <a:rPr lang="fr-FR" sz="1400" dirty="0" smtClean="0"/>
-              <a:t>(</a:t>
-            </a:r>
-            <a:r>
-              <a:rPr lang="fr-FR" sz="1400" i="1" dirty="0" err="1" smtClean="0"/>
-              <a:t>res</a:t>
-            </a:r>
-            <a:r>
-              <a:rPr lang="fr-FR" sz="1400" dirty="0" smtClean="0"/>
-              <a:t>));</a:t>
-            </a:r>
-          </a:p>
-          <a:p>
+            <a:pPr>
+              <a:buNone/>
+            </a:pPr>
             <a:endParaRPr lang="fr-FR" dirty="0"/>
           </a:p>
         </p:txBody>
@@ -7732,374 +7072,134 @@
         <p:spPr/>
         <p:txBody>
           <a:bodyPr>
-            <a:normAutofit fontScale="70000" lnSpcReduction="20000"/>
+            <a:normAutofit/>
           </a:bodyPr>
           <a:lstStyle/>
           <a:p>
-            <a:endParaRPr lang="fr-FR" dirty="0" smtClean="0"/>
-          </a:p>
-          <a:p>
-            <a:r>
-              <a:rPr lang="fr-FR" dirty="0" err="1" smtClean="0"/>
-              <a:t>function</a:t>
-            </a:r>
-            <a:r>
-              <a:rPr lang="fr-FR" dirty="0" smtClean="0"/>
+            <a:r>
+              <a:rPr lang="fr-FR" sz="1600" dirty="0" smtClean="0"/>
+              <a:t>J’insère </a:t>
+            </a:r>
+            <a:r>
+              <a:rPr lang="fr-FR" sz="1600" dirty="0" smtClean="0"/>
+              <a:t>les produits dans ma page grâce a la fonction </a:t>
+            </a:r>
+            <a:r>
+              <a:rPr lang="fr-FR" sz="1600" dirty="0" err="1" smtClean="0"/>
+              <a:t>displayProduct</a:t>
+            </a:r>
+            <a:r>
+              <a:rPr lang="fr-FR" sz="1600" dirty="0" smtClean="0"/>
+              <a:t> en lui passant le </a:t>
+            </a:r>
+            <a:r>
+              <a:rPr lang="fr-FR" sz="1600" dirty="0" err="1" smtClean="0"/>
+              <a:t>param</a:t>
+            </a:r>
+            <a:r>
+              <a:rPr lang="fr-FR" sz="1600" dirty="0" smtClean="0"/>
+              <a:t> item </a:t>
+            </a:r>
+          </a:p>
+          <a:p>
+            <a:r>
+              <a:rPr lang="fr-FR" sz="1600" dirty="0" smtClean="0"/>
+              <a:t>Ensuite pour </a:t>
+            </a:r>
+            <a:r>
+              <a:rPr lang="fr-FR" sz="1600" dirty="0" smtClean="0"/>
+              <a:t>crée </a:t>
+            </a:r>
+            <a:r>
+              <a:rPr lang="fr-FR" sz="1600" dirty="0" smtClean="0"/>
+              <a:t>les </a:t>
+            </a:r>
+            <a:r>
+              <a:rPr lang="fr-FR" sz="1600" dirty="0" smtClean="0"/>
+              <a:t>élément </a:t>
+            </a:r>
+            <a:r>
+              <a:rPr lang="fr-FR" sz="1600" dirty="0" smtClean="0"/>
+              <a:t>j’utilise des </a:t>
+            </a:r>
+          </a:p>
+          <a:p>
+            <a:r>
+              <a:rPr lang="fr-FR" sz="1600" dirty="0" smtClean="0"/>
+              <a:t>Document . </a:t>
+            </a:r>
+            <a:r>
+              <a:rPr lang="fr-FR" sz="1600" dirty="0" err="1" smtClean="0"/>
+              <a:t>createElement</a:t>
+            </a:r>
+            <a:endParaRPr lang="fr-FR" sz="1600" dirty="0" smtClean="0"/>
+          </a:p>
+          <a:p>
+            <a:r>
+              <a:rPr lang="fr-FR" sz="1600" dirty="0" smtClean="0"/>
+              <a:t>Pour </a:t>
+            </a:r>
+            <a:r>
+              <a:rPr lang="fr-FR" sz="1600" dirty="0" smtClean="0"/>
+              <a:t>sélectionner </a:t>
+            </a:r>
+            <a:r>
+              <a:rPr lang="fr-FR" sz="1600" dirty="0" smtClean="0"/>
+              <a:t>des </a:t>
+            </a:r>
+            <a:r>
+              <a:rPr lang="fr-FR" sz="1600" dirty="0" smtClean="0"/>
+              <a:t>élément </a:t>
+            </a:r>
+            <a:r>
+              <a:rPr lang="fr-FR" sz="1600" dirty="0" smtClean="0"/>
+              <a:t>du dom j’utilise des </a:t>
+            </a:r>
+            <a:r>
+              <a:rPr lang="fr-FR" sz="1600" dirty="0" err="1" smtClean="0"/>
+              <a:t>getElementBy</a:t>
+            </a:r>
+            <a:r>
+              <a:rPr lang="fr-FR" sz="1600" dirty="0" smtClean="0"/>
+              <a:t>… </a:t>
+            </a:r>
+          </a:p>
+          <a:p>
+            <a:r>
+              <a:rPr lang="fr-FR" sz="1600" dirty="0" smtClean="0"/>
+              <a:t>et des </a:t>
+            </a:r>
+            <a:r>
+              <a:rPr lang="fr-FR" sz="1600" dirty="0" err="1" smtClean="0"/>
+              <a:t>querySelector</a:t>
+            </a:r>
+            <a:r>
+              <a:rPr lang="fr-FR" sz="1600" dirty="0" smtClean="0"/>
               <a:t> </a:t>
             </a:r>
-            <a:r>
-              <a:rPr lang="fr-FR" dirty="0" err="1" smtClean="0"/>
-              <a:t>handleData</a:t>
-            </a:r>
-            <a:r>
-              <a:rPr lang="fr-FR" dirty="0" smtClean="0"/>
-              <a:t>(</a:t>
-            </a:r>
-            <a:r>
-              <a:rPr lang="fr-FR" i="1" dirty="0" err="1" smtClean="0"/>
-              <a:t>res</a:t>
-            </a:r>
-            <a:r>
-              <a:rPr lang="fr-FR" dirty="0" smtClean="0"/>
-              <a:t>) {</a:t>
-            </a:r>
-          </a:p>
-          <a:p>
-            <a:r>
-              <a:rPr lang="fr-FR" dirty="0" smtClean="0"/>
-              <a:t>  </a:t>
-            </a:r>
-            <a:r>
-              <a:rPr lang="fr-FR" dirty="0" err="1" smtClean="0"/>
-              <a:t>const</a:t>
-            </a:r>
-            <a:r>
-              <a:rPr lang="fr-FR" dirty="0" smtClean="0"/>
-              <a:t> { </a:t>
-            </a:r>
-            <a:r>
-              <a:rPr lang="fr-FR" dirty="0" err="1" smtClean="0"/>
-              <a:t>altTxt</a:t>
-            </a:r>
-            <a:r>
-              <a:rPr lang="fr-FR" dirty="0" smtClean="0"/>
-              <a:t>, </a:t>
-            </a:r>
-            <a:r>
-              <a:rPr lang="fr-FR" dirty="0" err="1" smtClean="0"/>
-              <a:t>colors</a:t>
-            </a:r>
-            <a:r>
-              <a:rPr lang="fr-FR" dirty="0" smtClean="0"/>
-              <a:t>, description, </a:t>
-            </a:r>
-            <a:r>
-              <a:rPr lang="fr-FR" dirty="0" err="1" smtClean="0"/>
-              <a:t>imageUrl</a:t>
-            </a:r>
-            <a:r>
-              <a:rPr lang="fr-FR" dirty="0" smtClean="0"/>
-              <a:t>, </a:t>
-            </a:r>
-            <a:r>
-              <a:rPr lang="fr-FR" dirty="0" err="1" smtClean="0"/>
-              <a:t>name</a:t>
-            </a:r>
-            <a:r>
-              <a:rPr lang="fr-FR" dirty="0" smtClean="0"/>
-              <a:t>, </a:t>
-            </a:r>
-            <a:r>
-              <a:rPr lang="fr-FR" dirty="0" err="1" smtClean="0"/>
-              <a:t>price</a:t>
-            </a:r>
-            <a:r>
-              <a:rPr lang="fr-FR" dirty="0" smtClean="0"/>
-              <a:t> } =</a:t>
-            </a:r>
-          </a:p>
-          <a:p>
-            <a:r>
-              <a:rPr lang="fr-FR" dirty="0" smtClean="0"/>
-              <a:t>    </a:t>
-            </a:r>
-            <a:r>
-              <a:rPr lang="fr-FR" i="1" dirty="0" err="1" smtClean="0"/>
-              <a:t>res</a:t>
-            </a:r>
-            <a:r>
-              <a:rPr lang="fr-FR" dirty="0" smtClean="0"/>
-              <a:t>; </a:t>
-            </a:r>
-            <a:r>
-              <a:rPr lang="fr-FR" i="1" dirty="0" smtClean="0"/>
-              <a:t>/*es6 </a:t>
-            </a:r>
-            <a:r>
-              <a:rPr lang="fr-FR" i="1" dirty="0" err="1" smtClean="0"/>
-              <a:t>destructuring</a:t>
-            </a:r>
-            <a:r>
-              <a:rPr lang="fr-FR" i="1" dirty="0" smtClean="0"/>
-              <a:t> sert a </a:t>
-            </a:r>
-            <a:r>
-              <a:rPr lang="fr-FR" i="1" dirty="0" err="1" smtClean="0"/>
-              <a:t>eviter</a:t>
-            </a:r>
-            <a:r>
-              <a:rPr lang="fr-FR" i="1" dirty="0" smtClean="0"/>
-              <a:t> de refaire la </a:t>
-            </a:r>
-            <a:r>
-              <a:rPr lang="fr-FR" i="1" dirty="0" err="1" smtClean="0"/>
-              <a:t>meme</a:t>
-            </a:r>
-            <a:r>
-              <a:rPr lang="fr-FR" i="1" dirty="0" smtClean="0"/>
-              <a:t> ligne pour chaque objets*/</a:t>
-            </a:r>
-            <a:endParaRPr lang="fr-FR" dirty="0" smtClean="0"/>
-          </a:p>
-          <a:p>
-            <a:r>
-              <a:rPr lang="fr-FR" dirty="0" smtClean="0"/>
-              <a:t>  </a:t>
-            </a:r>
-            <a:r>
-              <a:rPr lang="fr-FR" dirty="0" err="1" smtClean="0"/>
-              <a:t>itemPrice</a:t>
-            </a:r>
-            <a:r>
-              <a:rPr lang="fr-FR" dirty="0" smtClean="0"/>
-              <a:t> = </a:t>
-            </a:r>
-            <a:r>
-              <a:rPr lang="fr-FR" dirty="0" err="1" smtClean="0"/>
-              <a:t>price</a:t>
-            </a:r>
-            <a:r>
-              <a:rPr lang="fr-FR" dirty="0" smtClean="0"/>
-              <a:t>;</a:t>
-            </a:r>
-          </a:p>
-          <a:p>
-            <a:r>
-              <a:rPr lang="fr-FR" dirty="0" smtClean="0"/>
-              <a:t>  </a:t>
-            </a:r>
-            <a:r>
-              <a:rPr lang="fr-FR" dirty="0" err="1" smtClean="0"/>
-              <a:t>imgUrl</a:t>
-            </a:r>
-            <a:r>
-              <a:rPr lang="fr-FR" dirty="0" smtClean="0"/>
-              <a:t> = </a:t>
-            </a:r>
-            <a:r>
-              <a:rPr lang="fr-FR" dirty="0" err="1" smtClean="0"/>
-              <a:t>imageUrl</a:t>
-            </a:r>
-            <a:r>
-              <a:rPr lang="fr-FR" dirty="0" smtClean="0"/>
-              <a:t>;</a:t>
-            </a:r>
-          </a:p>
-          <a:p>
-            <a:r>
-              <a:rPr lang="fr-FR" dirty="0" smtClean="0"/>
-              <a:t>  </a:t>
-            </a:r>
-            <a:r>
-              <a:rPr lang="fr-FR" dirty="0" err="1" smtClean="0"/>
-              <a:t>altText</a:t>
-            </a:r>
-            <a:r>
-              <a:rPr lang="fr-FR" dirty="0" smtClean="0"/>
-              <a:t> = </a:t>
-            </a:r>
-            <a:r>
-              <a:rPr lang="fr-FR" dirty="0" err="1" smtClean="0"/>
-              <a:t>altTxt</a:t>
-            </a:r>
-            <a:r>
-              <a:rPr lang="fr-FR" dirty="0" smtClean="0"/>
-              <a:t>;</a:t>
-            </a:r>
-          </a:p>
-          <a:p>
-            <a:r>
-              <a:rPr lang="fr-FR" dirty="0" smtClean="0"/>
-              <a:t>  </a:t>
-            </a:r>
-            <a:r>
-              <a:rPr lang="fr-FR" dirty="0" err="1" smtClean="0"/>
-              <a:t>articleName</a:t>
-            </a:r>
-            <a:r>
-              <a:rPr lang="fr-FR" dirty="0" smtClean="0"/>
-              <a:t> = </a:t>
-            </a:r>
-            <a:r>
-              <a:rPr lang="fr-FR" dirty="0" err="1" smtClean="0"/>
-              <a:t>name</a:t>
-            </a:r>
-            <a:r>
-              <a:rPr lang="fr-FR" dirty="0" smtClean="0"/>
-              <a:t>;</a:t>
-            </a:r>
-          </a:p>
-          <a:p>
-            <a:r>
-              <a:rPr lang="fr-FR" dirty="0" smtClean="0"/>
-              <a:t>  </a:t>
-            </a:r>
-            <a:r>
-              <a:rPr lang="fr-FR" dirty="0" err="1" smtClean="0"/>
-              <a:t>makeImage</a:t>
-            </a:r>
-            <a:r>
-              <a:rPr lang="fr-FR" dirty="0" smtClean="0"/>
-              <a:t>(</a:t>
-            </a:r>
-            <a:r>
-              <a:rPr lang="fr-FR" dirty="0" err="1" smtClean="0"/>
-              <a:t>imageUrl</a:t>
-            </a:r>
-            <a:r>
-              <a:rPr lang="fr-FR" dirty="0" smtClean="0"/>
-              <a:t>, </a:t>
-            </a:r>
-            <a:r>
-              <a:rPr lang="fr-FR" dirty="0" err="1" smtClean="0"/>
-              <a:t>altTxt</a:t>
-            </a:r>
-            <a:r>
-              <a:rPr lang="fr-FR" dirty="0" smtClean="0"/>
-              <a:t>); </a:t>
-            </a:r>
-            <a:r>
-              <a:rPr lang="fr-FR" i="1" dirty="0" smtClean="0"/>
-              <a:t>//appelle la fonction </a:t>
-            </a:r>
-            <a:r>
-              <a:rPr lang="fr-FR" i="1" dirty="0" err="1" smtClean="0"/>
-              <a:t>makeImage</a:t>
-            </a:r>
-            <a:r>
-              <a:rPr lang="fr-FR" i="1" dirty="0" smtClean="0"/>
-              <a:t> qui a en </a:t>
-            </a:r>
-            <a:r>
-              <a:rPr lang="fr-FR" i="1" dirty="0" err="1" smtClean="0"/>
-              <a:t>param</a:t>
-            </a:r>
-            <a:r>
-              <a:rPr lang="fr-FR" i="1" dirty="0" smtClean="0"/>
-              <a:t> </a:t>
-            </a:r>
-            <a:r>
-              <a:rPr lang="fr-FR" i="1" dirty="0" err="1" smtClean="0"/>
-              <a:t>imageUrl</a:t>
-            </a:r>
-            <a:r>
-              <a:rPr lang="fr-FR" i="1" dirty="0" smtClean="0"/>
-              <a:t>, </a:t>
-            </a:r>
-            <a:r>
-              <a:rPr lang="fr-FR" i="1" dirty="0" err="1" smtClean="0"/>
-              <a:t>altTxt</a:t>
-            </a:r>
-            <a:endParaRPr lang="fr-FR" dirty="0" smtClean="0"/>
-          </a:p>
-          <a:p>
-            <a:r>
-              <a:rPr lang="fr-FR" dirty="0" smtClean="0"/>
-              <a:t>  </a:t>
-            </a:r>
-            <a:r>
-              <a:rPr lang="fr-FR" dirty="0" err="1" smtClean="0"/>
-              <a:t>makeTitle</a:t>
-            </a:r>
-            <a:r>
-              <a:rPr lang="fr-FR" dirty="0" smtClean="0"/>
-              <a:t>(</a:t>
-            </a:r>
-            <a:r>
-              <a:rPr lang="fr-FR" dirty="0" err="1" smtClean="0"/>
-              <a:t>name</a:t>
-            </a:r>
-            <a:r>
-              <a:rPr lang="fr-FR" dirty="0" smtClean="0"/>
-              <a:t>);</a:t>
-            </a:r>
-          </a:p>
-          <a:p>
-            <a:r>
-              <a:rPr lang="fr-FR" dirty="0" smtClean="0"/>
-              <a:t>  </a:t>
-            </a:r>
-            <a:r>
-              <a:rPr lang="fr-FR" dirty="0" err="1" smtClean="0"/>
-              <a:t>makePrice</a:t>
-            </a:r>
-            <a:r>
-              <a:rPr lang="fr-FR" dirty="0" smtClean="0"/>
-              <a:t>(</a:t>
-            </a:r>
-            <a:r>
-              <a:rPr lang="fr-FR" dirty="0" err="1" smtClean="0"/>
-              <a:t>price</a:t>
-            </a:r>
-            <a:r>
-              <a:rPr lang="fr-FR" dirty="0" smtClean="0"/>
-              <a:t>);</a:t>
-            </a:r>
-          </a:p>
-          <a:p>
-            <a:r>
-              <a:rPr lang="fr-FR" dirty="0" smtClean="0"/>
-              <a:t>  </a:t>
-            </a:r>
-            <a:r>
-              <a:rPr lang="fr-FR" dirty="0" err="1" smtClean="0"/>
-              <a:t>makeDescription</a:t>
-            </a:r>
-            <a:r>
-              <a:rPr lang="fr-FR" dirty="0" smtClean="0"/>
-              <a:t>(description);</a:t>
-            </a:r>
-          </a:p>
-          <a:p>
-            <a:r>
-              <a:rPr lang="fr-FR" dirty="0" smtClean="0"/>
-              <a:t>  </a:t>
-            </a:r>
-            <a:r>
-              <a:rPr lang="fr-FR" dirty="0" err="1" smtClean="0"/>
-              <a:t>makeColors</a:t>
-            </a:r>
-            <a:r>
-              <a:rPr lang="fr-FR" dirty="0" smtClean="0"/>
-              <a:t>(</a:t>
-            </a:r>
-            <a:r>
-              <a:rPr lang="fr-FR" dirty="0" err="1" smtClean="0"/>
-              <a:t>colors</a:t>
-            </a:r>
-            <a:r>
-              <a:rPr lang="fr-FR" dirty="0" smtClean="0"/>
-              <a:t>);</a:t>
-            </a:r>
-          </a:p>
-          <a:p>
-            <a:r>
-              <a:rPr lang="fr-FR" dirty="0" smtClean="0"/>
-              <a:t>}</a:t>
-            </a:r>
-          </a:p>
-          <a:p>
-            <a:endParaRPr lang="fr-FR" dirty="0"/>
+          </a:p>
+          <a:p>
+            <a:r>
+              <a:rPr lang="fr-FR" sz="1600" dirty="0" smtClean="0"/>
+              <a:t>Et </a:t>
+            </a:r>
+            <a:r>
+              <a:rPr lang="fr-FR" sz="1600" dirty="0" smtClean="0"/>
+              <a:t>enfin </a:t>
+            </a:r>
+            <a:r>
+              <a:rPr lang="fr-FR" sz="1600" dirty="0" smtClean="0"/>
+              <a:t>pour les placer dans mon dom je fait des </a:t>
+            </a:r>
+            <a:r>
+              <a:rPr lang="fr-FR" sz="1600" dirty="0" err="1" smtClean="0"/>
+              <a:t>appendChild</a:t>
+            </a:r>
+            <a:r>
+              <a:rPr lang="fr-FR" sz="1600" dirty="0" smtClean="0"/>
+              <a:t>.</a:t>
+            </a:r>
+            <a:endParaRPr lang="fr-FR" sz="1600" dirty="0"/>
           </a:p>
         </p:txBody>
       </p:sp>
@@ -8171,863 +7271,148 @@
           <a:lstStyle/>
           <a:p>
             <a:r>
-              <a:rPr lang="fr-FR" sz="500" dirty="0" err="1" smtClean="0"/>
+              <a:rPr lang="fr-FR" sz="1600" dirty="0" smtClean="0"/>
+              <a:t>Pour </a:t>
+            </a:r>
+            <a:r>
+              <a:rPr lang="fr-FR" sz="1600" dirty="0" err="1" smtClean="0"/>
+              <a:t>ajjouter</a:t>
+            </a:r>
+            <a:r>
+              <a:rPr lang="fr-FR" sz="1600" dirty="0" smtClean="0"/>
+              <a:t> des produits dans mon panier j’appelle ma </a:t>
+            </a:r>
+            <a:r>
+              <a:rPr lang="fr-FR" sz="1600" dirty="0" err="1" smtClean="0"/>
               <a:t>function</a:t>
             </a:r>
             <a:r>
-              <a:rPr lang="fr-FR" sz="500" dirty="0" smtClean="0"/>
+              <a:rPr lang="fr-FR" sz="1600" dirty="0" smtClean="0"/>
               <a:t> </a:t>
             </a:r>
             <a:r>
-              <a:rPr lang="fr-FR" sz="500" dirty="0" err="1" smtClean="0"/>
+              <a:rPr lang="fr-FR" sz="1600" dirty="0" err="1" smtClean="0"/>
               <a:t>addToCartClick</a:t>
             </a:r>
             <a:r>
-              <a:rPr lang="fr-FR" sz="500" dirty="0" smtClean="0"/>
-              <a:t>() {</a:t>
-            </a:r>
-          </a:p>
-          <a:p>
-            <a:r>
-              <a:rPr lang="fr-FR" sz="500" dirty="0" smtClean="0"/>
-              <a:t>  </a:t>
-            </a:r>
-            <a:r>
-              <a:rPr lang="fr-FR" sz="500" dirty="0" err="1" smtClean="0"/>
+              <a:rPr lang="fr-FR" sz="1600" dirty="0" smtClean="0"/>
+              <a:t> de ma page product.js</a:t>
+            </a:r>
+          </a:p>
+          <a:p>
+            <a:r>
+              <a:rPr lang="fr-FR" sz="1600" dirty="0" smtClean="0"/>
+              <a:t>Je crée une </a:t>
+            </a:r>
+            <a:r>
+              <a:rPr lang="fr-FR" sz="1600" dirty="0" err="1" smtClean="0"/>
               <a:t>const</a:t>
             </a:r>
             <a:r>
-              <a:rPr lang="fr-FR" sz="500" dirty="0" smtClean="0"/>
+              <a:rPr lang="fr-FR" sz="1600" dirty="0" smtClean="0"/>
               <a:t> </a:t>
             </a:r>
             <a:r>
-              <a:rPr lang="fr-FR" sz="500" dirty="0" err="1" smtClean="0"/>
-              <a:t>color</a:t>
-            </a:r>
-            <a:r>
-              <a:rPr lang="fr-FR" sz="500" dirty="0" smtClean="0"/>
-              <a:t> = </a:t>
-            </a:r>
-            <a:r>
-              <a:rPr lang="fr-FR" sz="500" dirty="0" err="1" smtClean="0"/>
-              <a:t>document.querySelector</a:t>
-            </a:r>
-            <a:r>
-              <a:rPr lang="fr-FR" sz="500" dirty="0" smtClean="0"/>
-              <a:t>("#</a:t>
-            </a:r>
-            <a:r>
-              <a:rPr lang="fr-FR" sz="500" dirty="0" err="1" smtClean="0"/>
-              <a:t>colors</a:t>
-            </a:r>
-            <a:r>
-              <a:rPr lang="fr-FR" sz="500" dirty="0" smtClean="0"/>
-              <a:t>").value;</a:t>
-            </a:r>
-          </a:p>
-          <a:p>
-            <a:r>
-              <a:rPr lang="fr-FR" sz="500" dirty="0" smtClean="0"/>
-              <a:t>  </a:t>
-            </a:r>
-            <a:r>
-              <a:rPr lang="fr-FR" sz="500" dirty="0" err="1" smtClean="0"/>
-              <a:t>const</a:t>
-            </a:r>
-            <a:r>
-              <a:rPr lang="fr-FR" sz="500" dirty="0" smtClean="0"/>
+              <a:rPr lang="fr-FR" sz="1600" dirty="0" err="1" smtClean="0"/>
+              <a:t>product</a:t>
+            </a:r>
+            <a:r>
+              <a:rPr lang="fr-FR" sz="1600" dirty="0" smtClean="0"/>
+              <a:t> a a quelle je rattache toute les info importante </a:t>
+            </a:r>
+          </a:p>
+          <a:p>
+            <a:r>
+              <a:rPr lang="fr-FR" sz="1600" dirty="0" smtClean="0"/>
               <a:t> </a:t>
             </a:r>
             <a:r>
-              <a:rPr lang="fr-FR" sz="500" dirty="0" err="1" smtClean="0"/>
-              <a:t>quantity</a:t>
-            </a:r>
-            <a:r>
-              <a:rPr lang="fr-FR" sz="500" dirty="0" smtClean="0"/>
-              <a:t> = </a:t>
-            </a:r>
-            <a:r>
-              <a:rPr lang="fr-FR" sz="500" dirty="0" err="1" smtClean="0"/>
-              <a:t>document.querySelector</a:t>
-            </a:r>
-            <a:r>
-              <a:rPr lang="fr-FR" sz="500" dirty="0" smtClean="0"/>
-              <a:t>("#</a:t>
-            </a:r>
-            <a:r>
-              <a:rPr lang="fr-FR" sz="500" dirty="0" err="1" smtClean="0"/>
-              <a:t>quantity</a:t>
-            </a:r>
-            <a:r>
-              <a:rPr lang="fr-FR" sz="500" dirty="0" smtClean="0"/>
-              <a:t>").value;</a:t>
-            </a:r>
-          </a:p>
-          <a:p>
-            <a:r>
-              <a:rPr lang="fr-FR" sz="500" dirty="0" smtClean="0"/>
-              <a:t>  if (</a:t>
-            </a:r>
-            <a:r>
-              <a:rPr lang="fr-FR" sz="500" dirty="0" err="1" smtClean="0"/>
-              <a:t>isOrderInvalid</a:t>
-            </a:r>
-            <a:r>
-              <a:rPr lang="fr-FR" sz="500" dirty="0" smtClean="0"/>
-              <a:t>(</a:t>
-            </a:r>
-            <a:r>
-              <a:rPr lang="fr-FR" sz="500" dirty="0" err="1" smtClean="0"/>
-              <a:t>color</a:t>
-            </a:r>
-            <a:r>
-              <a:rPr lang="fr-FR" sz="500" dirty="0" smtClean="0"/>
-              <a:t>, </a:t>
-            </a:r>
-            <a:r>
-              <a:rPr lang="fr-FR" sz="500" dirty="0" err="1" smtClean="0"/>
-              <a:t>quantity</a:t>
-            </a:r>
-            <a:r>
-              <a:rPr lang="fr-FR" sz="500" dirty="0" smtClean="0"/>
-              <a:t>)) return; </a:t>
-            </a:r>
-            <a:r>
-              <a:rPr lang="fr-FR" sz="500" i="1" dirty="0" smtClean="0"/>
-              <a:t>//stop la fonction si </a:t>
-            </a:r>
-            <a:r>
-              <a:rPr lang="fr-FR" sz="500" i="1" dirty="0" err="1" smtClean="0"/>
-              <a:t>isOrderInvalid</a:t>
-            </a:r>
-            <a:r>
-              <a:rPr lang="fr-FR" sz="500" i="1" dirty="0" smtClean="0"/>
-              <a:t> est false</a:t>
-            </a:r>
-            <a:endParaRPr lang="fr-FR" sz="500" dirty="0" smtClean="0"/>
-          </a:p>
-          <a:p>
-            <a:r>
-              <a:rPr lang="fr-FR" sz="500" dirty="0" smtClean="0"/>
+              <a:rPr lang="fr-FR" sz="1600" dirty="0" smtClean="0"/>
+              <a:t>ensuite je teste si mon produit est déjà dans mon </a:t>
+            </a:r>
+            <a:r>
+              <a:rPr lang="fr-FR" sz="1600" dirty="0" err="1" smtClean="0"/>
+              <a:t>cart</a:t>
+            </a:r>
+            <a:r>
+              <a:rPr lang="fr-FR" sz="1600" dirty="0" smtClean="0"/>
+              <a:t> ou pas </a:t>
+            </a:r>
+          </a:p>
+          <a:p>
+            <a:r>
+              <a:rPr lang="fr-FR" sz="1600" dirty="0" smtClean="0"/>
+              <a:t>Si il et </a:t>
+            </a:r>
+            <a:r>
+              <a:rPr lang="fr-FR" sz="1600" dirty="0" err="1" smtClean="0"/>
+              <a:t>dedant</a:t>
+            </a:r>
+            <a:r>
+              <a:rPr lang="fr-FR" sz="1600" dirty="0" smtClean="0"/>
+              <a:t> je l’additionne a la valeur précédente sinon je le push dans le </a:t>
+            </a:r>
+            <a:r>
+              <a:rPr lang="fr-FR" sz="1600" dirty="0" err="1" smtClean="0"/>
+              <a:t>cart</a:t>
+            </a:r>
+            <a:r>
+              <a:rPr lang="fr-FR" sz="1600" dirty="0" smtClean="0"/>
+              <a:t> et je fait appelle a ma </a:t>
+            </a:r>
+            <a:r>
+              <a:rPr lang="fr-FR" sz="1600" dirty="0" err="1" smtClean="0"/>
+              <a:t>function</a:t>
+            </a:r>
+            <a:r>
+              <a:rPr lang="fr-FR" sz="1600" dirty="0" smtClean="0"/>
+              <a:t> </a:t>
+            </a:r>
+            <a:r>
+              <a:rPr lang="fr-FR" sz="1600" dirty="0" err="1" smtClean="0"/>
+              <a:t>saveCart</a:t>
+            </a:r>
+            <a:endParaRPr lang="fr-FR" sz="1600" dirty="0" smtClean="0"/>
+          </a:p>
+          <a:p>
+            <a:pPr>
+              <a:buNone/>
+            </a:pPr>
+            <a:r>
+              <a:rPr lang="fr-FR" sz="1600" dirty="0" smtClean="0"/>
+              <a:t>	Qui sert à </a:t>
+            </a:r>
+            <a:r>
+              <a:rPr lang="fr-FR" sz="1600" dirty="0" err="1" smtClean="0"/>
+              <a:t>save</a:t>
+            </a:r>
+            <a:r>
+              <a:rPr lang="fr-FR" sz="1600" dirty="0" smtClean="0"/>
+              <a:t> mon </a:t>
+            </a:r>
+            <a:r>
+              <a:rPr lang="fr-FR" sz="1600" dirty="0" err="1" smtClean="0"/>
+              <a:t>cart</a:t>
+            </a:r>
+            <a:r>
+              <a:rPr lang="fr-FR" sz="1600" dirty="0" smtClean="0"/>
+              <a:t> en .</a:t>
+            </a:r>
+            <a:r>
+              <a:rPr lang="fr-FR" sz="1600" dirty="0" err="1" smtClean="0"/>
+              <a:t>json</a:t>
+            </a:r>
+            <a:r>
+              <a:rPr lang="fr-FR" sz="1600" dirty="0" smtClean="0"/>
               <a:t/>
             </a:r>
             <a:br>
-              <a:rPr lang="fr-FR" sz="500" dirty="0" smtClean="0"/>
+              <a:rPr lang="fr-FR" sz="1600" dirty="0" smtClean="0"/>
             </a:br>
-            <a:r>
-              <a:rPr lang="fr-FR" sz="500" dirty="0" smtClean="0"/>
-              <a:t>  </a:t>
-            </a:r>
-            <a:r>
-              <a:rPr lang="fr-FR" sz="500" i="1" dirty="0" smtClean="0"/>
-              <a:t>//</a:t>
-            </a:r>
-            <a:r>
-              <a:rPr lang="fr-FR" sz="500" i="1" dirty="0" err="1" smtClean="0"/>
-              <a:t>const</a:t>
-            </a:r>
-            <a:r>
-              <a:rPr lang="fr-FR" sz="500" i="1" dirty="0" smtClean="0"/>
-              <a:t> </a:t>
-            </a:r>
-            <a:r>
-              <a:rPr lang="fr-FR" sz="500" i="1" dirty="0" err="1" smtClean="0"/>
-              <a:t>itemQuantity</a:t>
-            </a:r>
-            <a:r>
-              <a:rPr lang="fr-FR" sz="500" i="1" dirty="0" smtClean="0"/>
-              <a:t> = </a:t>
-            </a:r>
-            <a:r>
-              <a:rPr lang="fr-FR" sz="500" i="1" dirty="0" err="1" smtClean="0"/>
-              <a:t>Number</a:t>
-            </a:r>
-            <a:r>
-              <a:rPr lang="fr-FR" sz="500" i="1" dirty="0" smtClean="0"/>
-              <a:t>(</a:t>
-            </a:r>
-            <a:r>
-              <a:rPr lang="fr-FR" sz="500" i="1" dirty="0" err="1" smtClean="0"/>
-              <a:t>item.quantity</a:t>
-            </a:r>
-            <a:r>
-              <a:rPr lang="fr-FR" sz="500" i="1" dirty="0" smtClean="0"/>
-              <a:t>);</a:t>
-            </a:r>
-            <a:endParaRPr lang="fr-FR" sz="500" dirty="0" smtClean="0"/>
-          </a:p>
-          <a:p>
-            <a:r>
-              <a:rPr lang="fr-FR" sz="500" dirty="0" smtClean="0"/>
-              <a:t/>
-            </a:r>
-            <a:br>
-              <a:rPr lang="fr-FR" sz="500" dirty="0" smtClean="0"/>
-            </a:br>
-            <a:r>
-              <a:rPr lang="fr-FR" sz="500" dirty="0" smtClean="0"/>
-              <a:t>  let </a:t>
-            </a:r>
-            <a:r>
-              <a:rPr lang="fr-FR" sz="500" dirty="0" err="1" smtClean="0"/>
-              <a:t>cart</a:t>
-            </a:r>
-            <a:r>
-              <a:rPr lang="fr-FR" sz="500" dirty="0" smtClean="0"/>
-              <a:t> = [];</a:t>
-            </a:r>
-          </a:p>
-          <a:p>
-            <a:r>
-              <a:rPr lang="fr-FR" sz="500" dirty="0" smtClean="0"/>
-              <a:t>  </a:t>
-            </a:r>
-            <a:r>
-              <a:rPr lang="fr-FR" sz="500" i="1" dirty="0" smtClean="0"/>
-              <a:t>//</a:t>
-            </a:r>
-            <a:r>
-              <a:rPr lang="fr-FR" sz="500" i="1" dirty="0" err="1" smtClean="0"/>
-              <a:t>cree</a:t>
-            </a:r>
-            <a:r>
-              <a:rPr lang="fr-FR" sz="500" i="1" dirty="0" smtClean="0"/>
-              <a:t> une constante avec toute les informations importante du produit</a:t>
-            </a:r>
-            <a:endParaRPr lang="fr-FR" sz="500" dirty="0" smtClean="0"/>
-          </a:p>
-          <a:p>
-            <a:r>
-              <a:rPr lang="fr-FR" sz="500" dirty="0" smtClean="0"/>
-              <a:t>  </a:t>
-            </a:r>
-            <a:r>
-              <a:rPr lang="fr-FR" sz="500" dirty="0" err="1" smtClean="0"/>
-              <a:t>const</a:t>
-            </a:r>
-            <a:r>
-              <a:rPr lang="fr-FR" sz="500" dirty="0" smtClean="0"/>
-              <a:t> </a:t>
-            </a:r>
-            <a:r>
-              <a:rPr lang="fr-FR" sz="500" dirty="0" err="1" smtClean="0"/>
-              <a:t>product</a:t>
-            </a:r>
-            <a:r>
-              <a:rPr lang="fr-FR" sz="500" dirty="0" smtClean="0"/>
-              <a:t> = {</a:t>
-            </a:r>
-          </a:p>
-          <a:p>
-            <a:r>
-              <a:rPr lang="fr-FR" sz="500" dirty="0" smtClean="0"/>
-              <a:t>    id: id,</a:t>
-            </a:r>
-          </a:p>
-          <a:p>
-            <a:r>
-              <a:rPr lang="fr-FR" sz="500" dirty="0" smtClean="0"/>
-              <a:t>    </a:t>
-            </a:r>
-            <a:r>
-              <a:rPr lang="fr-FR" sz="500" dirty="0" err="1" smtClean="0"/>
-              <a:t>color</a:t>
-            </a:r>
-            <a:r>
-              <a:rPr lang="fr-FR" sz="500" dirty="0" smtClean="0"/>
-              <a:t>: </a:t>
-            </a:r>
-            <a:r>
-              <a:rPr lang="fr-FR" sz="500" dirty="0" err="1" smtClean="0"/>
-              <a:t>color</a:t>
-            </a:r>
-            <a:r>
-              <a:rPr lang="fr-FR" sz="500" dirty="0" smtClean="0"/>
-              <a:t>,</a:t>
-            </a:r>
-          </a:p>
-          <a:p>
-            <a:r>
-              <a:rPr lang="fr-FR" sz="500" dirty="0" smtClean="0"/>
-              <a:t>    </a:t>
-            </a:r>
-            <a:r>
-              <a:rPr lang="fr-FR" sz="500" dirty="0" err="1" smtClean="0"/>
-              <a:t>quantity</a:t>
-            </a:r>
-            <a:r>
-              <a:rPr lang="fr-FR" sz="500" dirty="0" smtClean="0"/>
-              <a:t>: </a:t>
-            </a:r>
-            <a:r>
-              <a:rPr lang="fr-FR" sz="500" dirty="0" err="1" smtClean="0"/>
-              <a:t>Number</a:t>
-            </a:r>
-            <a:r>
-              <a:rPr lang="fr-FR" sz="500" dirty="0" smtClean="0"/>
-              <a:t>(</a:t>
-            </a:r>
-            <a:r>
-              <a:rPr lang="fr-FR" sz="500" dirty="0" err="1" smtClean="0"/>
-              <a:t>quantity</a:t>
-            </a:r>
-            <a:r>
-              <a:rPr lang="fr-FR" sz="500" dirty="0" smtClean="0"/>
-              <a:t>),</a:t>
-            </a:r>
-          </a:p>
-          <a:p>
-            <a:r>
-              <a:rPr lang="fr-FR" sz="500" dirty="0" smtClean="0"/>
-              <a:t>    </a:t>
-            </a:r>
-            <a:r>
-              <a:rPr lang="fr-FR" sz="500" dirty="0" err="1" smtClean="0"/>
-              <a:t>price</a:t>
-            </a:r>
-            <a:r>
-              <a:rPr lang="fr-FR" sz="500" dirty="0" smtClean="0"/>
-              <a:t>: </a:t>
-            </a:r>
-            <a:r>
-              <a:rPr lang="fr-FR" sz="500" dirty="0" err="1" smtClean="0"/>
-              <a:t>itemPrice</a:t>
-            </a:r>
-            <a:r>
-              <a:rPr lang="fr-FR" sz="500" dirty="0" smtClean="0"/>
-              <a:t>,</a:t>
-            </a:r>
-          </a:p>
-          <a:p>
-            <a:r>
-              <a:rPr lang="fr-FR" sz="500" dirty="0" smtClean="0"/>
-              <a:t>    </a:t>
-            </a:r>
-            <a:r>
-              <a:rPr lang="fr-FR" sz="500" dirty="0" err="1" smtClean="0"/>
-              <a:t>imageUrl</a:t>
-            </a:r>
-            <a:r>
-              <a:rPr lang="fr-FR" sz="500" dirty="0" smtClean="0"/>
-              <a:t>: </a:t>
-            </a:r>
-            <a:r>
-              <a:rPr lang="fr-FR" sz="500" dirty="0" err="1" smtClean="0"/>
-              <a:t>imgUrl</a:t>
-            </a:r>
-            <a:r>
-              <a:rPr lang="fr-FR" sz="500" dirty="0" smtClean="0"/>
-              <a:t>,</a:t>
-            </a:r>
-          </a:p>
-          <a:p>
-            <a:r>
-              <a:rPr lang="fr-FR" sz="500" dirty="0" smtClean="0"/>
-              <a:t>    </a:t>
-            </a:r>
-            <a:r>
-              <a:rPr lang="fr-FR" sz="500" dirty="0" err="1" smtClean="0"/>
-              <a:t>altTxt</a:t>
-            </a:r>
-            <a:r>
-              <a:rPr lang="fr-FR" sz="500" dirty="0" smtClean="0"/>
-              <a:t>: </a:t>
-            </a:r>
-            <a:r>
-              <a:rPr lang="fr-FR" sz="500" dirty="0" err="1" smtClean="0"/>
-              <a:t>altText</a:t>
-            </a:r>
-            <a:r>
-              <a:rPr lang="fr-FR" sz="500" dirty="0" smtClean="0"/>
-              <a:t>,</a:t>
-            </a:r>
-          </a:p>
-          <a:p>
-            <a:r>
-              <a:rPr lang="fr-FR" sz="500" dirty="0" smtClean="0"/>
-              <a:t>    </a:t>
-            </a:r>
-            <a:r>
-              <a:rPr lang="fr-FR" sz="500" dirty="0" err="1" smtClean="0"/>
-              <a:t>name</a:t>
-            </a:r>
-            <a:r>
-              <a:rPr lang="fr-FR" sz="500" dirty="0" smtClean="0"/>
-              <a:t>: </a:t>
-            </a:r>
-            <a:r>
-              <a:rPr lang="fr-FR" sz="500" dirty="0" err="1" smtClean="0"/>
-              <a:t>articleName</a:t>
-            </a:r>
-            <a:r>
-              <a:rPr lang="fr-FR" sz="500" dirty="0" smtClean="0"/>
-              <a:t>,</a:t>
-            </a:r>
-          </a:p>
-          <a:p>
-            <a:r>
-              <a:rPr lang="fr-FR" sz="500" dirty="0" smtClean="0"/>
-              <a:t>  };</a:t>
-            </a:r>
-          </a:p>
-          <a:p>
-            <a:r>
-              <a:rPr lang="fr-FR" sz="500" dirty="0" smtClean="0"/>
-              <a:t>  </a:t>
-            </a:r>
-            <a:r>
-              <a:rPr lang="fr-FR" sz="500" i="1" dirty="0" smtClean="0"/>
-              <a:t>//si j'ai "</a:t>
-            </a:r>
-            <a:r>
-              <a:rPr lang="fr-FR" sz="500" i="1" dirty="0" err="1" smtClean="0"/>
-              <a:t>cart</a:t>
-            </a:r>
-            <a:r>
-              <a:rPr lang="fr-FR" sz="500" i="1" dirty="0" smtClean="0"/>
-              <a:t>" dans mon cache</a:t>
-            </a:r>
-            <a:endParaRPr lang="fr-FR" sz="500" dirty="0" smtClean="0"/>
-          </a:p>
-          <a:p>
-            <a:r>
-              <a:rPr lang="fr-FR" sz="500" dirty="0" smtClean="0"/>
-              <a:t>  if (</a:t>
-            </a:r>
-            <a:r>
-              <a:rPr lang="fr-FR" sz="500" dirty="0" err="1" smtClean="0"/>
-              <a:t>localStorage.getItem</a:t>
-            </a:r>
-            <a:r>
-              <a:rPr lang="fr-FR" sz="500" dirty="0" smtClean="0"/>
-              <a:t>("</a:t>
-            </a:r>
-            <a:r>
-              <a:rPr lang="fr-FR" sz="500" dirty="0" err="1" smtClean="0"/>
-              <a:t>cart</a:t>
-            </a:r>
-            <a:r>
-              <a:rPr lang="fr-FR" sz="500" dirty="0" smtClean="0"/>
-              <a:t>")) {</a:t>
-            </a:r>
-          </a:p>
-          <a:p>
-            <a:r>
-              <a:rPr lang="fr-FR" sz="500" dirty="0" smtClean="0"/>
-              <a:t>    </a:t>
-            </a:r>
-            <a:r>
-              <a:rPr lang="fr-FR" sz="500" i="1" dirty="0" smtClean="0"/>
-              <a:t>//je lis mon cache</a:t>
-            </a:r>
-            <a:endParaRPr lang="fr-FR" sz="500" dirty="0" smtClean="0"/>
-          </a:p>
-          <a:p>
-            <a:r>
-              <a:rPr lang="fr-FR" sz="500" dirty="0" smtClean="0"/>
-              <a:t>    </a:t>
-            </a:r>
-            <a:r>
-              <a:rPr lang="fr-FR" sz="500" dirty="0" err="1" smtClean="0"/>
-              <a:t>cart</a:t>
-            </a:r>
-            <a:r>
-              <a:rPr lang="fr-FR" sz="500" dirty="0" smtClean="0"/>
-              <a:t> = </a:t>
-            </a:r>
-            <a:r>
-              <a:rPr lang="fr-FR" sz="500" dirty="0" err="1" smtClean="0"/>
-              <a:t>JSON.parse</a:t>
-            </a:r>
-            <a:r>
-              <a:rPr lang="fr-FR" sz="500" dirty="0" smtClean="0"/>
-              <a:t>(</a:t>
-            </a:r>
-            <a:r>
-              <a:rPr lang="fr-FR" sz="500" dirty="0" err="1" smtClean="0"/>
-              <a:t>localStorage.getItem</a:t>
-            </a:r>
-            <a:r>
-              <a:rPr lang="fr-FR" sz="500" dirty="0" smtClean="0"/>
-              <a:t>("</a:t>
-            </a:r>
-            <a:r>
-              <a:rPr lang="fr-FR" sz="500" dirty="0" err="1" smtClean="0"/>
-              <a:t>cart</a:t>
-            </a:r>
-            <a:r>
-              <a:rPr lang="fr-FR" sz="500" dirty="0" smtClean="0"/>
-              <a:t>"));</a:t>
-            </a:r>
-          </a:p>
-          <a:p>
-            <a:r>
-              <a:rPr lang="fr-FR" sz="500" dirty="0" smtClean="0"/>
-              <a:t>    </a:t>
-            </a:r>
-            <a:r>
-              <a:rPr lang="fr-FR" sz="500" i="1" dirty="0" smtClean="0"/>
-              <a:t>//</a:t>
-            </a:r>
-            <a:r>
-              <a:rPr lang="fr-FR" sz="500" i="1" dirty="0" err="1" smtClean="0"/>
-              <a:t>cree</a:t>
-            </a:r>
-            <a:r>
-              <a:rPr lang="fr-FR" sz="500" i="1" dirty="0" smtClean="0"/>
-              <a:t> une boucle pour </a:t>
-            </a:r>
-            <a:r>
-              <a:rPr lang="fr-FR" sz="500" i="1" dirty="0" err="1" smtClean="0"/>
-              <a:t>verifier</a:t>
-            </a:r>
-            <a:r>
-              <a:rPr lang="fr-FR" sz="500" i="1" dirty="0" smtClean="0"/>
-              <a:t> si mon produit est </a:t>
-            </a:r>
-            <a:r>
-              <a:rPr lang="fr-FR" sz="500" i="1" dirty="0" err="1" smtClean="0"/>
-              <a:t>deja</a:t>
-            </a:r>
-            <a:r>
-              <a:rPr lang="fr-FR" sz="500" i="1" dirty="0" smtClean="0"/>
-              <a:t> dans mon </a:t>
-            </a:r>
-            <a:r>
-              <a:rPr lang="fr-FR" sz="500" i="1" dirty="0" err="1" smtClean="0"/>
-              <a:t>cart</a:t>
-            </a:r>
-            <a:endParaRPr lang="fr-FR" sz="500" dirty="0" smtClean="0"/>
-          </a:p>
-          <a:p>
-            <a:r>
-              <a:rPr lang="fr-FR" sz="500" dirty="0" smtClean="0"/>
-              <a:t>    for (let i = 0; i &lt; </a:t>
-            </a:r>
-            <a:r>
-              <a:rPr lang="fr-FR" sz="500" dirty="0" err="1" smtClean="0"/>
-              <a:t>cart.length</a:t>
-            </a:r>
-            <a:r>
-              <a:rPr lang="fr-FR" sz="500" dirty="0" smtClean="0"/>
-              <a:t>; i++) {</a:t>
-            </a:r>
-          </a:p>
-          <a:p>
-            <a:r>
-              <a:rPr lang="fr-FR" sz="500" dirty="0" smtClean="0"/>
-              <a:t>      </a:t>
-            </a:r>
-            <a:r>
-              <a:rPr lang="fr-FR" sz="500" i="1" dirty="0" smtClean="0"/>
-              <a:t>//si mon produit a le </a:t>
-            </a:r>
-            <a:r>
-              <a:rPr lang="fr-FR" sz="500" i="1" dirty="0" err="1" smtClean="0"/>
-              <a:t>meme</a:t>
-            </a:r>
-            <a:r>
-              <a:rPr lang="fr-FR" sz="500" i="1" dirty="0" smtClean="0"/>
-              <a:t> id et la </a:t>
-            </a:r>
-            <a:r>
-              <a:rPr lang="fr-FR" sz="500" i="1" dirty="0" err="1" smtClean="0"/>
-              <a:t>meme</a:t>
-            </a:r>
-            <a:r>
-              <a:rPr lang="fr-FR" sz="500" i="1" dirty="0" smtClean="0"/>
-              <a:t> couleur</a:t>
-            </a:r>
-            <a:endParaRPr lang="fr-FR" sz="500" dirty="0" smtClean="0"/>
-          </a:p>
-          <a:p>
-            <a:r>
-              <a:rPr lang="fr-FR" sz="500" dirty="0" smtClean="0"/>
-              <a:t>      if (</a:t>
-            </a:r>
-            <a:r>
-              <a:rPr lang="fr-FR" sz="500" dirty="0" err="1" smtClean="0"/>
-              <a:t>cart</a:t>
-            </a:r>
-            <a:r>
-              <a:rPr lang="fr-FR" sz="500" dirty="0" smtClean="0"/>
-              <a:t>[i].id === product.id &amp;&amp; </a:t>
-            </a:r>
-            <a:r>
-              <a:rPr lang="fr-FR" sz="500" dirty="0" err="1" smtClean="0"/>
-              <a:t>cart</a:t>
-            </a:r>
-            <a:r>
-              <a:rPr lang="fr-FR" sz="500" dirty="0" smtClean="0"/>
-              <a:t>[i].</a:t>
-            </a:r>
-            <a:r>
-              <a:rPr lang="fr-FR" sz="500" dirty="0" err="1" smtClean="0"/>
-              <a:t>color</a:t>
-            </a:r>
-            <a:r>
-              <a:rPr lang="fr-FR" sz="500" dirty="0" smtClean="0"/>
-              <a:t> === </a:t>
-            </a:r>
-            <a:r>
-              <a:rPr lang="fr-FR" sz="500" dirty="0" err="1" smtClean="0"/>
-              <a:t>product.color</a:t>
-            </a:r>
-            <a:r>
-              <a:rPr lang="fr-FR" sz="500" dirty="0" smtClean="0"/>
-              <a:t>) {</a:t>
-            </a:r>
-          </a:p>
-          <a:p>
-            <a:r>
-              <a:rPr lang="fr-FR" sz="500" dirty="0" smtClean="0"/>
-              <a:t>        </a:t>
-            </a:r>
-            <a:r>
-              <a:rPr lang="fr-FR" sz="500" dirty="0" err="1" smtClean="0"/>
-              <a:t>cart</a:t>
-            </a:r>
-            <a:r>
-              <a:rPr lang="fr-FR" sz="500" dirty="0" smtClean="0"/>
-              <a:t>[i].</a:t>
-            </a:r>
-            <a:r>
-              <a:rPr lang="fr-FR" sz="500" dirty="0" err="1" smtClean="0"/>
-              <a:t>quantity</a:t>
-            </a:r>
-            <a:r>
-              <a:rPr lang="fr-FR" sz="500" dirty="0" smtClean="0"/>
-              <a:t> += </a:t>
-            </a:r>
-            <a:r>
-              <a:rPr lang="fr-FR" sz="500" dirty="0" err="1" smtClean="0"/>
-              <a:t>product.quantity</a:t>
-            </a:r>
-            <a:r>
-              <a:rPr lang="fr-FR" sz="500" dirty="0" smtClean="0"/>
-              <a:t>; </a:t>
-            </a:r>
-            <a:r>
-              <a:rPr lang="fr-FR" sz="500" i="1" dirty="0" smtClean="0"/>
-              <a:t>//je rajoute la quantité</a:t>
-            </a:r>
-            <a:endParaRPr lang="fr-FR" sz="500" dirty="0" smtClean="0"/>
-          </a:p>
-          <a:p>
-            <a:r>
-              <a:rPr lang="fr-FR" sz="500" dirty="0" smtClean="0"/>
-              <a:t>        console.log("</a:t>
-            </a:r>
-            <a:r>
-              <a:rPr lang="fr-FR" sz="500" dirty="0" err="1" smtClean="0"/>
-              <a:t>cart</a:t>
-            </a:r>
-            <a:r>
-              <a:rPr lang="fr-FR" sz="500" dirty="0" smtClean="0"/>
-              <a:t> in if: ", </a:t>
-            </a:r>
-            <a:r>
-              <a:rPr lang="fr-FR" sz="500" dirty="0" err="1" smtClean="0"/>
-              <a:t>cart</a:t>
-            </a:r>
-            <a:r>
-              <a:rPr lang="fr-FR" sz="500" dirty="0" smtClean="0"/>
-              <a:t>);</a:t>
-            </a:r>
-          </a:p>
-          <a:p>
-            <a:r>
-              <a:rPr lang="fr-FR" sz="500" dirty="0" smtClean="0"/>
-              <a:t>        return </a:t>
-            </a:r>
-            <a:r>
-              <a:rPr lang="fr-FR" sz="500" dirty="0" err="1" smtClean="0"/>
-              <a:t>savecart</a:t>
-            </a:r>
-            <a:r>
-              <a:rPr lang="fr-FR" sz="500" dirty="0" smtClean="0"/>
-              <a:t>(</a:t>
-            </a:r>
-            <a:r>
-              <a:rPr lang="fr-FR" sz="500" dirty="0" err="1" smtClean="0"/>
-              <a:t>cart</a:t>
-            </a:r>
-            <a:r>
-              <a:rPr lang="fr-FR" sz="500" dirty="0" smtClean="0"/>
-              <a:t>);</a:t>
-            </a:r>
-          </a:p>
-          <a:p>
-            <a:r>
-              <a:rPr lang="fr-FR" sz="500" dirty="0" smtClean="0"/>
-              <a:t>      }</a:t>
-            </a:r>
-          </a:p>
-          <a:p>
-            <a:r>
-              <a:rPr lang="fr-FR" sz="500" dirty="0" smtClean="0"/>
-              <a:t>    }</a:t>
-            </a:r>
-          </a:p>
-          <a:p>
-            <a:r>
-              <a:rPr lang="fr-FR" sz="500" dirty="0" smtClean="0"/>
-              <a:t>  }</a:t>
-            </a:r>
-          </a:p>
-          <a:p>
-            <a:r>
-              <a:rPr lang="fr-FR" sz="500" dirty="0" smtClean="0"/>
-              <a:t>  </a:t>
-            </a:r>
-            <a:r>
-              <a:rPr lang="fr-FR" sz="500" dirty="0" err="1" smtClean="0"/>
-              <a:t>cart.push</a:t>
-            </a:r>
-            <a:r>
-              <a:rPr lang="fr-FR" sz="500" dirty="0" smtClean="0"/>
-              <a:t>(</a:t>
-            </a:r>
-            <a:r>
-              <a:rPr lang="fr-FR" sz="500" dirty="0" err="1" smtClean="0"/>
-              <a:t>product</a:t>
-            </a:r>
-            <a:r>
-              <a:rPr lang="fr-FR" sz="500" dirty="0" smtClean="0"/>
-              <a:t>);</a:t>
-            </a:r>
-          </a:p>
-          <a:p>
-            <a:r>
-              <a:rPr lang="fr-FR" sz="500" dirty="0" smtClean="0"/>
-              <a:t>  </a:t>
-            </a:r>
-            <a:r>
-              <a:rPr lang="fr-FR" sz="500" dirty="0" err="1" smtClean="0"/>
-              <a:t>savecart</a:t>
-            </a:r>
-            <a:r>
-              <a:rPr lang="fr-FR" sz="500" dirty="0" smtClean="0"/>
-              <a:t>(</a:t>
-            </a:r>
-            <a:r>
-              <a:rPr lang="fr-FR" sz="500" dirty="0" err="1" smtClean="0"/>
-              <a:t>cart</a:t>
-            </a:r>
-            <a:r>
-              <a:rPr lang="fr-FR" sz="500" dirty="0" smtClean="0"/>
-              <a:t>);</a:t>
-            </a:r>
-          </a:p>
-          <a:p>
-            <a:r>
-              <a:rPr lang="fr-FR" sz="500" dirty="0" smtClean="0"/>
-              <a:t>}</a:t>
-            </a:r>
-          </a:p>
-          <a:p>
-            <a:r>
-              <a:rPr lang="fr-FR" sz="500" dirty="0" smtClean="0"/>
-              <a:t/>
-            </a:r>
-            <a:br>
-              <a:rPr lang="fr-FR" sz="500" dirty="0" smtClean="0"/>
-            </a:br>
-            <a:r>
-              <a:rPr lang="fr-FR" sz="500" dirty="0" err="1" smtClean="0"/>
-              <a:t>function</a:t>
-            </a:r>
-            <a:r>
-              <a:rPr lang="fr-FR" sz="500" dirty="0" smtClean="0"/>
-              <a:t> </a:t>
-            </a:r>
-            <a:r>
-              <a:rPr lang="fr-FR" sz="500" dirty="0" err="1" smtClean="0"/>
-              <a:t>savecart</a:t>
-            </a:r>
-            <a:r>
-              <a:rPr lang="fr-FR" sz="500" dirty="0" smtClean="0"/>
-              <a:t>(</a:t>
-            </a:r>
-            <a:r>
-              <a:rPr lang="fr-FR" sz="500" i="1" dirty="0" err="1" smtClean="0"/>
-              <a:t>cart</a:t>
-            </a:r>
-            <a:r>
-              <a:rPr lang="fr-FR" sz="500" dirty="0" smtClean="0"/>
-              <a:t>) {</a:t>
-            </a:r>
-          </a:p>
-          <a:p>
-            <a:r>
-              <a:rPr lang="fr-FR" sz="500" dirty="0" smtClean="0"/>
-              <a:t>  </a:t>
-            </a:r>
-            <a:r>
-              <a:rPr lang="fr-FR" sz="500" dirty="0" err="1" smtClean="0"/>
-              <a:t>localStorage.setItem</a:t>
-            </a:r>
-            <a:r>
-              <a:rPr lang="fr-FR" sz="500" dirty="0" smtClean="0"/>
-              <a:t>("</a:t>
-            </a:r>
-            <a:r>
-              <a:rPr lang="fr-FR" sz="500" dirty="0" err="1" smtClean="0"/>
-              <a:t>cart</a:t>
-            </a:r>
-            <a:r>
-              <a:rPr lang="fr-FR" sz="500" dirty="0" smtClean="0"/>
-              <a:t>", </a:t>
-            </a:r>
-            <a:r>
-              <a:rPr lang="fr-FR" sz="500" dirty="0" err="1" smtClean="0"/>
-              <a:t>JSON.stringify</a:t>
-            </a:r>
-            <a:r>
-              <a:rPr lang="fr-FR" sz="500" dirty="0" smtClean="0"/>
-              <a:t>(</a:t>
-            </a:r>
-            <a:r>
-              <a:rPr lang="fr-FR" sz="500" i="1" dirty="0" err="1" smtClean="0"/>
-              <a:t>cart</a:t>
-            </a:r>
-            <a:r>
-              <a:rPr lang="fr-FR" sz="500" dirty="0" smtClean="0"/>
-              <a:t>));</a:t>
-            </a:r>
-          </a:p>
-          <a:p>
-            <a:r>
-              <a:rPr lang="fr-FR" sz="500" dirty="0" smtClean="0"/>
-              <a:t>  </a:t>
-            </a:r>
-            <a:r>
-              <a:rPr lang="fr-FR" sz="500" dirty="0" err="1" smtClean="0"/>
-              <a:t>redirectToCart</a:t>
-            </a:r>
-            <a:r>
-              <a:rPr lang="fr-FR" sz="500" dirty="0" smtClean="0"/>
-              <a:t>();</a:t>
-            </a:r>
-          </a:p>
-          <a:p>
-            <a:r>
-              <a:rPr lang="fr-FR" sz="500" dirty="0" smtClean="0"/>
-              <a:t>}</a:t>
-            </a:r>
-          </a:p>
-          <a:p>
-            <a:r>
-              <a:rPr lang="fr-FR" sz="500" dirty="0" smtClean="0"/>
-              <a:t/>
-            </a:r>
-            <a:br>
-              <a:rPr lang="fr-FR" sz="500" dirty="0" smtClean="0"/>
-            </a:br>
-            <a:endParaRPr lang="fr-FR" sz="500" dirty="0" smtClean="0"/>
-          </a:p>
-          <a:p>
-            <a:endParaRPr lang="fr-FR" sz="500" dirty="0"/>
+            <a:endParaRPr lang="fr-FR" sz="1600" dirty="0" smtClean="0"/>
+          </a:p>
+          <a:p>
+            <a:endParaRPr lang="fr-FR" sz="1800" dirty="0"/>
           </a:p>
         </p:txBody>
       </p:sp>

--- a/Nouveau Présentation Microsoft Office PowerPoint.pptx
+++ b/Nouveau Présentation Microsoft Office PowerPoint.pptx
@@ -206,7 +206,7 @@
             <a:fld id="{24ED655A-31B7-481E-90CB-E468D65B71B3}" type="datetimeFigureOut">
               <a:rPr lang="fr-FR" smtClean="0"/>
               <a:pPr/>
-              <a:t>17/05/2022</a:t>
+              <a:t>25/05/2022</a:t>
             </a:fld>
             <a:endParaRPr lang="fr-FR"/>
           </a:p>
@@ -1180,7 +1180,7 @@
             <a:fld id="{690D224E-297F-412A-A36D-E9CFF743A8CE}" type="datetimeFigureOut">
               <a:rPr lang="fr-FR" smtClean="0"/>
               <a:pPr/>
-              <a:t>17/05/2022</a:t>
+              <a:t>25/05/2022</a:t>
             </a:fld>
             <a:endParaRPr lang="fr-FR"/>
           </a:p>
@@ -1378,7 +1378,7 @@
             <a:fld id="{690D224E-297F-412A-A36D-E9CFF743A8CE}" type="datetimeFigureOut">
               <a:rPr lang="fr-FR" smtClean="0"/>
               <a:pPr/>
-              <a:t>17/05/2022</a:t>
+              <a:t>25/05/2022</a:t>
             </a:fld>
             <a:endParaRPr lang="fr-FR"/>
           </a:p>
@@ -1565,7 +1565,7 @@
             <a:fld id="{690D224E-297F-412A-A36D-E9CFF743A8CE}" type="datetimeFigureOut">
               <a:rPr lang="fr-FR" smtClean="0"/>
               <a:pPr/>
-              <a:t>17/05/2022</a:t>
+              <a:t>25/05/2022</a:t>
             </a:fld>
             <a:endParaRPr lang="fr-FR"/>
           </a:p>
@@ -1717,7 +1717,7 @@
             <a:fld id="{690D224E-297F-412A-A36D-E9CFF743A8CE}" type="datetimeFigureOut">
               <a:rPr lang="fr-FR" smtClean="0"/>
               <a:pPr/>
-              <a:t>17/05/2022</a:t>
+              <a:t>25/05/2022</a:t>
             </a:fld>
             <a:endParaRPr lang="fr-FR"/>
           </a:p>
@@ -1974,7 +1974,7 @@
             <a:fld id="{690D224E-297F-412A-A36D-E9CFF743A8CE}" type="datetimeFigureOut">
               <a:rPr lang="fr-FR" smtClean="0"/>
               <a:pPr/>
-              <a:t>17/05/2022</a:t>
+              <a:t>25/05/2022</a:t>
             </a:fld>
             <a:endParaRPr lang="fr-FR"/>
           </a:p>
@@ -2385,7 +2385,7 @@
             <a:fld id="{690D224E-297F-412A-A36D-E9CFF743A8CE}" type="datetimeFigureOut">
               <a:rPr lang="fr-FR" smtClean="0"/>
               <a:pPr/>
-              <a:t>17/05/2022</a:t>
+              <a:t>25/05/2022</a:t>
             </a:fld>
             <a:endParaRPr lang="fr-FR"/>
           </a:p>
@@ -2833,7 +2833,7 @@
             <a:fld id="{690D224E-297F-412A-A36D-E9CFF743A8CE}" type="datetimeFigureOut">
               <a:rPr lang="fr-FR" smtClean="0"/>
               <a:pPr/>
-              <a:t>17/05/2022</a:t>
+              <a:t>25/05/2022</a:t>
             </a:fld>
             <a:endParaRPr lang="fr-FR"/>
           </a:p>
@@ -2936,7 +2936,7 @@
             <a:fld id="{690D224E-297F-412A-A36D-E9CFF743A8CE}" type="datetimeFigureOut">
               <a:rPr lang="fr-FR" smtClean="0"/>
               <a:pPr/>
-              <a:t>17/05/2022</a:t>
+              <a:t>25/05/2022</a:t>
             </a:fld>
             <a:endParaRPr lang="fr-FR"/>
           </a:p>
@@ -3059,7 +3059,7 @@
             <a:fld id="{690D224E-297F-412A-A36D-E9CFF743A8CE}" type="datetimeFigureOut">
               <a:rPr lang="fr-FR" smtClean="0"/>
               <a:pPr/>
-              <a:t>17/05/2022</a:t>
+              <a:t>25/05/2022</a:t>
             </a:fld>
             <a:endParaRPr lang="fr-FR"/>
           </a:p>
@@ -3335,7 +3335,7 @@
             <a:fld id="{690D224E-297F-412A-A36D-E9CFF743A8CE}" type="datetimeFigureOut">
               <a:rPr lang="fr-FR" smtClean="0"/>
               <a:pPr/>
-              <a:t>17/05/2022</a:t>
+              <a:t>25/05/2022</a:t>
             </a:fld>
             <a:endParaRPr lang="fr-FR"/>
           </a:p>
@@ -3542,7 +3542,7 @@
             <a:fld id="{690D224E-297F-412A-A36D-E9CFF743A8CE}" type="datetimeFigureOut">
               <a:rPr lang="fr-FR" smtClean="0"/>
               <a:pPr/>
-              <a:t>17/05/2022</a:t>
+              <a:t>25/05/2022</a:t>
             </a:fld>
             <a:endParaRPr lang="fr-FR"/>
           </a:p>
@@ -4653,7 +4653,7 @@
             <a:fld id="{690D224E-297F-412A-A36D-E9CFF743A8CE}" type="datetimeFigureOut">
               <a:rPr lang="fr-FR" smtClean="0"/>
               <a:pPr/>
-              <a:t>17/05/2022</a:t>
+              <a:t>25/05/2022</a:t>
             </a:fld>
             <a:endParaRPr lang="fr-FR"/>
           </a:p>
@@ -5106,7 +5106,7 @@
         </p:spPr>
         <p:txBody>
           <a:bodyPr vert="horz" lIns="45720" rIns="45720">
-            <a:normAutofit fontScale="70000" lnSpcReduction="20000"/>
+            <a:normAutofit fontScale="85000" lnSpcReduction="20000"/>
           </a:bodyPr>
           <a:lstStyle/>
           <a:p>
@@ -5130,7 +5130,7 @@
               <a:defRPr/>
             </a:pPr>
             <a:r>
-              <a:rPr kumimoji="0" lang="fr-FR" sz="2700" b="0" i="0" u="none" strike="noStrike" kern="1200" cap="none" spc="0" normalizeH="0" baseline="0" noProof="0" smtClean="0">
+              <a:rPr kumimoji="0" lang="fr-FR" sz="2700" b="0" i="0" u="none" strike="noStrike" kern="1200" cap="none" spc="0" normalizeH="0" baseline="0" noProof="0" dirty="0" smtClean="0">
                 <a:ln>
                   <a:noFill/>
                 </a:ln>
@@ -5144,8 +5144,39 @@
                 <a:ea typeface="+mn-ea"/>
                 <a:cs typeface="+mn-cs"/>
               </a:rPr>
-              <a:t>Gwenaël GRESSIER – 08/04/2022</a:t>
-            </a:r>
+              <a:t>Gwenaël </a:t>
+            </a:r>
+            <a:r>
+              <a:rPr kumimoji="0" lang="fr-FR" sz="2700" b="0" i="0" u="none" strike="noStrike" kern="1200" cap="none" spc="0" normalizeH="0" baseline="0" noProof="0" dirty="0" smtClean="0">
+                <a:ln>
+                  <a:noFill/>
+                </a:ln>
+                <a:solidFill>
+                  <a:schemeClr val="tx2"/>
+                </a:solidFill>
+                <a:effectLst/>
+                <a:uLnTx/>
+                <a:uFillTx/>
+                <a:latin typeface="+mn-lt"/>
+                <a:ea typeface="+mn-ea"/>
+                <a:cs typeface="+mn-cs"/>
+              </a:rPr>
+              <a:t>GRESSIER</a:t>
+            </a:r>
+            <a:endParaRPr kumimoji="0" lang="fr-FR" sz="2700" b="0" i="0" u="none" strike="noStrike" kern="1200" cap="none" spc="0" normalizeH="0" baseline="0" noProof="0" dirty="0" smtClean="0">
+              <a:ln>
+                <a:noFill/>
+              </a:ln>
+              <a:solidFill>
+                <a:schemeClr val="tx2"/>
+              </a:solidFill>
+              <a:effectLst/>
+              <a:uLnTx/>
+              <a:uFillTx/>
+              <a:latin typeface="+mn-lt"/>
+              <a:ea typeface="+mn-ea"/>
+              <a:cs typeface="+mn-cs"/>
+            </a:endParaRPr>
           </a:p>
           <a:p>
             <a:pPr marL="0" marR="64008" lvl="0" indent="0" algn="r" defTabSz="914400" rtl="0" eaLnBrk="1" fontAlgn="auto" latinLnBrk="0" hangingPunct="1">
@@ -5263,27 +5294,115 @@
           <a:p>
             <a:r>
               <a:rPr lang="fr-FR" sz="1600" dirty="0" smtClean="0"/>
-              <a:t>Pour afficher un tableau </a:t>
+              <a:t>Dans un 1</a:t>
+            </a:r>
+            <a:r>
+              <a:rPr lang="fr-FR" sz="1600" baseline="30000" dirty="0" smtClean="0"/>
+              <a:t>er</a:t>
+            </a:r>
+            <a:r>
+              <a:rPr lang="fr-FR" sz="1600" dirty="0" smtClean="0"/>
+              <a:t> temps </a:t>
             </a:r>
             <a:r>
               <a:rPr lang="fr-FR" sz="1600" dirty="0" err="1" smtClean="0"/>
-              <a:t>recapitulatif</a:t>
+              <a:t>grace</a:t>
+            </a:r>
+            <a:r>
+              <a:rPr lang="fr-FR" sz="1600" dirty="0" smtClean="0"/>
+              <a:t>  a ma </a:t>
+            </a:r>
+            <a:r>
+              <a:rPr lang="fr-FR" sz="1600" dirty="0" err="1" smtClean="0"/>
+              <a:t>function</a:t>
             </a:r>
             <a:r>
               <a:rPr lang="fr-FR" sz="1600" dirty="0" smtClean="0"/>
               <a:t> </a:t>
             </a:r>
             <a:r>
-              <a:rPr lang="fr-FR" sz="1600" dirty="0" smtClean="0"/>
-              <a:t>des achat dans la page panier je vais utiliser la </a:t>
-            </a:r>
-            <a:r>
               <a:rPr lang="fr-FR" sz="1600" dirty="0" err="1" smtClean="0"/>
-              <a:t>methode</a:t>
+              <a:t>retrieveItemsFromCache</a:t>
+            </a:r>
+            <a:r>
+              <a:rPr lang="fr-FR" sz="1600" dirty="0" smtClean="0"/>
+              <a:t> ligne 20</a:t>
+            </a:r>
+          </a:p>
+          <a:p>
+            <a:r>
+              <a:rPr lang="fr-FR" sz="1600" dirty="0" err="1" smtClean="0"/>
+              <a:t>pourtout</a:t>
+            </a:r>
+            <a:r>
+              <a:rPr lang="fr-FR" sz="1600" dirty="0" smtClean="0"/>
+              <a:t> les items dans mon </a:t>
+            </a:r>
+            <a:r>
+              <a:rPr lang="fr-FR" sz="1600" dirty="0" err="1" smtClean="0"/>
+              <a:t>localStorage</a:t>
+            </a:r>
+            <a:r>
+              <a:rPr lang="fr-FR" sz="1600" dirty="0" smtClean="0"/>
+              <a:t> je </a:t>
+            </a:r>
+            <a:r>
+              <a:rPr lang="fr-FR" sz="1600" dirty="0" err="1" smtClean="0"/>
+              <a:t>ves</a:t>
+            </a:r>
+            <a:r>
+              <a:rPr lang="fr-FR" sz="1600" dirty="0" smtClean="0"/>
+              <a:t> les </a:t>
+            </a:r>
+            <a:r>
+              <a:rPr lang="fr-FR" sz="1600" dirty="0" err="1" smtClean="0"/>
+              <a:t>parse</a:t>
+            </a:r>
+            <a:r>
+              <a:rPr lang="fr-FR" sz="1600" dirty="0" smtClean="0"/>
+              <a:t> et les envoyer dans mon </a:t>
+            </a:r>
+            <a:r>
+              <a:rPr lang="fr-FR" sz="1600" dirty="0" err="1" smtClean="0"/>
+              <a:t>cart</a:t>
             </a:r>
             <a:r>
               <a:rPr lang="fr-FR" sz="1600" dirty="0" smtClean="0"/>
               <a:t> </a:t>
+            </a:r>
+            <a:endParaRPr lang="fr-FR" sz="1600" dirty="0" smtClean="0"/>
+          </a:p>
+          <a:p>
+            <a:endParaRPr lang="fr-FR" sz="1600" dirty="0" smtClean="0"/>
+          </a:p>
+          <a:p>
+            <a:r>
+              <a:rPr lang="fr-FR" sz="1600" dirty="0" smtClean="0"/>
+              <a:t>Pour </a:t>
+            </a:r>
+            <a:r>
+              <a:rPr lang="fr-FR" sz="1600" dirty="0" smtClean="0"/>
+              <a:t>afficher un tableau </a:t>
+            </a:r>
+            <a:r>
+              <a:rPr lang="fr-FR" sz="1600" dirty="0" smtClean="0"/>
+              <a:t>récapitulatif </a:t>
+            </a:r>
+            <a:r>
+              <a:rPr lang="fr-FR" sz="1600" dirty="0" smtClean="0"/>
+              <a:t>des achat dans la page panier </a:t>
+            </a:r>
+            <a:r>
+              <a:rPr lang="fr-FR" sz="1600" dirty="0" smtClean="0"/>
+              <a:t>je </a:t>
+            </a:r>
+            <a:r>
+              <a:rPr lang="fr-FR" sz="1600" dirty="0" smtClean="0"/>
+              <a:t>vais utiliser la </a:t>
+            </a:r>
+            <a:r>
+              <a:rPr lang="fr-FR" sz="1600" dirty="0" smtClean="0"/>
+              <a:t>méthode </a:t>
             </a:r>
             <a:r>
               <a:rPr lang="fr-FR" sz="1600" dirty="0" err="1" smtClean="0"/>
@@ -5328,11 +5447,7 @@
           <a:p>
             <a:r>
               <a:rPr lang="fr-FR" sz="1600" dirty="0" smtClean="0"/>
-              <a:t>Qui fai</a:t>
-            </a:r>
-            <a:r>
-              <a:rPr lang="fr-FR" sz="1600" dirty="0" smtClean="0"/>
-              <a:t>t que pour chaque item dans mon </a:t>
+              <a:t>Qui fait que pour chaque item dans mon </a:t>
             </a:r>
             <a:r>
               <a:rPr lang="fr-FR" sz="1600" dirty="0" err="1" smtClean="0"/>
@@ -5368,10 +5483,6 @@
             <a:r>
               <a:rPr lang="fr-FR" sz="1600" dirty="0" smtClean="0"/>
               <a:t> j’y est regrouper tous se qui concerne la mise en page de html de mes items</a:t>
-            </a:r>
-            <a:r>
-              <a:rPr lang="fr-FR" sz="1600" dirty="0" smtClean="0"/>
-              <a:t/>
             </a:r>
             <a:br>
               <a:rPr lang="fr-FR" sz="1600" dirty="0" smtClean="0"/>
@@ -5470,7 +5581,6 @@
               <a:rPr lang="fr-FR" dirty="0" smtClean="0"/>
               <a:t> avec l’id et la couleur de l’élément a supprimer grâce a </a:t>
             </a:r>
-            <a:endParaRPr lang="fr-FR" dirty="0" smtClean="0"/>
           </a:p>
           <a:p>
             <a:r>
@@ -5495,8 +5605,9 @@
             </a:r>
             <a:r>
               <a:rPr lang="fr-FR" dirty="0" smtClean="0"/>
-              <a:t>}`;</a:t>
-            </a:r>
+              <a:t>}`; ligne 188</a:t>
+            </a:r>
+            <a:endParaRPr lang="fr-FR" dirty="0" smtClean="0"/>
           </a:p>
           <a:p>
             <a:endParaRPr lang="fr-FR" dirty="0" smtClean="0"/>
@@ -5514,7 +5625,6 @@
               <a:rPr lang="fr-FR" dirty="0" smtClean="0"/>
               <a:t> avec</a:t>
             </a:r>
-            <a:endParaRPr lang="fr-FR" dirty="0" smtClean="0"/>
           </a:p>
           <a:p>
             <a:r>
@@ -5543,22 +5653,12 @@
               <a:rPr lang="fr-FR" dirty="0" smtClean="0"/>
               <a:t>  </a:t>
             </a:r>
-            <a:endParaRPr lang="fr-FR" dirty="0" smtClean="0"/>
           </a:p>
           <a:p>
             <a:r>
               <a:rPr lang="fr-FR" dirty="0" smtClean="0"/>
-              <a:t>Je récupère l’indice de </a:t>
-            </a:r>
-            <a:r>
-              <a:rPr lang="fr-FR" dirty="0" smtClean="0"/>
-              <a:t>l’élément </a:t>
-            </a:r>
-            <a:r>
-              <a:rPr lang="fr-FR" dirty="0" smtClean="0"/>
-              <a:t>à supprimer </a:t>
-            </a:r>
-            <a:endParaRPr lang="fr-FR" dirty="0" smtClean="0"/>
+              <a:t>Je récupère l’indice de l’élément à supprimer </a:t>
+            </a:r>
           </a:p>
           <a:p>
             <a:r>
@@ -5620,11 +5720,7 @@
           <a:p>
             <a:r>
               <a:rPr lang="fr-FR" dirty="0" smtClean="0"/>
-              <a:t>  </a:t>
-            </a:r>
-            <a:r>
-              <a:rPr lang="fr-FR" dirty="0" smtClean="0"/>
-              <a:t>);</a:t>
+              <a:t>  );</a:t>
             </a:r>
           </a:p>
           <a:p>
@@ -5662,10 +5758,23 @@
               <a:rPr lang="fr-FR" dirty="0" smtClean="0"/>
               <a:t>, 1); </a:t>
             </a:r>
+          </a:p>
+          <a:p>
             <a:endParaRPr lang="fr-FR" dirty="0" smtClean="0"/>
           </a:p>
           <a:p>
-            <a:endParaRPr lang="fr-FR" dirty="0" smtClean="0"/>
+            <a:r>
+              <a:rPr lang="fr-FR" dirty="0" smtClean="0"/>
+              <a:t>  je vise l'item avec l’id et la </a:t>
+            </a:r>
+            <a:r>
+              <a:rPr lang="fr-FR" dirty="0" err="1" smtClean="0"/>
+              <a:t>color</a:t>
+            </a:r>
+            <a:r>
+              <a:rPr lang="fr-FR" dirty="0" smtClean="0"/>
+              <a:t> à supprimer</a:t>
+            </a:r>
           </a:p>
           <a:p>
             <a:r>
@@ -5673,8 +5782,34 @@
               <a:t>  </a:t>
             </a:r>
             <a:r>
+              <a:rPr lang="fr-FR" dirty="0" err="1" smtClean="0"/>
+              <a:t>const</a:t>
+            </a:r>
+            <a:r>
               <a:rPr lang="fr-FR" dirty="0" smtClean="0"/>
-              <a:t>je vise l'item avec l’id et la </a:t>
+              <a:t> </a:t>
+            </a:r>
+            <a:r>
+              <a:rPr lang="fr-FR" dirty="0" err="1" smtClean="0"/>
+              <a:t>articleToDelete</a:t>
+            </a:r>
+            <a:r>
+              <a:rPr lang="fr-FR" dirty="0" smtClean="0"/>
+              <a:t> = </a:t>
+            </a:r>
+            <a:r>
+              <a:rPr lang="fr-FR" dirty="0" err="1" smtClean="0"/>
+              <a:t>document.querySelector</a:t>
+            </a:r>
+            <a:r>
+              <a:rPr lang="fr-FR" dirty="0" smtClean="0"/>
+              <a:t>(</a:t>
+            </a:r>
+          </a:p>
+          <a:p>
+            <a:r>
+              <a:rPr lang="fr-FR" dirty="0" smtClean="0"/>
+              <a:t>    `article[data-id="${item.id}"][data-</a:t>
             </a:r>
             <a:r>
               <a:rPr lang="fr-FR" dirty="0" err="1" smtClean="0"/>
@@ -5682,55 +5817,6 @@
             </a:r>
             <a:r>
               <a:rPr lang="fr-FR" dirty="0" smtClean="0"/>
-              <a:t> </a:t>
-            </a:r>
-            <a:r>
-              <a:rPr lang="fr-FR" dirty="0" smtClean="0"/>
-              <a:t>à supprimer</a:t>
-            </a:r>
-            <a:endParaRPr lang="fr-FR" dirty="0" smtClean="0"/>
-          </a:p>
-          <a:p>
-            <a:r>
-              <a:rPr lang="fr-FR" dirty="0" smtClean="0"/>
-              <a:t>  </a:t>
-            </a:r>
-            <a:r>
-              <a:rPr lang="fr-FR" dirty="0" err="1" smtClean="0"/>
-              <a:t>const</a:t>
-            </a:r>
-            <a:r>
-              <a:rPr lang="fr-FR" dirty="0" smtClean="0"/>
-              <a:t> </a:t>
-            </a:r>
-            <a:r>
-              <a:rPr lang="fr-FR" dirty="0" err="1" smtClean="0"/>
-              <a:t>articleToDelete</a:t>
-            </a:r>
-            <a:r>
-              <a:rPr lang="fr-FR" dirty="0" smtClean="0"/>
-              <a:t> = </a:t>
-            </a:r>
-            <a:r>
-              <a:rPr lang="fr-FR" dirty="0" err="1" smtClean="0"/>
-              <a:t>document.querySelector</a:t>
-            </a:r>
-            <a:r>
-              <a:rPr lang="fr-FR" dirty="0" smtClean="0"/>
-              <a:t>(</a:t>
-            </a:r>
-          </a:p>
-          <a:p>
-            <a:r>
-              <a:rPr lang="fr-FR" dirty="0" smtClean="0"/>
-              <a:t>    `article[data-id="${item.id}"][data-</a:t>
-            </a:r>
-            <a:r>
-              <a:rPr lang="fr-FR" dirty="0" err="1" smtClean="0"/>
-              <a:t>color</a:t>
-            </a:r>
-            <a:r>
-              <a:rPr lang="fr-FR" dirty="0" smtClean="0"/>
               <a:t>="${</a:t>
             </a:r>
             <a:r>
@@ -5745,11 +5831,7 @@
           <a:p>
             <a:r>
               <a:rPr lang="fr-FR" dirty="0" smtClean="0"/>
-              <a:t>  </a:t>
-            </a:r>
-            <a:r>
-              <a:rPr lang="fr-FR" dirty="0" smtClean="0"/>
-              <a:t>);</a:t>
+              <a:t>  );</a:t>
             </a:r>
           </a:p>
           <a:p>
@@ -5768,7 +5850,6 @@
               <a:rPr lang="fr-FR" dirty="0" smtClean="0"/>
               <a:t> je supprime l’article </a:t>
             </a:r>
-            <a:endParaRPr lang="fr-FR" dirty="0" smtClean="0"/>
           </a:p>
           <a:p>
             <a:r>
@@ -5851,20 +5932,22 @@
         </p:nvSpPr>
         <p:spPr/>
         <p:txBody>
-          <a:bodyPr/>
+          <a:bodyPr>
+            <a:normAutofit/>
+          </a:bodyPr>
           <a:lstStyle/>
           <a:p>
             <a:r>
               <a:rPr lang="fr-FR" sz="1600" dirty="0" smtClean="0"/>
-              <a:t>Dans un 1</a:t>
-            </a:r>
-            <a:r>
-              <a:rPr lang="fr-FR" sz="1600" baseline="30000" dirty="0" smtClean="0"/>
-              <a:t>er</a:t>
-            </a:r>
-            <a:r>
-              <a:rPr lang="fr-FR" sz="1600" dirty="0" smtClean="0"/>
-              <a:t> temps je récupère toute les donnes de mon forme grâce a la </a:t>
+              <a:t>Pour pouvoir passer la commande je fait un </a:t>
+            </a:r>
+            <a:r>
+              <a:rPr lang="fr-FR" sz="1600" dirty="0" err="1" smtClean="0"/>
+              <a:t>addEventListener</a:t>
+            </a:r>
+            <a:r>
+              <a:rPr lang="fr-FR" sz="1600" dirty="0" smtClean="0"/>
+              <a:t> ligne 13 qui au click appelle la </a:t>
             </a:r>
             <a:r>
               <a:rPr lang="fr-FR" sz="1600" dirty="0" err="1" smtClean="0"/>
@@ -5876,27 +5959,54 @@
             </a:r>
             <a:r>
               <a:rPr lang="fr-FR" sz="1600" dirty="0" err="1" smtClean="0"/>
+              <a:t>submitForm</a:t>
+            </a:r>
+            <a:endParaRPr lang="fr-FR" sz="1600" dirty="0" smtClean="0"/>
+          </a:p>
+          <a:p>
+            <a:r>
+              <a:rPr lang="fr-FR" sz="1600" dirty="0" smtClean="0"/>
+              <a:t>Cette </a:t>
+            </a:r>
+            <a:r>
+              <a:rPr lang="fr-FR" sz="1600" dirty="0" err="1" smtClean="0"/>
+              <a:t>derniere</a:t>
+            </a:r>
+            <a:r>
+              <a:rPr lang="fr-FR" sz="1600" dirty="0" smtClean="0"/>
+              <a:t> regarde si le panier et vide et si mon forme et bien remplis si oui cette dernière va appelais la </a:t>
+            </a:r>
+            <a:r>
+              <a:rPr lang="fr-FR" sz="1600" dirty="0" err="1" smtClean="0"/>
+              <a:t>fontion</a:t>
+            </a:r>
+            <a:r>
+              <a:rPr lang="fr-FR" sz="1600" dirty="0" smtClean="0"/>
+              <a:t> </a:t>
+            </a:r>
+            <a:r>
+              <a:rPr lang="fr-FR" sz="1600" dirty="0" err="1" smtClean="0"/>
               <a:t>makeRequestBody</a:t>
             </a:r>
             <a:r>
               <a:rPr lang="fr-FR" sz="1600" dirty="0" smtClean="0"/>
-              <a:t> </a:t>
-            </a:r>
-          </a:p>
-          <a:p>
-            <a:endParaRPr lang="fr-FR" sz="1600" dirty="0" smtClean="0"/>
-          </a:p>
-          <a:p>
-            <a:r>
-              <a:rPr lang="fr-FR" sz="1600" dirty="0" smtClean="0"/>
-              <a:t>Puis Je return un objet body avec à l’intérieur </a:t>
-            </a:r>
-            <a:endParaRPr lang="fr-FR" sz="1600" dirty="0" smtClean="0"/>
-          </a:p>
-          <a:p>
-            <a:r>
-              <a:rPr lang="fr-FR" sz="1600" dirty="0" smtClean="0"/>
-              <a:t>{{les info du </a:t>
+              <a:t> qui sert a </a:t>
+            </a:r>
+            <a:r>
+              <a:rPr lang="fr-FR" sz="1600" dirty="0" err="1" smtClean="0"/>
+              <a:t>cree</a:t>
+            </a:r>
+            <a:r>
+              <a:rPr lang="fr-FR" sz="1600" dirty="0" smtClean="0"/>
+              <a:t> le body de ma </a:t>
+            </a:r>
+            <a:r>
+              <a:rPr lang="fr-FR" sz="1600" dirty="0" err="1" smtClean="0"/>
+              <a:t>request</a:t>
+            </a:r>
+            <a:r>
+              <a:rPr lang="fr-FR" sz="1600" dirty="0" smtClean="0"/>
+              <a:t> pour ce dernier il faut les info contenu dans le </a:t>
             </a:r>
             <a:r>
               <a:rPr lang="fr-FR" sz="1600" dirty="0" err="1" smtClean="0"/>
@@ -5904,7 +6014,7 @@
             </a:r>
             <a:r>
               <a:rPr lang="fr-FR" sz="1600" dirty="0" smtClean="0"/>
-              <a:t>} [mes </a:t>
+              <a:t> et les </a:t>
             </a:r>
             <a:r>
               <a:rPr lang="fr-FR" sz="1600" dirty="0" err="1" smtClean="0"/>
@@ -5912,11 +6022,36 @@
             </a:r>
             <a:r>
               <a:rPr lang="fr-FR" sz="1600" dirty="0" smtClean="0"/>
-              <a:t>]} grâce à ma </a:t>
+              <a:t> des produit commander </a:t>
+            </a:r>
+            <a:endParaRPr lang="fr-FR" sz="1600" dirty="0" smtClean="0"/>
+          </a:p>
+          <a:p>
+            <a:pPr>
+              <a:buNone/>
+            </a:pPr>
+            <a:endParaRPr lang="fr-FR" sz="1600" dirty="0" smtClean="0"/>
+          </a:p>
+          <a:p>
+            <a:r>
+              <a:rPr lang="fr-FR" sz="1600" dirty="0" smtClean="0"/>
+              <a:t>Puis </a:t>
+            </a:r>
+            <a:r>
+              <a:rPr lang="fr-FR" sz="1600" dirty="0" smtClean="0"/>
+              <a:t>je fait un POST a mon api </a:t>
             </a:r>
             <a:r>
               <a:rPr lang="fr-FR" sz="1600" dirty="0" err="1" smtClean="0"/>
-              <a:t>function</a:t>
+              <a:t>grace</a:t>
+            </a:r>
+            <a:r>
+              <a:rPr lang="fr-FR" sz="1600" dirty="0" smtClean="0"/>
+              <a:t> a mon </a:t>
+            </a:r>
+            <a:r>
+              <a:rPr lang="fr-FR" sz="1600" dirty="0" err="1" smtClean="0"/>
+              <a:t>fetch</a:t>
             </a:r>
             <a:r>
               <a:rPr lang="fr-FR" sz="1600" dirty="0" smtClean="0"/>
@@ -5924,7 +6059,11 @@
             </a:r>
             <a:r>
               <a:rPr lang="fr-FR" sz="1600" dirty="0" err="1" smtClean="0"/>
-              <a:t>submitForm</a:t>
+              <a:t>lign</a:t>
+            </a:r>
+            <a:r>
+              <a:rPr lang="fr-FR" sz="1600" dirty="0" smtClean="0"/>
+              <a:t> 220 </a:t>
             </a:r>
             <a:endParaRPr lang="fr-FR" sz="1600" dirty="0" smtClean="0"/>
           </a:p>
@@ -6039,11 +6178,7 @@
           <a:p>
             <a:r>
               <a:rPr lang="fr-FR" sz="1600" dirty="0" smtClean="0"/>
-              <a:t>Grace à </a:t>
-            </a:r>
-            <a:r>
-              <a:rPr lang="fr-FR" sz="1600" dirty="0" smtClean="0"/>
-              <a:t>la </a:t>
+              <a:t>Grace à la </a:t>
             </a:r>
             <a:r>
               <a:rPr lang="fr-FR" sz="1600" dirty="0" err="1" smtClean="0"/>
@@ -6274,7 +6409,17 @@
             </a:r>
           </a:p>
           <a:p>
-            <a:endParaRPr lang="fr-FR" dirty="0"/>
+            <a:r>
+              <a:rPr lang="fr-FR" sz="1700" dirty="0" smtClean="0"/>
+              <a:t>pour le projet j’ai suivi l’exemple de découpage qui ma étais donne</a:t>
+            </a:r>
+          </a:p>
+          <a:p>
+            <a:r>
+              <a:rPr lang="fr-FR" sz="1700" dirty="0" smtClean="0"/>
+              <a:t>Je vous propose de voire ensemble comment j’ai résolue chaque étape de ce dernier.</a:t>
+            </a:r>
+            <a:endParaRPr lang="fr-FR" sz="1700" dirty="0"/>
           </a:p>
         </p:txBody>
       </p:sp>
@@ -6349,7 +6494,23 @@
           <a:p>
             <a:r>
               <a:rPr lang="fr-FR" sz="1600" dirty="0" smtClean="0"/>
-              <a:t>Pour se faire j’ai enlever les partie commenter du site pour voire à quoi devais ressembler le site une fois finit.</a:t>
+              <a:t>Pour se faire j’ai enlever les </a:t>
+            </a:r>
+            <a:r>
+              <a:rPr lang="fr-FR" sz="1600" dirty="0" smtClean="0"/>
+              <a:t>partie de code </a:t>
+            </a:r>
+            <a:r>
+              <a:rPr lang="fr-FR" sz="1600" dirty="0" smtClean="0"/>
+              <a:t>commenter du </a:t>
+            </a:r>
+            <a:r>
+              <a:rPr lang="fr-FR" sz="1600" dirty="0" smtClean="0"/>
+              <a:t>site sur chacune des page ou ses dernière étais présente </a:t>
+            </a:r>
+            <a:r>
+              <a:rPr lang="fr-FR" sz="1600" dirty="0" smtClean="0"/>
+              <a:t>pour voire à quoi devais ressembler le site une fois finit.</a:t>
             </a:r>
             <a:endParaRPr lang="fr-FR" sz="1600" dirty="0"/>
           </a:p>
@@ -6424,23 +6585,32 @@
           <a:p>
             <a:r>
               <a:rPr lang="fr-FR" sz="1600" dirty="0" smtClean="0"/>
-              <a:t>Ensuite en ayant prise </a:t>
-            </a:r>
-            <a:r>
-              <a:rPr lang="fr-FR" sz="1600" dirty="0" smtClean="0"/>
-              <a:t>connaissance </a:t>
-            </a:r>
-            <a:r>
-              <a:rPr lang="fr-FR" sz="1600" dirty="0" smtClean="0"/>
-              <a:t>du :</a:t>
-            </a:r>
-          </a:p>
-          <a:p>
+              <a:t>Ensuite en ayant prise connaissance </a:t>
+            </a:r>
+            <a:r>
+              <a:rPr lang="fr-FR" sz="1600" dirty="0" smtClean="0"/>
+              <a:t>des spécification fonctionnelle j’ai décider la méthode </a:t>
+            </a:r>
+            <a:r>
+              <a:rPr lang="fr-FR" sz="1600" dirty="0" err="1" smtClean="0"/>
+              <a:t>fetch</a:t>
+            </a:r>
+            <a:r>
+              <a:rPr lang="fr-FR" sz="1600" dirty="0" smtClean="0"/>
+              <a:t> sur l’adresse suivante pour récupérais toute les information relative a mes canapé </a:t>
+            </a:r>
+            <a:endParaRPr lang="fr-FR" sz="1600" dirty="0" smtClean="0"/>
+          </a:p>
+          <a:p>
+            <a:r>
+              <a:rPr lang="fr-FR" sz="1600" dirty="0" smtClean="0"/>
+              <a:t>: </a:t>
+            </a:r>
             <a:r>
               <a:rPr lang="fr-FR" sz="1600" dirty="0" smtClean="0">
                 <a:hlinkClick r:id="rId2"/>
               </a:rPr>
-              <a:t>https://course.oc-static.com/projects/DWJ_FR_P5/DW+P5+-+Specifications+fonctionnelles.pdf</a:t>
+              <a:t>http://localhost:3000/api/products</a:t>
             </a:r>
             <a:r>
               <a:rPr lang="fr-FR" sz="1600" dirty="0" smtClean="0"/>
@@ -6448,66 +6618,16 @@
             </a:r>
           </a:p>
           <a:p>
-            <a:r>
-              <a:rPr lang="fr-FR" sz="1600" dirty="0" smtClean="0"/>
-              <a:t>Sur la page 5 j’ai décidais de récupérais tout les attributs sur </a:t>
-            </a:r>
-            <a:r>
-              <a:rPr lang="fr-FR" sz="1600" dirty="0" smtClean="0"/>
-              <a:t>l’api sauf le </a:t>
-            </a:r>
-            <a:r>
-              <a:rPr lang="fr-FR" sz="1600" dirty="0" err="1" smtClean="0"/>
-              <a:t>price</a:t>
-            </a:r>
-            <a:r>
-              <a:rPr lang="fr-FR" sz="1600" dirty="0" smtClean="0"/>
-              <a:t> pour être conforme sur la sécurité </a:t>
-            </a:r>
             <a:endParaRPr lang="fr-FR" sz="1600" dirty="0" smtClean="0"/>
           </a:p>
           <a:p>
             <a:r>
               <a:rPr lang="fr-FR" sz="1600" dirty="0" smtClean="0"/>
-              <a:t>: </a:t>
-            </a:r>
-            <a:r>
-              <a:rPr lang="fr-FR" sz="1600" dirty="0" smtClean="0">
-                <a:hlinkClick r:id="rId3"/>
-              </a:rPr>
-              <a:t>http://localhost:3000/api/products</a:t>
-            </a:r>
-            <a:r>
-              <a:rPr lang="fr-FR" sz="1600" dirty="0" smtClean="0"/>
-              <a:t>.</a:t>
-            </a:r>
-          </a:p>
-          <a:p>
-            <a:r>
-              <a:rPr lang="fr-FR" sz="1600" dirty="0" smtClean="0"/>
-              <a:t>J’ai installer un plugin sur chrome pour que il soit </a:t>
-            </a:r>
-            <a:r>
-              <a:rPr lang="fr-FR" sz="1600" dirty="0" smtClean="0"/>
-              <a:t>beaucoup </a:t>
-            </a:r>
-            <a:r>
-              <a:rPr lang="fr-FR" sz="1600" dirty="0" smtClean="0"/>
-              <a:t>plus lisible.</a:t>
-            </a:r>
-          </a:p>
-          <a:p>
-            <a:r>
-              <a:rPr lang="fr-FR" sz="1600" dirty="0" smtClean="0"/>
-              <a:t>Pour pouvoir y accéder je vais utiliser la méthode globale </a:t>
-            </a:r>
-            <a:r>
-              <a:rPr lang="fr-FR" sz="1600" dirty="0" err="1" smtClean="0"/>
-              <a:t>fetch</a:t>
-            </a:r>
-            <a:r>
-              <a:rPr lang="fr-FR" sz="1600" dirty="0"/>
-              <a:t>.</a:t>
+              <a:t>Nous pouvon</a:t>
+            </a:r>
+            <a:r>
+              <a:rPr lang="fr-FR" sz="1600" dirty="0" smtClean="0"/>
+              <a:t>s voire un exemple à la ligne 1 à 10 de mon script.js</a:t>
             </a:r>
             <a:endParaRPr lang="fr-FR" sz="1600" dirty="0" smtClean="0"/>
           </a:p>
@@ -6588,11 +6708,7 @@
             </a:r>
             <a:r>
               <a:rPr lang="fr-FR" sz="1600" dirty="0" smtClean="0"/>
-              <a:t> </a:t>
-            </a:r>
-            <a:r>
-              <a:rPr lang="fr-FR" sz="1600" dirty="0" smtClean="0"/>
-              <a:t>à l’intérieur de mon </a:t>
+              <a:t> à l’intérieur de mon </a:t>
             </a:r>
             <a:r>
               <a:rPr lang="fr-FR" sz="1600" dirty="0" err="1" smtClean="0"/>
@@ -6604,12 +6720,100 @@
             </a:r>
             <a:r>
               <a:rPr lang="fr-FR" sz="1600" dirty="0" err="1" smtClean="0"/>
-              <a:t>creatObject</a:t>
+              <a:t>createProduct</a:t>
+            </a:r>
+            <a:r>
+              <a:rPr lang="fr-FR" sz="1600" dirty="0" smtClean="0"/>
+              <a:t> </a:t>
             </a:r>
             <a:endParaRPr lang="fr-FR" sz="1600" dirty="0" smtClean="0"/>
           </a:p>
           <a:p>
-            <a:endParaRPr lang="fr-FR" dirty="0" smtClean="0"/>
+            <a:r>
+              <a:rPr lang="fr-FR" sz="1600" dirty="0" smtClean="0"/>
+              <a:t>Comme nous </a:t>
+            </a:r>
+            <a:r>
+              <a:rPr lang="fr-FR" sz="1600" dirty="0" err="1" smtClean="0"/>
+              <a:t>pouvon</a:t>
+            </a:r>
+            <a:r>
+              <a:rPr lang="fr-FR" sz="1600" dirty="0" smtClean="0"/>
+              <a:t> le voire</a:t>
+            </a:r>
+          </a:p>
+          <a:p>
+            <a:r>
+              <a:rPr lang="fr-FR" sz="1600" dirty="0" smtClean="0"/>
+              <a:t>Ma </a:t>
+            </a:r>
+            <a:r>
+              <a:rPr lang="fr-FR" sz="1600" dirty="0" smtClean="0"/>
+              <a:t>b</a:t>
+            </a:r>
+            <a:r>
+              <a:rPr lang="fr-FR" sz="1600" dirty="0" smtClean="0"/>
+              <a:t>oucle </a:t>
+            </a:r>
+            <a:r>
+              <a:rPr lang="fr-FR" sz="1600" dirty="0" err="1" smtClean="0"/>
+              <a:t>foreach</a:t>
+            </a:r>
+            <a:r>
+              <a:rPr lang="fr-FR" sz="1600" dirty="0" smtClean="0"/>
+              <a:t> va </a:t>
+            </a:r>
+            <a:r>
+              <a:rPr lang="fr-FR" sz="1600" dirty="0" err="1" smtClean="0"/>
+              <a:t>apeller</a:t>
+            </a:r>
+            <a:r>
+              <a:rPr lang="fr-FR" sz="1600" dirty="0" smtClean="0"/>
+              <a:t> </a:t>
+            </a:r>
+            <a:r>
+              <a:rPr lang="fr-FR" sz="1600" dirty="0" err="1" smtClean="0"/>
+              <a:t>autent</a:t>
+            </a:r>
+            <a:r>
+              <a:rPr lang="fr-FR" sz="1600" dirty="0" smtClean="0"/>
+              <a:t> de fois ma </a:t>
+            </a:r>
+            <a:r>
+              <a:rPr lang="fr-FR" sz="1600" dirty="0" err="1" smtClean="0"/>
+              <a:t>function</a:t>
+            </a:r>
+            <a:r>
+              <a:rPr lang="fr-FR" sz="1600" dirty="0" smtClean="0"/>
+              <a:t> </a:t>
+            </a:r>
+            <a:r>
+              <a:rPr lang="fr-FR" sz="1600" dirty="0" err="1" smtClean="0"/>
+              <a:t>createProduct</a:t>
+            </a:r>
+            <a:r>
+              <a:rPr lang="fr-FR" sz="1600" dirty="0" smtClean="0"/>
+              <a:t> qu’il y a d’objet dans mon api je lui passe en </a:t>
+            </a:r>
+            <a:r>
+              <a:rPr lang="fr-FR" sz="1600" dirty="0" err="1" smtClean="0"/>
+              <a:t>parametre</a:t>
+            </a:r>
+            <a:r>
+              <a:rPr lang="fr-FR" sz="1600" dirty="0" smtClean="0"/>
+              <a:t> chaque l’objet en question </a:t>
+            </a:r>
+            <a:endParaRPr lang="fr-FR" sz="1600" dirty="0" smtClean="0"/>
+          </a:p>
+          <a:p>
+            <a:endParaRPr lang="fr-FR" sz="1600" dirty="0" smtClean="0"/>
+          </a:p>
+          <a:p>
+            <a:r>
+              <a:rPr lang="fr-FR" sz="1700" dirty="0" smtClean="0"/>
+              <a:t>Cette dernier fonction me permet la manipulation de mon dom</a:t>
+            </a:r>
+            <a:endParaRPr lang="fr-FR" sz="1700" dirty="0" smtClean="0"/>
           </a:p>
         </p:txBody>
       </p:sp>
@@ -6682,37 +6886,11 @@
           <a:p>
             <a:r>
               <a:rPr lang="fr-FR" sz="1600" dirty="0" smtClean="0"/>
-              <a:t>Pour </a:t>
-            </a:r>
-            <a:r>
-              <a:rPr lang="fr-FR" sz="1600" dirty="0" smtClean="0"/>
-              <a:t>faire </a:t>
-            </a:r>
-            <a:r>
-              <a:rPr lang="fr-FR" sz="1600" dirty="0" smtClean="0"/>
-              <a:t>le lien j’ai </a:t>
-            </a:r>
-            <a:r>
-              <a:rPr lang="fr-FR" sz="1600" dirty="0" smtClean="0"/>
-              <a:t>crée </a:t>
-            </a:r>
-            <a:r>
-              <a:rPr lang="fr-FR" sz="1600" dirty="0" smtClean="0"/>
-              <a:t>une</a:t>
-            </a:r>
-          </a:p>
-          <a:p>
-            <a:r>
-              <a:rPr lang="fr-FR" sz="1600" dirty="0" smtClean="0"/>
-              <a:t> </a:t>
-            </a:r>
-            <a:r>
-              <a:rPr lang="fr-FR" sz="1600" dirty="0" err="1" smtClean="0"/>
-              <a:t>const</a:t>
-            </a:r>
-            <a:r>
-              <a:rPr lang="fr-FR" sz="1600" dirty="0" smtClean="0"/>
-              <a:t> </a:t>
+              <a:t>Pour faire le lien j’ai crée </a:t>
+            </a:r>
+            <a:r>
+              <a:rPr lang="fr-FR" sz="1600" dirty="0" smtClean="0"/>
+              <a:t>une </a:t>
             </a:r>
             <a:r>
               <a:rPr lang="fr-FR" sz="1600" dirty="0" err="1" smtClean="0"/>
@@ -6720,48 +6898,71 @@
             </a:r>
             <a:r>
               <a:rPr lang="fr-FR" sz="1600" dirty="0" smtClean="0"/>
-              <a:t> = </a:t>
+              <a:t> ligne 37, que j’attache a mon article grâce </a:t>
+            </a:r>
+            <a:r>
+              <a:rPr lang="fr-FR" sz="1600" dirty="0" smtClean="0"/>
+              <a:t>à un </a:t>
+            </a:r>
+            <a:r>
+              <a:rPr lang="fr-FR" sz="1600" dirty="0" smtClean="0"/>
+              <a:t> </a:t>
             </a:r>
             <a:r>
               <a:rPr lang="fr-FR" sz="1600" dirty="0" err="1" smtClean="0"/>
-              <a:t>document.createElement</a:t>
-            </a:r>
-            <a:r>
-              <a:rPr lang="fr-FR" sz="1600" dirty="0" smtClean="0"/>
-              <a:t>("a"); </a:t>
+              <a:t>appendchild</a:t>
+            </a:r>
+            <a:r>
+              <a:rPr lang="fr-FR" sz="1600" dirty="0" smtClean="0"/>
+              <a:t> </a:t>
+            </a:r>
+            <a:r>
+              <a:rPr lang="fr-FR" sz="1600" dirty="0" smtClean="0"/>
+              <a:t>ligne </a:t>
+            </a:r>
+            <a:r>
+              <a:rPr lang="fr-FR" sz="1600" dirty="0" smtClean="0"/>
+              <a:t>39</a:t>
+            </a:r>
+          </a:p>
+          <a:p>
+            <a:endParaRPr lang="fr-FR" sz="1600" i="1" dirty="0" smtClean="0"/>
+          </a:p>
+          <a:p>
+            <a:r>
+              <a:rPr lang="fr-FR" sz="1600" dirty="0" smtClean="0"/>
+              <a:t>Au quelle je lui est passer </a:t>
+            </a:r>
+            <a:r>
+              <a:rPr lang="fr-FR" sz="1600" dirty="0" smtClean="0"/>
+              <a:t>ligne 38 l’adresse de ma page produit avec l’id de mon item</a:t>
             </a:r>
             <a:endParaRPr lang="fr-FR" sz="1600" dirty="0" smtClean="0"/>
           </a:p>
           <a:p>
-            <a:endParaRPr lang="fr-FR" sz="1600" i="1" dirty="0" smtClean="0"/>
-          </a:p>
-          <a:p>
-            <a:r>
-              <a:rPr lang="fr-FR" sz="1600" i="1" dirty="0" smtClean="0"/>
-              <a:t>Au quelle je lui est passer </a:t>
-            </a:r>
-            <a:endParaRPr lang="fr-FR" sz="1600" dirty="0" smtClean="0"/>
-          </a:p>
-          <a:p>
-            <a:r>
-              <a:rPr lang="fr-FR" sz="1600" dirty="0" smtClean="0"/>
-              <a:t>  </a:t>
-            </a:r>
             <a:r>
               <a:rPr lang="fr-FR" sz="1600" dirty="0" err="1" smtClean="0"/>
-              <a:t>anchor.href</a:t>
-            </a:r>
-            <a:r>
-              <a:rPr lang="fr-FR" sz="1600" dirty="0" smtClean="0"/>
-              <a:t> = "./product.html?id=" + </a:t>
+              <a:t>link.href</a:t>
+            </a:r>
+            <a:r>
+              <a:rPr lang="fr-FR" sz="1600" dirty="0" smtClean="0"/>
+              <a:t> </a:t>
+            </a:r>
+            <a:r>
+              <a:rPr lang="fr-FR" sz="1600" dirty="0" smtClean="0"/>
+              <a:t>= "./product.html?id=" + </a:t>
             </a:r>
             <a:r>
               <a:rPr lang="fr-FR" sz="1600" i="1" dirty="0" err="1" smtClean="0"/>
-              <a:t>_id</a:t>
-            </a:r>
-            <a:r>
-              <a:rPr lang="fr-FR" sz="1600" dirty="0" smtClean="0"/>
-              <a:t>; </a:t>
+              <a:t>item</a:t>
+            </a:r>
+            <a:r>
+              <a:rPr lang="fr-FR" sz="1600" dirty="0" err="1" smtClean="0"/>
+              <a:t>._id</a:t>
+            </a:r>
+            <a:r>
+              <a:rPr lang="fr-FR" sz="1600" dirty="0" smtClean="0"/>
+              <a:t>;</a:t>
             </a:r>
           </a:p>
           <a:p>
@@ -6869,8 +7070,13 @@
           <a:p>
             <a:r>
               <a:rPr lang="fr-FR" sz="1600" dirty="0" smtClean="0"/>
-              <a:t>Pour récupérais se qu’il y a âpres le ? dans l'url</a:t>
-            </a:r>
+              <a:t>Pour récupérais se qu’il y a âpres le ? dans </a:t>
+            </a:r>
+            <a:r>
+              <a:rPr lang="fr-FR" sz="1600" dirty="0" smtClean="0"/>
+              <a:t>l'url ligne 2 j’utilise une</a:t>
+            </a:r>
+            <a:endParaRPr lang="fr-FR" sz="1600" dirty="0" smtClean="0"/>
           </a:p>
           <a:p>
             <a:r>
@@ -6904,7 +7110,11 @@
           <a:p>
             <a:r>
               <a:rPr lang="fr-FR" sz="1600" dirty="0" smtClean="0"/>
-              <a:t>Récupération des </a:t>
+              <a:t>Ensuite ligne 3 je récupère </a:t>
+            </a:r>
+            <a:r>
+              <a:rPr lang="fr-FR" sz="1600" dirty="0" smtClean="0"/>
+              <a:t>les </a:t>
             </a:r>
             <a:r>
               <a:rPr lang="fr-FR" sz="1600" dirty="0" err="1" smtClean="0"/>
@@ -6912,8 +7122,13 @@
             </a:r>
             <a:r>
               <a:rPr lang="fr-FR" sz="1600" dirty="0" smtClean="0"/>
-              <a:t> de l'url</a:t>
-            </a:r>
+              <a:t> </a:t>
+            </a:r>
+            <a:r>
+              <a:rPr lang="fr-FR" sz="1600" dirty="0" smtClean="0"/>
+              <a:t>de l'url </a:t>
+            </a:r>
+            <a:endParaRPr lang="fr-FR" sz="1600" dirty="0" smtClean="0"/>
           </a:p>
           <a:p>
             <a:r>
@@ -6948,15 +7163,30 @@
               <a:rPr lang="fr-FR" sz="1600" dirty="0" smtClean="0"/>
               <a:t>); </a:t>
             </a:r>
+          </a:p>
+          <a:p>
             <a:endParaRPr lang="fr-FR" sz="1600" dirty="0" smtClean="0"/>
           </a:p>
           <a:p>
-            <a:endParaRPr lang="fr-FR" sz="1600" dirty="0" smtClean="0"/>
-          </a:p>
-          <a:p>
-            <a:r>
-              <a:rPr lang="fr-FR" sz="1600" i="1" dirty="0" smtClean="0"/>
-              <a:t>Pour récupérer l'id</a:t>
+            <a:r>
+              <a:rPr lang="fr-FR" sz="1600" dirty="0" smtClean="0"/>
+              <a:t>Et </a:t>
+            </a:r>
+            <a:r>
+              <a:rPr lang="fr-FR" sz="1600" dirty="0" err="1" smtClean="0"/>
+              <a:t>enfain</a:t>
+            </a:r>
+            <a:r>
+              <a:rPr lang="fr-FR" sz="1600" dirty="0" smtClean="0"/>
+              <a:t> pour </a:t>
+            </a:r>
+            <a:r>
+              <a:rPr lang="fr-FR" sz="1600" dirty="0" smtClean="0"/>
+              <a:t>récupérer </a:t>
+            </a:r>
+            <a:r>
+              <a:rPr lang="fr-FR" sz="1600" dirty="0" smtClean="0"/>
+              <a:t>l'id ligne 4</a:t>
             </a:r>
             <a:endParaRPr lang="fr-FR" sz="1600" dirty="0" smtClean="0"/>
           </a:p>
@@ -6988,8 +7218,17 @@
             </a:r>
             <a:r>
               <a:rPr lang="fr-FR" sz="1600" dirty="0" smtClean="0"/>
-              <a:t> avec l'id récupérais de l'url se qui me permet d’accéder uniquement au produit sélectionné.</a:t>
-            </a:r>
+              <a:t> avec l'id récupérais de l'url se qui me permet d’accéder uniquement au produit </a:t>
+            </a:r>
+            <a:r>
+              <a:rPr lang="fr-FR" sz="1600" dirty="0" err="1" smtClean="0"/>
+              <a:t>sélectionné.ligne</a:t>
+            </a:r>
+            <a:r>
+              <a:rPr lang="fr-FR" sz="1600" dirty="0" smtClean="0"/>
+              <a:t> 7</a:t>
+            </a:r>
+            <a:endParaRPr lang="fr-FR" sz="1600" dirty="0" smtClean="0"/>
           </a:p>
           <a:p>
             <a:r>
@@ -7078,11 +7317,7 @@
           <a:p>
             <a:r>
               <a:rPr lang="fr-FR" sz="1600" dirty="0" smtClean="0"/>
-              <a:t>J’insère </a:t>
-            </a:r>
-            <a:r>
-              <a:rPr lang="fr-FR" sz="1600" dirty="0" smtClean="0"/>
-              <a:t>les produits dans ma page grâce a la fonction </a:t>
+              <a:t>J’insère les produits dans ma page grâce a la fonction </a:t>
             </a:r>
             <a:r>
               <a:rPr lang="fr-FR" sz="1600" dirty="0" err="1" smtClean="0"/>
@@ -7104,23 +7339,7 @@
           <a:p>
             <a:r>
               <a:rPr lang="fr-FR" sz="1600" dirty="0" smtClean="0"/>
-              <a:t>Ensuite pour </a:t>
-            </a:r>
-            <a:r>
-              <a:rPr lang="fr-FR" sz="1600" dirty="0" smtClean="0"/>
-              <a:t>crée </a:t>
-            </a:r>
-            <a:r>
-              <a:rPr lang="fr-FR" sz="1600" dirty="0" smtClean="0"/>
-              <a:t>les </a:t>
-            </a:r>
-            <a:r>
-              <a:rPr lang="fr-FR" sz="1600" dirty="0" smtClean="0"/>
-              <a:t>élément </a:t>
-            </a:r>
-            <a:r>
-              <a:rPr lang="fr-FR" sz="1600" dirty="0" smtClean="0"/>
-              <a:t>j’utilise des </a:t>
+              <a:t>Ensuite pour crée les élément j’utilise des </a:t>
             </a:r>
           </a:p>
           <a:p>
@@ -7137,23 +7356,7 @@
           <a:p>
             <a:r>
               <a:rPr lang="fr-FR" sz="1600" dirty="0" smtClean="0"/>
-              <a:t>Pour </a:t>
-            </a:r>
-            <a:r>
-              <a:rPr lang="fr-FR" sz="1600" dirty="0" smtClean="0"/>
-              <a:t>sélectionner </a:t>
-            </a:r>
-            <a:r>
-              <a:rPr lang="fr-FR" sz="1600" dirty="0" smtClean="0"/>
-              <a:t>des </a:t>
-            </a:r>
-            <a:r>
-              <a:rPr lang="fr-FR" sz="1600" dirty="0" smtClean="0"/>
-              <a:t>élément </a:t>
-            </a:r>
-            <a:r>
-              <a:rPr lang="fr-FR" sz="1600" dirty="0" smtClean="0"/>
-              <a:t>du dom j’utilise des </a:t>
+              <a:t>Pour sélectionner des élément du dom j’utilise des </a:t>
             </a:r>
             <a:r>
               <a:rPr lang="fr-FR" sz="1600" dirty="0" err="1" smtClean="0"/>
@@ -7181,15 +7384,7 @@
           <a:p>
             <a:r>
               <a:rPr lang="fr-FR" sz="1600" dirty="0" smtClean="0"/>
-              <a:t>Et </a:t>
-            </a:r>
-            <a:r>
-              <a:rPr lang="fr-FR" sz="1600" dirty="0" smtClean="0"/>
-              <a:t>enfin </a:t>
-            </a:r>
-            <a:r>
-              <a:rPr lang="fr-FR" sz="1600" dirty="0" smtClean="0"/>
-              <a:t>pour les placer dans mon dom je fait des </a:t>
+              <a:t>Et enfin pour les placer dans mon dom je fait des </a:t>
             </a:r>
             <a:r>
               <a:rPr lang="fr-FR" sz="1600" dirty="0" err="1" smtClean="0"/>
@@ -7198,6 +7393,34 @@
             <a:r>
               <a:rPr lang="fr-FR" sz="1600" dirty="0" smtClean="0"/>
               <a:t>.</a:t>
+            </a:r>
+          </a:p>
+          <a:p>
+            <a:r>
+              <a:rPr lang="fr-FR" sz="1600" dirty="0" smtClean="0"/>
+              <a:t>Ensuite pour récupérais les information qui m’</a:t>
+            </a:r>
+            <a:r>
+              <a:rPr lang="fr-FR" sz="1600" dirty="0" err="1" smtClean="0"/>
+              <a:t>interesse</a:t>
+            </a:r>
+            <a:r>
+              <a:rPr lang="fr-FR" sz="1600" dirty="0" smtClean="0"/>
+              <a:t> de mon produis je fait un item.(quel que chose) par exemple :</a:t>
+            </a:r>
+          </a:p>
+          <a:p>
+            <a:r>
+              <a:rPr lang="en-US" sz="1600" dirty="0" smtClean="0"/>
+              <a:t>fetch(`http://localhost:3000/api/products/${id}`)    .then((response) =&gt; </a:t>
+            </a:r>
+            <a:r>
+              <a:rPr lang="en-US" sz="1600" dirty="0" err="1" smtClean="0"/>
+              <a:t>response.json</a:t>
+            </a:r>
+            <a:r>
+              <a:rPr lang="en-US" sz="1600" dirty="0" smtClean="0"/>
+              <a:t>())    .then((item)     =&gt; console.log(item));</a:t>
             </a:r>
             <a:endParaRPr lang="fr-FR" sz="1600" dirty="0"/>
           </a:p>
@@ -7275,12 +7498,12 @@
               <a:t>Pour </a:t>
             </a:r>
             <a:r>
-              <a:rPr lang="fr-FR" sz="1600" dirty="0" err="1" smtClean="0"/>
-              <a:t>ajjouter</a:t>
-            </a:r>
-            <a:r>
-              <a:rPr lang="fr-FR" sz="1600" dirty="0" smtClean="0"/>
-              <a:t> des produits dans mon panier j’appelle ma </a:t>
+              <a:rPr lang="fr-FR" sz="1600" dirty="0" smtClean="0"/>
+              <a:t>ajouter </a:t>
+            </a:r>
+            <a:r>
+              <a:rPr lang="fr-FR" sz="1600" dirty="0" smtClean="0"/>
+              <a:t>des produits dans mon panier j’appelle ma </a:t>
             </a:r>
             <a:r>
               <a:rPr lang="fr-FR" sz="1600" dirty="0" err="1" smtClean="0"/>
@@ -7296,8 +7519,13 @@
             </a:r>
             <a:r>
               <a:rPr lang="fr-FR" sz="1600" dirty="0" smtClean="0"/>
-              <a:t> de ma page product.js</a:t>
-            </a:r>
+              <a:t> de ma page </a:t>
+            </a:r>
+            <a:r>
+              <a:rPr lang="fr-FR" sz="1600" dirty="0" smtClean="0"/>
+              <a:t>product.js a la ligne 50 a 52</a:t>
+            </a:r>
+            <a:endParaRPr lang="fr-FR" sz="1600" dirty="0" smtClean="0"/>
           </a:p>
           <a:p>
             <a:r>
@@ -7318,17 +7546,25 @@
             </a:r>
             <a:r>
               <a:rPr lang="fr-FR" sz="1600" dirty="0" smtClean="0"/>
-              <a:t> a a quelle je rattache toute les info importante </a:t>
-            </a:r>
-          </a:p>
-          <a:p>
-            <a:r>
-              <a:rPr lang="fr-FR" sz="1600" dirty="0" smtClean="0"/>
               <a:t> </a:t>
             </a:r>
             <a:r>
               <a:rPr lang="fr-FR" sz="1600" dirty="0" smtClean="0"/>
-              <a:t>ensuite je teste si mon produit est déjà dans mon </a:t>
+              <a:t>à</a:t>
+            </a:r>
+            <a:r>
+              <a:rPr lang="fr-FR" sz="1600" dirty="0" smtClean="0"/>
+              <a:t> la </a:t>
+            </a:r>
+            <a:r>
+              <a:rPr lang="fr-FR" sz="1600" dirty="0" smtClean="0"/>
+              <a:t>quelle je rattache toute les info importante </a:t>
+            </a:r>
+          </a:p>
+          <a:p>
+            <a:r>
+              <a:rPr lang="fr-FR" sz="1600" dirty="0" smtClean="0"/>
+              <a:t> ensuite je teste si mon produit est déjà dans mon </a:t>
             </a:r>
             <a:r>
               <a:rPr lang="fr-FR" sz="1600" dirty="0" err="1" smtClean="0"/>
@@ -7350,7 +7586,15 @@
             </a:r>
             <a:r>
               <a:rPr lang="fr-FR" sz="1600" dirty="0" smtClean="0"/>
-              <a:t> je l’additionne a la valeur précédente sinon je le push dans le </a:t>
+              <a:t> je l’additionne </a:t>
+            </a:r>
+            <a:r>
+              <a:rPr lang="fr-FR" sz="1600" dirty="0" smtClean="0"/>
+              <a:t>à </a:t>
+            </a:r>
+            <a:r>
+              <a:rPr lang="fr-FR" sz="1600" dirty="0" smtClean="0"/>
+              <a:t>la valeur précédente sinon je le push dans le </a:t>
             </a:r>
             <a:r>
               <a:rPr lang="fr-FR" sz="1600" dirty="0" err="1" smtClean="0"/>
@@ -7372,23 +7616,9 @@
               <a:rPr lang="fr-FR" sz="1600" dirty="0" err="1" smtClean="0"/>
               <a:t>saveCart</a:t>
             </a:r>
-            <a:endParaRPr lang="fr-FR" sz="1600" dirty="0" smtClean="0"/>
-          </a:p>
-          <a:p>
-            <a:pPr>
-              <a:buNone/>
-            </a:pPr>
-            <a:r>
-              <a:rPr lang="fr-FR" sz="1600" dirty="0" smtClean="0"/>
-              <a:t>	Qui sert à </a:t>
-            </a:r>
-            <a:r>
-              <a:rPr lang="fr-FR" sz="1600" dirty="0" err="1" smtClean="0"/>
-              <a:t>save</a:t>
-            </a:r>
-            <a:r>
-              <a:rPr lang="fr-FR" sz="1600" dirty="0" smtClean="0"/>
-              <a:t> mon </a:t>
+            <a:r>
+              <a:rPr lang="fr-FR" sz="1600" dirty="0" smtClean="0"/>
+              <a:t> si il ni est pas je push le produit ans mon </a:t>
             </a:r>
             <a:r>
               <a:rPr lang="fr-FR" sz="1600" dirty="0" err="1" smtClean="0"/>
@@ -7396,11 +7626,31 @@
             </a:r>
             <a:r>
               <a:rPr lang="fr-FR" sz="1600" dirty="0" smtClean="0"/>
-              <a:t> en .</a:t>
+              <a:t> et je </a:t>
+            </a:r>
+            <a:r>
+              <a:rPr lang="fr-FR" sz="1600" dirty="0" smtClean="0"/>
+              <a:t>f</a:t>
+            </a:r>
+            <a:r>
+              <a:rPr lang="fr-FR" sz="1600" dirty="0" smtClean="0"/>
+              <a:t>ait appelle a </a:t>
+            </a:r>
+            <a:r>
+              <a:rPr lang="fr-FR" sz="1600" dirty="0" smtClean="0"/>
+              <a:t>cette </a:t>
+            </a:r>
+            <a:r>
+              <a:rPr lang="fr-FR" sz="1600" dirty="0" smtClean="0"/>
+              <a:t>a </a:t>
             </a:r>
             <a:r>
               <a:rPr lang="fr-FR" sz="1600" dirty="0" err="1" smtClean="0"/>
-              <a:t>json</a:t>
+              <a:t>saveCart</a:t>
+            </a:r>
+            <a:r>
+              <a:rPr lang="fr-FR" sz="1600" dirty="0" smtClean="0"/>
+              <a:t> </a:t>
             </a:r>
             <a:r>
               <a:rPr lang="fr-FR" sz="1600" dirty="0" smtClean="0"/>
@@ -7412,6 +7662,77 @@
             <a:endParaRPr lang="fr-FR" sz="1600" dirty="0" smtClean="0"/>
           </a:p>
           <a:p>
+            <a:r>
+              <a:rPr lang="fr-FR" sz="1800" dirty="0" smtClean="0"/>
+              <a:t>Qui sert à </a:t>
+            </a:r>
+            <a:r>
+              <a:rPr lang="fr-FR" sz="1800" dirty="0" err="1" smtClean="0"/>
+              <a:t>save</a:t>
+            </a:r>
+            <a:r>
+              <a:rPr lang="fr-FR" sz="1800" dirty="0" smtClean="0"/>
+              <a:t> mon </a:t>
+            </a:r>
+            <a:r>
+              <a:rPr lang="fr-FR" sz="1800" dirty="0" err="1" smtClean="0"/>
+              <a:t>cart</a:t>
+            </a:r>
+            <a:r>
+              <a:rPr lang="fr-FR" sz="1800" dirty="0" smtClean="0"/>
+              <a:t> en .</a:t>
+            </a:r>
+            <a:r>
+              <a:rPr lang="fr-FR" sz="1800" dirty="0" err="1" smtClean="0"/>
+              <a:t>json</a:t>
+            </a:r>
+            <a:r>
+              <a:rPr lang="fr-FR" sz="1800" dirty="0" smtClean="0"/>
+              <a:t> ligne 110</a:t>
+            </a:r>
+            <a:endParaRPr lang="fr-FR" sz="1800" dirty="0" smtClean="0"/>
+          </a:p>
+          <a:p>
+            <a:r>
+              <a:rPr lang="fr-FR" sz="1800" dirty="0" smtClean="0"/>
+              <a:t>Demande si nous avons finit les achats si oui nous somme </a:t>
+            </a:r>
+            <a:r>
+              <a:rPr lang="fr-FR" sz="1800" dirty="0" err="1" smtClean="0"/>
+              <a:t>rdiriger</a:t>
+            </a:r>
+            <a:r>
+              <a:rPr lang="fr-FR" sz="1800" dirty="0" smtClean="0"/>
+              <a:t> vers le panier </a:t>
+            </a:r>
+            <a:r>
+              <a:rPr lang="fr-FR" sz="1800" dirty="0" err="1" smtClean="0"/>
+              <a:t>grace</a:t>
+            </a:r>
+            <a:r>
+              <a:rPr lang="fr-FR" sz="1800" dirty="0" smtClean="0"/>
+              <a:t> a la </a:t>
+            </a:r>
+            <a:r>
+              <a:rPr lang="fr-FR" sz="1800" dirty="0" err="1" smtClean="0"/>
+              <a:t>function</a:t>
+            </a:r>
+            <a:r>
+              <a:rPr lang="fr-FR" sz="1800" dirty="0" smtClean="0"/>
+              <a:t> </a:t>
+            </a:r>
+            <a:r>
+              <a:rPr lang="fr-FR" sz="1800" dirty="0" err="1" smtClean="0"/>
+              <a:t>redirect</a:t>
+            </a:r>
+            <a:r>
+              <a:rPr lang="fr-FR" sz="1800" dirty="0" err="1" smtClean="0"/>
+              <a:t>ToCart</a:t>
+            </a:r>
+            <a:r>
+              <a:rPr lang="fr-FR" sz="1800" dirty="0" smtClean="0"/>
+              <a:t> ligne 126</a:t>
+            </a:r>
             <a:endParaRPr lang="fr-FR" sz="1800" dirty="0"/>
           </a:p>
         </p:txBody>

--- a/Nouveau Présentation Microsoft Office PowerPoint.pptx
+++ b/Nouveau Présentation Microsoft Office PowerPoint.pptx
@@ -5144,39 +5144,8 @@
                 <a:ea typeface="+mn-ea"/>
                 <a:cs typeface="+mn-cs"/>
               </a:rPr>
-              <a:t>Gwenaël </a:t>
-            </a:r>
-            <a:r>
-              <a:rPr kumimoji="0" lang="fr-FR" sz="2700" b="0" i="0" u="none" strike="noStrike" kern="1200" cap="none" spc="0" normalizeH="0" baseline="0" noProof="0" dirty="0" smtClean="0">
-                <a:ln>
-                  <a:noFill/>
-                </a:ln>
-                <a:solidFill>
-                  <a:schemeClr val="tx2"/>
-                </a:solidFill>
-                <a:effectLst/>
-                <a:uLnTx/>
-                <a:uFillTx/>
-                <a:latin typeface="+mn-lt"/>
-                <a:ea typeface="+mn-ea"/>
-                <a:cs typeface="+mn-cs"/>
-              </a:rPr>
-              <a:t>GRESSIER</a:t>
-            </a:r>
-            <a:endParaRPr kumimoji="0" lang="fr-FR" sz="2700" b="0" i="0" u="none" strike="noStrike" kern="1200" cap="none" spc="0" normalizeH="0" baseline="0" noProof="0" dirty="0" smtClean="0">
-              <a:ln>
-                <a:noFill/>
-              </a:ln>
-              <a:solidFill>
-                <a:schemeClr val="tx2"/>
-              </a:solidFill>
-              <a:effectLst/>
-              <a:uLnTx/>
-              <a:uFillTx/>
-              <a:latin typeface="+mn-lt"/>
-              <a:ea typeface="+mn-ea"/>
-              <a:cs typeface="+mn-cs"/>
-            </a:endParaRPr>
+              <a:t>Gwenaël GRESSIER</a:t>
+            </a:r>
           </a:p>
           <a:p>
             <a:pPr marL="0" marR="64008" lvl="0" indent="0" algn="r" defTabSz="914400" rtl="0" eaLnBrk="1" fontAlgn="auto" latinLnBrk="0" hangingPunct="1">
@@ -5331,12 +5300,12 @@
           </a:p>
           <a:p>
             <a:r>
-              <a:rPr lang="fr-FR" sz="1600" dirty="0" err="1" smtClean="0"/>
-              <a:t>pourtout</a:t>
-            </a:r>
-            <a:r>
-              <a:rPr lang="fr-FR" sz="1600" dirty="0" smtClean="0"/>
-              <a:t> les items dans mon </a:t>
+              <a:rPr lang="fr-FR" sz="1600" dirty="0" smtClean="0"/>
+              <a:t>Pour tout </a:t>
+            </a:r>
+            <a:r>
+              <a:rPr lang="fr-FR" sz="1600" dirty="0" smtClean="0"/>
+              <a:t>les items dans mon </a:t>
             </a:r>
             <a:r>
               <a:rPr lang="fr-FR" sz="1600" dirty="0" err="1" smtClean="0"/>
@@ -5370,39 +5339,14 @@
               <a:rPr lang="fr-FR" sz="1600" dirty="0" smtClean="0"/>
               <a:t> </a:t>
             </a:r>
+          </a:p>
+          <a:p>
             <a:endParaRPr lang="fr-FR" sz="1600" dirty="0" smtClean="0"/>
           </a:p>
           <a:p>
-            <a:endParaRPr lang="fr-FR" sz="1600" dirty="0" smtClean="0"/>
-          </a:p>
-          <a:p>
-            <a:r>
-              <a:rPr lang="fr-FR" sz="1600" dirty="0" smtClean="0"/>
-              <a:t>Pour </a:t>
-            </a:r>
-            <a:r>
-              <a:rPr lang="fr-FR" sz="1600" dirty="0" smtClean="0"/>
-              <a:t>afficher un tableau </a:t>
-            </a:r>
-            <a:r>
-              <a:rPr lang="fr-FR" sz="1600" dirty="0" smtClean="0"/>
-              <a:t>récapitulatif </a:t>
-            </a:r>
-            <a:r>
-              <a:rPr lang="fr-FR" sz="1600" dirty="0" smtClean="0"/>
-              <a:t>des achat dans la page panier </a:t>
-            </a:r>
-            <a:r>
-              <a:rPr lang="fr-FR" sz="1600" dirty="0" smtClean="0"/>
-              <a:t>je </a:t>
-            </a:r>
-            <a:r>
-              <a:rPr lang="fr-FR" sz="1600" dirty="0" smtClean="0"/>
-              <a:t>vais utiliser la </a:t>
-            </a:r>
-            <a:r>
-              <a:rPr lang="fr-FR" sz="1600" dirty="0" smtClean="0"/>
-              <a:t>méthode </a:t>
+            <a:r>
+              <a:rPr lang="fr-FR" sz="1600" dirty="0" smtClean="0"/>
+              <a:t>Pour afficher un tableau récapitulatif des achat dans la page panier je vais utiliser la méthode </a:t>
             </a:r>
             <a:r>
               <a:rPr lang="fr-FR" sz="1600" dirty="0" err="1" smtClean="0"/>
@@ -5607,7 +5551,6 @@
               <a:rPr lang="fr-FR" dirty="0" smtClean="0"/>
               <a:t>}`; ligne 188</a:t>
             </a:r>
-            <a:endParaRPr lang="fr-FR" dirty="0" smtClean="0"/>
           </a:p>
           <a:p>
             <a:endParaRPr lang="fr-FR" dirty="0" smtClean="0"/>
@@ -6024,7 +5967,6 @@
               <a:rPr lang="fr-FR" sz="1600" dirty="0" smtClean="0"/>
               <a:t> des produit commander </a:t>
             </a:r>
-            <a:endParaRPr lang="fr-FR" sz="1600" dirty="0" smtClean="0"/>
           </a:p>
           <a:p>
             <a:pPr>
@@ -6035,11 +5977,7 @@
           <a:p>
             <a:r>
               <a:rPr lang="fr-FR" sz="1600" dirty="0" smtClean="0"/>
-              <a:t>Puis </a:t>
-            </a:r>
-            <a:r>
-              <a:rPr lang="fr-FR" sz="1600" dirty="0" smtClean="0"/>
-              <a:t>je fait un POST a mon api </a:t>
+              <a:t>Puis je fait un POST a mon api </a:t>
             </a:r>
             <a:r>
               <a:rPr lang="fr-FR" sz="1600" dirty="0" err="1" smtClean="0"/>
@@ -6065,7 +6003,6 @@
               <a:rPr lang="fr-FR" sz="1600" dirty="0" smtClean="0"/>
               <a:t> 220 </a:t>
             </a:r>
-            <a:endParaRPr lang="fr-FR" sz="1600" dirty="0" smtClean="0"/>
           </a:p>
           <a:p>
             <a:endParaRPr lang="fr-FR" dirty="0"/>
@@ -6494,23 +6431,7 @@
           <a:p>
             <a:r>
               <a:rPr lang="fr-FR" sz="1600" dirty="0" smtClean="0"/>
-              <a:t>Pour se faire j’ai enlever les </a:t>
-            </a:r>
-            <a:r>
-              <a:rPr lang="fr-FR" sz="1600" dirty="0" smtClean="0"/>
-              <a:t>partie de code </a:t>
-            </a:r>
-            <a:r>
-              <a:rPr lang="fr-FR" sz="1600" dirty="0" smtClean="0"/>
-              <a:t>commenter du </a:t>
-            </a:r>
-            <a:r>
-              <a:rPr lang="fr-FR" sz="1600" dirty="0" smtClean="0"/>
-              <a:t>site sur chacune des page ou ses dernière étais présente </a:t>
-            </a:r>
-            <a:r>
-              <a:rPr lang="fr-FR" sz="1600" dirty="0" smtClean="0"/>
-              <a:t>pour voire à quoi devais ressembler le site une fois finit.</a:t>
+              <a:t>Pour se faire j’ai enlever les partie de code commenter du site sur chacune des page ou ses dernière étais présente pour voire à quoi devais ressembler le site une fois finit.</a:t>
             </a:r>
             <a:endParaRPr lang="fr-FR" sz="1600" dirty="0"/>
           </a:p>
@@ -6585,11 +6506,15 @@
           <a:p>
             <a:r>
               <a:rPr lang="fr-FR" sz="1600" dirty="0" smtClean="0"/>
-              <a:t>Ensuite en ayant prise connaissance </a:t>
-            </a:r>
-            <a:r>
-              <a:rPr lang="fr-FR" sz="1600" dirty="0" smtClean="0"/>
-              <a:t>des spécification fonctionnelle j’ai décider la méthode </a:t>
+              <a:t>Ensuite en ayant prise connaissance des spécification fonctionnelle j’ai </a:t>
+            </a:r>
+            <a:r>
+              <a:rPr lang="fr-FR" sz="1600" dirty="0" smtClean="0"/>
+              <a:t>décider  d’utiliser </a:t>
+            </a:r>
+            <a:r>
+              <a:rPr lang="fr-FR" sz="1600" dirty="0" smtClean="0"/>
+              <a:t>la méthode </a:t>
             </a:r>
             <a:r>
               <a:rPr lang="fr-FR" sz="1600" dirty="0" err="1" smtClean="0"/>
@@ -6599,7 +6524,6 @@
               <a:rPr lang="fr-FR" sz="1600" dirty="0" smtClean="0"/>
               <a:t> sur l’adresse suivante pour récupérais toute les information relative a mes canapé </a:t>
             </a:r>
-            <a:endParaRPr lang="fr-FR" sz="1600" dirty="0" smtClean="0"/>
           </a:p>
           <a:p>
             <a:r>
@@ -6623,13 +6547,8 @@
           <a:p>
             <a:r>
               <a:rPr lang="fr-FR" sz="1600" dirty="0" smtClean="0"/>
-              <a:t>Nous pouvon</a:t>
-            </a:r>
-            <a:r>
-              <a:rPr lang="fr-FR" sz="1600" dirty="0" smtClean="0"/>
-              <a:t>s voire un exemple à la ligne 1 à 10 de mon script.js</a:t>
-            </a:r>
-            <a:endParaRPr lang="fr-FR" sz="1600" dirty="0" smtClean="0"/>
+              <a:t>Nous pouvons voire un exemple à la ligne 1 à 10 de mon script.js</a:t>
+            </a:r>
           </a:p>
         </p:txBody>
       </p:sp>
@@ -6726,7 +6645,6 @@
               <a:rPr lang="fr-FR" sz="1600" dirty="0" smtClean="0"/>
               <a:t> </a:t>
             </a:r>
-            <a:endParaRPr lang="fr-FR" sz="1600" dirty="0" smtClean="0"/>
           </a:p>
           <a:p>
             <a:r>
@@ -6745,15 +6663,7 @@
           <a:p>
             <a:r>
               <a:rPr lang="fr-FR" sz="1600" dirty="0" smtClean="0"/>
-              <a:t>Ma </a:t>
-            </a:r>
-            <a:r>
-              <a:rPr lang="fr-FR" sz="1600" dirty="0" smtClean="0"/>
-              <a:t>b</a:t>
-            </a:r>
-            <a:r>
-              <a:rPr lang="fr-FR" sz="1600" dirty="0" smtClean="0"/>
-              <a:t>oucle </a:t>
+              <a:t>Ma boucle </a:t>
             </a:r>
             <a:r>
               <a:rPr lang="fr-FR" sz="1600" dirty="0" err="1" smtClean="0"/>
@@ -6803,7 +6713,6 @@
               <a:rPr lang="fr-FR" sz="1600" dirty="0" smtClean="0"/>
               <a:t> chaque l’objet en question </a:t>
             </a:r>
-            <a:endParaRPr lang="fr-FR" sz="1600" dirty="0" smtClean="0"/>
           </a:p>
           <a:p>
             <a:endParaRPr lang="fr-FR" sz="1600" dirty="0" smtClean="0"/>
@@ -6813,7 +6722,6 @@
               <a:rPr lang="fr-FR" sz="1700" dirty="0" smtClean="0"/>
               <a:t>Cette dernier fonction me permet la manipulation de mon dom</a:t>
             </a:r>
-            <a:endParaRPr lang="fr-FR" sz="1700" dirty="0" smtClean="0"/>
           </a:p>
         </p:txBody>
       </p:sp>
@@ -6886,11 +6794,7 @@
           <a:p>
             <a:r>
               <a:rPr lang="fr-FR" sz="1600" dirty="0" smtClean="0"/>
-              <a:t>Pour faire le lien j’ai crée </a:t>
-            </a:r>
-            <a:r>
-              <a:rPr lang="fr-FR" sz="1600" dirty="0" smtClean="0"/>
-              <a:t>une </a:t>
+              <a:t>Pour faire le lien j’ai crée une </a:t>
             </a:r>
             <a:r>
               <a:rPr lang="fr-FR" sz="1600" dirty="0" err="1" smtClean="0"/>
@@ -6898,15 +6802,7 @@
             </a:r>
             <a:r>
               <a:rPr lang="fr-FR" sz="1600" dirty="0" smtClean="0"/>
-              <a:t> ligne 37, que j’attache a mon article grâce </a:t>
-            </a:r>
-            <a:r>
-              <a:rPr lang="fr-FR" sz="1600" dirty="0" smtClean="0"/>
-              <a:t>à un </a:t>
-            </a:r>
-            <a:r>
-              <a:rPr lang="fr-FR" sz="1600" dirty="0" smtClean="0"/>
-              <a:t> </a:t>
+              <a:t> ligne 37, que j’attache a mon article grâce à un  </a:t>
             </a:r>
             <a:r>
               <a:rPr lang="fr-FR" sz="1600" dirty="0" err="1" smtClean="0"/>
@@ -6914,15 +6810,7 @@
             </a:r>
             <a:r>
               <a:rPr lang="fr-FR" sz="1600" dirty="0" smtClean="0"/>
-              <a:t> </a:t>
-            </a:r>
-            <a:r>
-              <a:rPr lang="fr-FR" sz="1600" dirty="0" smtClean="0"/>
-              <a:t>ligne </a:t>
-            </a:r>
-            <a:r>
-              <a:rPr lang="fr-FR" sz="1600" dirty="0" smtClean="0"/>
-              <a:t>39</a:t>
+              <a:t> ligne 39</a:t>
             </a:r>
           </a:p>
           <a:p>
@@ -6931,13 +6819,8 @@
           <a:p>
             <a:r>
               <a:rPr lang="fr-FR" sz="1600" dirty="0" smtClean="0"/>
-              <a:t>Au quelle je lui est passer </a:t>
-            </a:r>
-            <a:r>
-              <a:rPr lang="fr-FR" sz="1600" dirty="0" smtClean="0"/>
-              <a:t>ligne 38 l’adresse de ma page produit avec l’id de mon item</a:t>
-            </a:r>
-            <a:endParaRPr lang="fr-FR" sz="1600" dirty="0" smtClean="0"/>
+              <a:t>Au quelle je lui est passer ligne 38 l’adresse de ma page produit avec l’id de mon item</a:t>
+            </a:r>
           </a:p>
           <a:p>
             <a:r>
@@ -6946,11 +6829,7 @@
             </a:r>
             <a:r>
               <a:rPr lang="fr-FR" sz="1600" dirty="0" smtClean="0"/>
-              <a:t> </a:t>
-            </a:r>
-            <a:r>
-              <a:rPr lang="fr-FR" sz="1600" dirty="0" smtClean="0"/>
-              <a:t>= "./product.html?id=" + </a:t>
+              <a:t> = "./product.html?id=" + </a:t>
             </a:r>
             <a:r>
               <a:rPr lang="fr-FR" sz="1600" i="1" dirty="0" err="1" smtClean="0"/>
@@ -7070,13 +6949,8 @@
           <a:p>
             <a:r>
               <a:rPr lang="fr-FR" sz="1600" dirty="0" smtClean="0"/>
-              <a:t>Pour récupérais se qu’il y a âpres le ? dans </a:t>
-            </a:r>
-            <a:r>
-              <a:rPr lang="fr-FR" sz="1600" dirty="0" smtClean="0"/>
-              <a:t>l'url ligne 2 j’utilise une</a:t>
-            </a:r>
-            <a:endParaRPr lang="fr-FR" sz="1600" dirty="0" smtClean="0"/>
+              <a:t>Pour récupérais se qu’il y a âpres le ? dans l'url ligne 2 j’utilise une</a:t>
+            </a:r>
           </a:p>
           <a:p>
             <a:r>
@@ -7110,11 +6984,7 @@
           <a:p>
             <a:r>
               <a:rPr lang="fr-FR" sz="1600" dirty="0" smtClean="0"/>
-              <a:t>Ensuite ligne 3 je récupère </a:t>
-            </a:r>
-            <a:r>
-              <a:rPr lang="fr-FR" sz="1600" dirty="0" smtClean="0"/>
-              <a:t>les </a:t>
+              <a:t>Ensuite ligne 3 je récupère les </a:t>
             </a:r>
             <a:r>
               <a:rPr lang="fr-FR" sz="1600" dirty="0" err="1" smtClean="0"/>
@@ -7122,13 +6992,8 @@
             </a:r>
             <a:r>
               <a:rPr lang="fr-FR" sz="1600" dirty="0" smtClean="0"/>
-              <a:t> </a:t>
-            </a:r>
-            <a:r>
-              <a:rPr lang="fr-FR" sz="1600" dirty="0" smtClean="0"/>
-              <a:t>de l'url </a:t>
-            </a:r>
-            <a:endParaRPr lang="fr-FR" sz="1600" dirty="0" smtClean="0"/>
+              <a:t> de l'url </a:t>
+            </a:r>
           </a:p>
           <a:p>
             <a:r>
@@ -7178,17 +7043,8 @@
             </a:r>
             <a:r>
               <a:rPr lang="fr-FR" sz="1600" dirty="0" smtClean="0"/>
-              <a:t> pour </a:t>
-            </a:r>
-            <a:r>
-              <a:rPr lang="fr-FR" sz="1600" dirty="0" smtClean="0"/>
-              <a:t>récupérer </a:t>
-            </a:r>
-            <a:r>
-              <a:rPr lang="fr-FR" sz="1600" dirty="0" smtClean="0"/>
-              <a:t>l'id ligne 4</a:t>
-            </a:r>
-            <a:endParaRPr lang="fr-FR" sz="1600" dirty="0" smtClean="0"/>
+              <a:t> pour récupérer l'id ligne 4</a:t>
+            </a:r>
           </a:p>
           <a:p>
             <a:r>
@@ -7208,42 +7064,6 @@
             <a:br>
               <a:rPr lang="fr-FR" sz="1600" dirty="0" smtClean="0"/>
             </a:br>
-            <a:r>
-              <a:rPr lang="fr-FR" sz="1600" dirty="0" smtClean="0"/>
-              <a:t>et je fait un </a:t>
-            </a:r>
-            <a:r>
-              <a:rPr lang="fr-FR" sz="1600" dirty="0" err="1" smtClean="0"/>
-              <a:t>fetch</a:t>
-            </a:r>
-            <a:r>
-              <a:rPr lang="fr-FR" sz="1600" dirty="0" smtClean="0"/>
-              <a:t> avec l'id récupérais de l'url se qui me permet d’accéder uniquement au produit </a:t>
-            </a:r>
-            <a:r>
-              <a:rPr lang="fr-FR" sz="1600" dirty="0" err="1" smtClean="0"/>
-              <a:t>sélectionné.ligne</a:t>
-            </a:r>
-            <a:r>
-              <a:rPr lang="fr-FR" sz="1600" dirty="0" smtClean="0"/>
-              <a:t> 7</a:t>
-            </a:r>
-            <a:endParaRPr lang="fr-FR" sz="1600" dirty="0" smtClean="0"/>
-          </a:p>
-          <a:p>
-            <a:r>
-              <a:rPr lang="fr-FR" sz="1600" dirty="0" err="1" smtClean="0"/>
-              <a:t>fetch</a:t>
-            </a:r>
-            <a:r>
-              <a:rPr lang="fr-FR" sz="1600" dirty="0" smtClean="0"/>
-              <a:t>(`http://localhost:3000/api/products/${id}`)</a:t>
-            </a:r>
-          </a:p>
-          <a:p>
-            <a:pPr>
-              <a:buNone/>
-            </a:pPr>
             <a:endParaRPr lang="fr-FR" dirty="0"/>
           </a:p>
         </p:txBody>
@@ -7317,7 +7137,52 @@
           <a:p>
             <a:r>
               <a:rPr lang="fr-FR" sz="1600" dirty="0" smtClean="0"/>
-              <a:t>J’insère les produits dans ma page grâce a la fonction </a:t>
+              <a:t>J’insère les produits dans ma page grâce a </a:t>
+            </a:r>
+            <a:r>
+              <a:rPr lang="fr-FR" sz="1600" dirty="0" smtClean="0"/>
+              <a:t>un </a:t>
+            </a:r>
+            <a:r>
+              <a:rPr lang="fr-FR" sz="1600" dirty="0" err="1" smtClean="0"/>
+              <a:t>fetch</a:t>
+            </a:r>
+            <a:r>
+              <a:rPr lang="fr-FR" sz="1600" dirty="0" smtClean="0"/>
+              <a:t> avec l'id récupérais de l'url se qui me permet d’accéder uniquement au produit </a:t>
+            </a:r>
+            <a:r>
+              <a:rPr lang="fr-FR" sz="1600" dirty="0" err="1" smtClean="0"/>
+              <a:t>sélectionné.ligne</a:t>
+            </a:r>
+            <a:r>
+              <a:rPr lang="fr-FR" sz="1600" dirty="0" smtClean="0"/>
+              <a:t> </a:t>
+            </a:r>
+            <a:r>
+              <a:rPr lang="fr-FR" sz="1600" dirty="0" smtClean="0"/>
+              <a:t>7</a:t>
+            </a:r>
+          </a:p>
+          <a:p>
+            <a:endParaRPr lang="fr-FR" sz="1600" dirty="0" smtClean="0"/>
+          </a:p>
+          <a:p>
+            <a:r>
+              <a:rPr lang="fr-FR" sz="1600" dirty="0" smtClean="0"/>
+              <a:t>Ce dernier </a:t>
+            </a:r>
+            <a:r>
+              <a:rPr lang="fr-FR" sz="1600" dirty="0" err="1" smtClean="0"/>
+              <a:t>apelle</a:t>
+            </a:r>
+            <a:r>
+              <a:rPr lang="fr-FR" sz="1600" dirty="0" smtClean="0"/>
+              <a:t> ma  </a:t>
+            </a:r>
+            <a:r>
+              <a:rPr lang="fr-FR" sz="1600" dirty="0" smtClean="0"/>
+              <a:t>fonction </a:t>
             </a:r>
             <a:r>
               <a:rPr lang="fr-FR" sz="1600" dirty="0" err="1" smtClean="0"/>
@@ -7495,15 +7360,7 @@
           <a:p>
             <a:r>
               <a:rPr lang="fr-FR" sz="1600" dirty="0" smtClean="0"/>
-              <a:t>Pour </a:t>
-            </a:r>
-            <a:r>
-              <a:rPr lang="fr-FR" sz="1600" dirty="0" smtClean="0"/>
-              <a:t>ajouter </a:t>
-            </a:r>
-            <a:r>
-              <a:rPr lang="fr-FR" sz="1600" dirty="0" smtClean="0"/>
-              <a:t>des produits dans mon panier j’appelle ma </a:t>
+              <a:t>Pour ajouter des produits dans mon panier j’appelle ma </a:t>
             </a:r>
             <a:r>
               <a:rPr lang="fr-FR" sz="1600" dirty="0" err="1" smtClean="0"/>
@@ -7519,13 +7376,8 @@
             </a:r>
             <a:r>
               <a:rPr lang="fr-FR" sz="1600" dirty="0" smtClean="0"/>
-              <a:t> de ma page </a:t>
-            </a:r>
-            <a:r>
-              <a:rPr lang="fr-FR" sz="1600" dirty="0" smtClean="0"/>
-              <a:t>product.js a la ligne 50 a 52</a:t>
-            </a:r>
-            <a:endParaRPr lang="fr-FR" sz="1600" dirty="0" smtClean="0"/>
+              <a:t> de ma page product.js a la ligne 50 a 52</a:t>
+            </a:r>
           </a:p>
           <a:p>
             <a:r>
@@ -7546,19 +7398,7 @@
             </a:r>
             <a:r>
               <a:rPr lang="fr-FR" sz="1600" dirty="0" smtClean="0"/>
-              <a:t> </a:t>
-            </a:r>
-            <a:r>
-              <a:rPr lang="fr-FR" sz="1600" dirty="0" smtClean="0"/>
-              <a:t>à</a:t>
-            </a:r>
-            <a:r>
-              <a:rPr lang="fr-FR" sz="1600" dirty="0" smtClean="0"/>
-              <a:t> la </a:t>
-            </a:r>
-            <a:r>
-              <a:rPr lang="fr-FR" sz="1600" dirty="0" smtClean="0"/>
-              <a:t>quelle je rattache toute les info importante </a:t>
+              <a:t> à la quelle je rattache toute les info importante </a:t>
             </a:r>
           </a:p>
           <a:p>
@@ -7586,15 +7426,39 @@
             </a:r>
             <a:r>
               <a:rPr lang="fr-FR" sz="1600" dirty="0" smtClean="0"/>
-              <a:t> je l’additionne </a:t>
-            </a:r>
-            <a:r>
-              <a:rPr lang="fr-FR" sz="1600" dirty="0" smtClean="0"/>
-              <a:t>à </a:t>
-            </a:r>
-            <a:r>
-              <a:rPr lang="fr-FR" sz="1600" dirty="0" smtClean="0"/>
-              <a:t>la valeur précédente sinon je le push dans le </a:t>
+              <a:t> je l’additionne à la valeur précédente </a:t>
+            </a:r>
+            <a:r>
+              <a:rPr lang="fr-FR" sz="1600" dirty="0" smtClean="0"/>
+              <a:t>et </a:t>
+            </a:r>
+            <a:r>
+              <a:rPr lang="fr-FR" sz="1600" dirty="0" smtClean="0"/>
+              <a:t>je fait appelle a ma </a:t>
+            </a:r>
+            <a:r>
+              <a:rPr lang="fr-FR" sz="1600" dirty="0" err="1" smtClean="0"/>
+              <a:t>function</a:t>
+            </a:r>
+            <a:r>
+              <a:rPr lang="fr-FR" sz="1600" dirty="0" smtClean="0"/>
+              <a:t> </a:t>
+            </a:r>
+            <a:r>
+              <a:rPr lang="fr-FR" sz="1600" dirty="0" err="1" smtClean="0"/>
+              <a:t>saveCart</a:t>
+            </a:r>
+            <a:r>
+              <a:rPr lang="fr-FR" sz="1600" dirty="0" smtClean="0"/>
+              <a:t> si il ni est pas je push le produit </a:t>
+            </a:r>
+            <a:r>
+              <a:rPr lang="fr-FR" sz="1600" dirty="0" smtClean="0"/>
+              <a:t>dans </a:t>
+            </a:r>
+            <a:r>
+              <a:rPr lang="fr-FR" sz="1600" dirty="0" smtClean="0"/>
+              <a:t>mon </a:t>
             </a:r>
             <a:r>
               <a:rPr lang="fr-FR" sz="1600" dirty="0" err="1" smtClean="0"/>
@@ -7602,15 +7466,7 @@
             </a:r>
             <a:r>
               <a:rPr lang="fr-FR" sz="1600" dirty="0" smtClean="0"/>
-              <a:t> et je fait appelle a ma </a:t>
-            </a:r>
-            <a:r>
-              <a:rPr lang="fr-FR" sz="1600" dirty="0" err="1" smtClean="0"/>
-              <a:t>function</a:t>
-            </a:r>
-            <a:r>
-              <a:rPr lang="fr-FR" sz="1600" dirty="0" smtClean="0"/>
-              <a:t> </a:t>
+              <a:t> et je fait appelle a cette a </a:t>
             </a:r>
             <a:r>
               <a:rPr lang="fr-FR" sz="1600" dirty="0" err="1" smtClean="0"/>
@@ -7618,43 +7474,7 @@
             </a:r>
             <a:r>
               <a:rPr lang="fr-FR" sz="1600" dirty="0" smtClean="0"/>
-              <a:t> si il ni est pas je push le produit ans mon </a:t>
-            </a:r>
-            <a:r>
-              <a:rPr lang="fr-FR" sz="1600" dirty="0" err="1" smtClean="0"/>
-              <a:t>cart</a:t>
-            </a:r>
-            <a:r>
-              <a:rPr lang="fr-FR" sz="1600" dirty="0" smtClean="0"/>
-              <a:t> et je </a:t>
-            </a:r>
-            <a:r>
-              <a:rPr lang="fr-FR" sz="1600" dirty="0" smtClean="0"/>
-              <a:t>f</a:t>
-            </a:r>
-            <a:r>
-              <a:rPr lang="fr-FR" sz="1600" dirty="0" smtClean="0"/>
-              <a:t>ait appelle a </a:t>
-            </a:r>
-            <a:r>
-              <a:rPr lang="fr-FR" sz="1600" dirty="0" smtClean="0"/>
-              <a:t>cette </a:t>
-            </a:r>
-            <a:r>
-              <a:rPr lang="fr-FR" sz="1600" dirty="0" smtClean="0"/>
-              <a:t>a </a:t>
-            </a:r>
-            <a:r>
-              <a:rPr lang="fr-FR" sz="1600" dirty="0" err="1" smtClean="0"/>
-              <a:t>saveCart</a:t>
-            </a:r>
-            <a:r>
-              <a:rPr lang="fr-FR" sz="1600" dirty="0" smtClean="0"/>
               <a:t> </a:t>
-            </a:r>
-            <a:r>
-              <a:rPr lang="fr-FR" sz="1600" dirty="0" smtClean="0"/>
-              <a:t/>
             </a:r>
             <a:br>
               <a:rPr lang="fr-FR" sz="1600" dirty="0" smtClean="0"/>
@@ -7690,7 +7510,6 @@
               <a:rPr lang="fr-FR" sz="1800" dirty="0" smtClean="0"/>
               <a:t> ligne 110</a:t>
             </a:r>
-            <a:endParaRPr lang="fr-FR" sz="1800" dirty="0" smtClean="0"/>
           </a:p>
           <a:p>
             <a:r>
@@ -7698,12 +7517,12 @@
               <a:t>Demande si nous avons finit les achats si oui nous somme </a:t>
             </a:r>
             <a:r>
-              <a:rPr lang="fr-FR" sz="1800" dirty="0" err="1" smtClean="0"/>
-              <a:t>rdiriger</a:t>
-            </a:r>
-            <a:r>
               <a:rPr lang="fr-FR" sz="1800" dirty="0" smtClean="0"/>
-              <a:t> vers le panier </a:t>
+              <a:t>rediriger </a:t>
+            </a:r>
+            <a:r>
+              <a:rPr lang="fr-FR" sz="1800" dirty="0" smtClean="0"/>
+              <a:t>vers le panier </a:t>
             </a:r>
             <a:r>
               <a:rPr lang="fr-FR" sz="1800" dirty="0" err="1" smtClean="0"/>
@@ -7723,11 +7542,7 @@
             </a:r>
             <a:r>
               <a:rPr lang="fr-FR" sz="1800" dirty="0" err="1" smtClean="0"/>
-              <a:t>redirect</a:t>
-            </a:r>
-            <a:r>
-              <a:rPr lang="fr-FR" sz="1800" dirty="0" err="1" smtClean="0"/>
-              <a:t>ToCart</a:t>
+              <a:t>redirectToCart</a:t>
             </a:r>
             <a:r>
               <a:rPr lang="fr-FR" sz="1800" dirty="0" smtClean="0"/>
